--- a/プレゼン/RapidCart20191202.pptx
+++ b/プレゼン/RapidCart20191202.pptx
@@ -4,6 +4,9 @@
   <p:sldMasterIdLst>
     <p:sldMasterId id="2147483780" r:id="rId1"/>
   </p:sldMasterIdLst>
+  <p:notesMasterIdLst>
+    <p:notesMasterId r:id="rId11"/>
+  </p:notesMasterIdLst>
   <p:sldIdLst>
     <p:sldId id="256" r:id="rId2"/>
     <p:sldId id="257" r:id="rId3"/>
@@ -1149,6 +1152,13 @@
         </dgm:presLayoutVars>
       </dgm:prSet>
       <dgm:spPr/>
+      <dgm:t>
+        <a:bodyPr/>
+        <a:lstStyle/>
+        <a:p>
+          <a:endParaRPr kumimoji="1" lang="ja-JP" altLang="en-US"/>
+        </a:p>
+      </dgm:t>
     </dgm:pt>
     <dgm:pt modelId="{8EC198BB-1160-49F7-AEDD-2AB3DDD21392}" type="pres">
       <dgm:prSet presAssocID="{AC858951-7E9B-4445-AFD3-DCF11FE15B43}" presName="composite" presStyleCnt="0"/>
@@ -1163,6 +1173,13 @@
         </dgm:presLayoutVars>
       </dgm:prSet>
       <dgm:spPr/>
+      <dgm:t>
+        <a:bodyPr/>
+        <a:lstStyle/>
+        <a:p>
+          <a:endParaRPr kumimoji="1" lang="ja-JP" altLang="en-US"/>
+        </a:p>
+      </dgm:t>
     </dgm:pt>
     <dgm:pt modelId="{B4FE8792-0ADE-4BE8-B783-422E8D4ED022}" type="pres">
       <dgm:prSet presAssocID="{AC858951-7E9B-4445-AFD3-DCF11FE15B43}" presName="desTx" presStyleLbl="alignAccFollowNode1" presStyleIdx="0" presStyleCnt="2">
@@ -1229,8 +1246,8 @@
     <dgm:cxn modelId="{F4FC94B2-F343-4E4C-95CC-B86875646531}" srcId="{AC858951-7E9B-4445-AFD3-DCF11FE15B43}" destId="{ABF305DE-77F3-419D-BA1B-121703CD973B}" srcOrd="0" destOrd="0" parTransId="{1CF6F2FE-99A5-4BCA-9DCF-9383AC11A7EC}" sibTransId="{78333C82-FB92-45D5-869D-48D34955675A}"/>
     <dgm:cxn modelId="{50BC047C-A3CC-409E-B3C5-C4BFF8BD25BF}" type="presOf" srcId="{2B9453B3-5DB0-4A02-8F5E-3B7CF0846D0D}" destId="{06B20D72-A680-4353-AED1-F6393D9D7DF4}" srcOrd="0" destOrd="0" presId="urn:microsoft.com/office/officeart/2005/8/layout/hList1"/>
     <dgm:cxn modelId="{9E879B10-280B-40AD-B546-6CA431F66EF8}" srcId="{3A163624-AA8E-4567-91BA-139661D4A05F}" destId="{9D72DBFF-727C-4C46-AF20-A1993A52278E}" srcOrd="1" destOrd="0" parTransId="{490F4D85-0048-448C-B8C3-72270E1E2019}" sibTransId="{AA4D4BE2-CE33-4C6B-AA05-380CCD51EBE6}"/>
+    <dgm:cxn modelId="{386C9AA9-302F-4EF2-A806-F6362E283DA2}" type="presOf" srcId="{CED4E897-636B-4E2B-BB6B-D54FBD118158}" destId="{B4FE8792-0ADE-4BE8-B783-422E8D4ED022}" srcOrd="0" destOrd="3" presId="urn:microsoft.com/office/officeart/2005/8/layout/hList1"/>
     <dgm:cxn modelId="{7E800ABD-6F3A-4217-B553-40FFC0A3C3AA}" type="presOf" srcId="{7840D832-C00D-4001-95C7-1E982562382A}" destId="{B4FE8792-0ADE-4BE8-B783-422E8D4ED022}" srcOrd="0" destOrd="2" presId="urn:microsoft.com/office/officeart/2005/8/layout/hList1"/>
-    <dgm:cxn modelId="{386C9AA9-302F-4EF2-A806-F6362E283DA2}" type="presOf" srcId="{CED4E897-636B-4E2B-BB6B-D54FBD118158}" destId="{B4FE8792-0ADE-4BE8-B783-422E8D4ED022}" srcOrd="0" destOrd="3" presId="urn:microsoft.com/office/officeart/2005/8/layout/hList1"/>
     <dgm:cxn modelId="{895505E8-D1EC-437A-B3FA-C9FE000DAE31}" srcId="{9D72DBFF-727C-4C46-AF20-A1993A52278E}" destId="{2B9453B3-5DB0-4A02-8F5E-3B7CF0846D0D}" srcOrd="0" destOrd="0" parTransId="{8BA53BD6-5988-49DD-9664-CA498487EC5E}" sibTransId="{B11981B1-5788-47AC-BDD2-E8DA27848273}"/>
     <dgm:cxn modelId="{6A250DC8-2FD2-473F-97EB-333C2AD16828}" srcId="{ABF305DE-77F3-419D-BA1B-121703CD973B}" destId="{7840D832-C00D-4001-95C7-1E982562382A}" srcOrd="1" destOrd="0" parTransId="{732273CC-ED0A-4C1A-8F30-CADFF0FA3E8C}" sibTransId="{E1774436-26C2-42CC-853F-819E274AB464}"/>
     <dgm:cxn modelId="{C580B453-7882-4A1F-B8AB-9C595634624E}" srcId="{ABF305DE-77F3-419D-BA1B-121703CD973B}" destId="{24FEBA4B-F65B-48CA-A5D0-9580416EDA60}" srcOrd="0" destOrd="0" parTransId="{9A2B9754-A9B4-469C-A944-992CB552CEFF}" sibTransId="{E1C65400-A7B9-47B1-94D5-B48D18A454A2}"/>
@@ -2888,6 +2905,490 @@
 </dgm:styleDef>
 </file>
 
+<file path=ppt/notesMasters/notesMaster1.xml><?xml version="1.0" encoding="utf-8"?>
+<p:notesMaster xmlns:a="http://schemas.openxmlformats.org/drawingml/2006/main" xmlns:r="http://schemas.openxmlformats.org/officeDocument/2006/relationships" xmlns:p="http://schemas.openxmlformats.org/presentationml/2006/main">
+  <p:cSld>
+    <p:bg>
+      <p:bgRef idx="1001">
+        <a:schemeClr val="bg1"/>
+      </p:bgRef>
+    </p:bg>
+    <p:spTree>
+      <p:nvGrpSpPr>
+        <p:cNvPr id="1" name=""/>
+        <p:cNvGrpSpPr/>
+        <p:nvPr/>
+      </p:nvGrpSpPr>
+      <p:grpSpPr>
+        <a:xfrm>
+          <a:off x="0" y="0"/>
+          <a:ext cx="0" cy="0"/>
+          <a:chOff x="0" y="0"/>
+          <a:chExt cx="0" cy="0"/>
+        </a:xfrm>
+      </p:grpSpPr>
+      <p:sp>
+        <p:nvSpPr>
+          <p:cNvPr id="2" name="ヘッダー プレースホルダー 1"/>
+          <p:cNvSpPr>
+            <a:spLocks noGrp="1"/>
+          </p:cNvSpPr>
+          <p:nvPr>
+            <p:ph type="hdr" sz="quarter"/>
+          </p:nvPr>
+        </p:nvSpPr>
+        <p:spPr>
+          <a:xfrm>
+            <a:off x="0" y="0"/>
+            <a:ext cx="2971800" cy="458788"/>
+          </a:xfrm>
+          <a:prstGeom prst="rect">
+            <a:avLst/>
+          </a:prstGeom>
+        </p:spPr>
+        <p:txBody>
+          <a:bodyPr vert="horz" lIns="91440" tIns="45720" rIns="91440" bIns="45720" rtlCol="0"/>
+          <a:lstStyle>
+            <a:lvl1pPr algn="l">
+              <a:defRPr sz="1200"/>
+            </a:lvl1pPr>
+          </a:lstStyle>
+          <a:p>
+            <a:endParaRPr kumimoji="1" lang="ja-JP" altLang="en-US"/>
+          </a:p>
+        </p:txBody>
+      </p:sp>
+      <p:sp>
+        <p:nvSpPr>
+          <p:cNvPr id="3" name="日付プレースホルダー 2"/>
+          <p:cNvSpPr>
+            <a:spLocks noGrp="1"/>
+          </p:cNvSpPr>
+          <p:nvPr>
+            <p:ph type="dt" idx="1"/>
+          </p:nvPr>
+        </p:nvSpPr>
+        <p:spPr>
+          <a:xfrm>
+            <a:off x="3884613" y="0"/>
+            <a:ext cx="2971800" cy="458788"/>
+          </a:xfrm>
+          <a:prstGeom prst="rect">
+            <a:avLst/>
+          </a:prstGeom>
+        </p:spPr>
+        <p:txBody>
+          <a:bodyPr vert="horz" lIns="91440" tIns="45720" rIns="91440" bIns="45720" rtlCol="0"/>
+          <a:lstStyle>
+            <a:lvl1pPr algn="r">
+              <a:defRPr sz="1200"/>
+            </a:lvl1pPr>
+          </a:lstStyle>
+          <a:p>
+            <a:fld id="{0649F128-D4FC-489C-860B-9DD0AB1578C1}" type="datetimeFigureOut">
+              <a:rPr kumimoji="1" lang="ja-JP" altLang="en-US" smtClean="0"/>
+              <a:t>2019/11/27</a:t>
+            </a:fld>
+            <a:endParaRPr kumimoji="1" lang="ja-JP" altLang="en-US"/>
+          </a:p>
+        </p:txBody>
+      </p:sp>
+      <p:sp>
+        <p:nvSpPr>
+          <p:cNvPr id="4" name="スライド イメージ プレースホルダー 3"/>
+          <p:cNvSpPr>
+            <a:spLocks noGrp="1" noRot="1" noChangeAspect="1"/>
+          </p:cNvSpPr>
+          <p:nvPr>
+            <p:ph type="sldImg" idx="2"/>
+          </p:nvPr>
+        </p:nvSpPr>
+        <p:spPr>
+          <a:xfrm>
+            <a:off x="685800" y="1143000"/>
+            <a:ext cx="5486400" cy="3086100"/>
+          </a:xfrm>
+          <a:prstGeom prst="rect">
+            <a:avLst/>
+          </a:prstGeom>
+          <a:noFill/>
+          <a:ln w="12700">
+            <a:solidFill>
+              <a:prstClr val="black"/>
+            </a:solidFill>
+          </a:ln>
+        </p:spPr>
+        <p:txBody>
+          <a:bodyPr vert="horz" lIns="91440" tIns="45720" rIns="91440" bIns="45720" rtlCol="0" anchor="ctr"/>
+          <a:lstStyle/>
+          <a:p>
+            <a:endParaRPr lang="ja-JP" altLang="en-US"/>
+          </a:p>
+        </p:txBody>
+      </p:sp>
+      <p:sp>
+        <p:nvSpPr>
+          <p:cNvPr id="5" name="ノート プレースホルダー 4"/>
+          <p:cNvSpPr>
+            <a:spLocks noGrp="1"/>
+          </p:cNvSpPr>
+          <p:nvPr>
+            <p:ph type="body" sz="quarter" idx="3"/>
+          </p:nvPr>
+        </p:nvSpPr>
+        <p:spPr>
+          <a:xfrm>
+            <a:off x="685800" y="4400550"/>
+            <a:ext cx="5486400" cy="3600450"/>
+          </a:xfrm>
+          <a:prstGeom prst="rect">
+            <a:avLst/>
+          </a:prstGeom>
+        </p:spPr>
+        <p:txBody>
+          <a:bodyPr vert="horz" lIns="91440" tIns="45720" rIns="91440" bIns="45720" rtlCol="0"/>
+          <a:lstStyle/>
+          <a:p>
+            <a:pPr lvl="0"/>
+            <a:r>
+              <a:rPr kumimoji="1" lang="ja-JP" altLang="en-US" smtClean="0"/>
+              <a:t>マスター テキストの書式設定</a:t>
+            </a:r>
+          </a:p>
+          <a:p>
+            <a:pPr lvl="1"/>
+            <a:r>
+              <a:rPr kumimoji="1" lang="ja-JP" altLang="en-US" smtClean="0"/>
+              <a:t>第 </a:t>
+            </a:r>
+            <a:r>
+              <a:rPr kumimoji="1" lang="en-US" altLang="ja-JP" smtClean="0"/>
+              <a:t>2 </a:t>
+            </a:r>
+            <a:r>
+              <a:rPr kumimoji="1" lang="ja-JP" altLang="en-US" smtClean="0"/>
+              <a:t>レベル</a:t>
+            </a:r>
+          </a:p>
+          <a:p>
+            <a:pPr lvl="2"/>
+            <a:r>
+              <a:rPr kumimoji="1" lang="ja-JP" altLang="en-US" smtClean="0"/>
+              <a:t>第 </a:t>
+            </a:r>
+            <a:r>
+              <a:rPr kumimoji="1" lang="en-US" altLang="ja-JP" smtClean="0"/>
+              <a:t>3 </a:t>
+            </a:r>
+            <a:r>
+              <a:rPr kumimoji="1" lang="ja-JP" altLang="en-US" smtClean="0"/>
+              <a:t>レベル</a:t>
+            </a:r>
+          </a:p>
+          <a:p>
+            <a:pPr lvl="3"/>
+            <a:r>
+              <a:rPr kumimoji="1" lang="ja-JP" altLang="en-US" smtClean="0"/>
+              <a:t>第 </a:t>
+            </a:r>
+            <a:r>
+              <a:rPr kumimoji="1" lang="en-US" altLang="ja-JP" smtClean="0"/>
+              <a:t>4 </a:t>
+            </a:r>
+            <a:r>
+              <a:rPr kumimoji="1" lang="ja-JP" altLang="en-US" smtClean="0"/>
+              <a:t>レベル</a:t>
+            </a:r>
+          </a:p>
+          <a:p>
+            <a:pPr lvl="4"/>
+            <a:r>
+              <a:rPr kumimoji="1" lang="ja-JP" altLang="en-US" smtClean="0"/>
+              <a:t>第 </a:t>
+            </a:r>
+            <a:r>
+              <a:rPr kumimoji="1" lang="en-US" altLang="ja-JP" smtClean="0"/>
+              <a:t>5 </a:t>
+            </a:r>
+            <a:r>
+              <a:rPr kumimoji="1" lang="ja-JP" altLang="en-US" smtClean="0"/>
+              <a:t>レベル</a:t>
+            </a:r>
+            <a:endParaRPr kumimoji="1" lang="ja-JP" altLang="en-US"/>
+          </a:p>
+        </p:txBody>
+      </p:sp>
+      <p:sp>
+        <p:nvSpPr>
+          <p:cNvPr id="6" name="フッター プレースホルダー 5"/>
+          <p:cNvSpPr>
+            <a:spLocks noGrp="1"/>
+          </p:cNvSpPr>
+          <p:nvPr>
+            <p:ph type="ftr" sz="quarter" idx="4"/>
+          </p:nvPr>
+        </p:nvSpPr>
+        <p:spPr>
+          <a:xfrm>
+            <a:off x="0" y="8685213"/>
+            <a:ext cx="2971800" cy="458787"/>
+          </a:xfrm>
+          <a:prstGeom prst="rect">
+            <a:avLst/>
+          </a:prstGeom>
+        </p:spPr>
+        <p:txBody>
+          <a:bodyPr vert="horz" lIns="91440" tIns="45720" rIns="91440" bIns="45720" rtlCol="0" anchor="b"/>
+          <a:lstStyle>
+            <a:lvl1pPr algn="l">
+              <a:defRPr sz="1200"/>
+            </a:lvl1pPr>
+          </a:lstStyle>
+          <a:p>
+            <a:endParaRPr kumimoji="1" lang="ja-JP" altLang="en-US"/>
+          </a:p>
+        </p:txBody>
+      </p:sp>
+      <p:sp>
+        <p:nvSpPr>
+          <p:cNvPr id="7" name="スライド番号プレースホルダー 6"/>
+          <p:cNvSpPr>
+            <a:spLocks noGrp="1"/>
+          </p:cNvSpPr>
+          <p:nvPr>
+            <p:ph type="sldNum" sz="quarter" idx="5"/>
+          </p:nvPr>
+        </p:nvSpPr>
+        <p:spPr>
+          <a:xfrm>
+            <a:off x="3884613" y="8685213"/>
+            <a:ext cx="2971800" cy="458787"/>
+          </a:xfrm>
+          <a:prstGeom prst="rect">
+            <a:avLst/>
+          </a:prstGeom>
+        </p:spPr>
+        <p:txBody>
+          <a:bodyPr vert="horz" lIns="91440" tIns="45720" rIns="91440" bIns="45720" rtlCol="0" anchor="b"/>
+          <a:lstStyle>
+            <a:lvl1pPr algn="r">
+              <a:defRPr sz="1200"/>
+            </a:lvl1pPr>
+          </a:lstStyle>
+          <a:p>
+            <a:fld id="{1705D8A9-7A56-411A-9EF9-F7869DF78C8C}" type="slidenum">
+              <a:rPr kumimoji="1" lang="ja-JP" altLang="en-US" smtClean="0"/>
+              <a:t>‹#›</a:t>
+            </a:fld>
+            <a:endParaRPr kumimoji="1" lang="ja-JP" altLang="en-US"/>
+          </a:p>
+        </p:txBody>
+      </p:sp>
+    </p:spTree>
+    <p:extLst>
+      <p:ext uri="{BB962C8B-B14F-4D97-AF65-F5344CB8AC3E}">
+        <p14:creationId xmlns:p14="http://schemas.microsoft.com/office/powerpoint/2010/main" val="637378919"/>
+      </p:ext>
+    </p:extLst>
+  </p:cSld>
+  <p:clrMap bg1="lt1" tx1="dk1" bg2="lt2" tx2="dk2" accent1="accent1" accent2="accent2" accent3="accent3" accent4="accent4" accent5="accent5" accent6="accent6" hlink="hlink" folHlink="folHlink"/>
+  <p:notesStyle>
+    <a:lvl1pPr marL="0" algn="l" defTabSz="914400" rtl="0" eaLnBrk="1" latinLnBrk="0" hangingPunct="1">
+      <a:defRPr kumimoji="1" sz="1200" kern="1200">
+        <a:solidFill>
+          <a:schemeClr val="tx1"/>
+        </a:solidFill>
+        <a:latin typeface="+mn-lt"/>
+        <a:ea typeface="+mn-ea"/>
+        <a:cs typeface="+mn-cs"/>
+      </a:defRPr>
+    </a:lvl1pPr>
+    <a:lvl2pPr marL="457200" algn="l" defTabSz="914400" rtl="0" eaLnBrk="1" latinLnBrk="0" hangingPunct="1">
+      <a:defRPr kumimoji="1" sz="1200" kern="1200">
+        <a:solidFill>
+          <a:schemeClr val="tx1"/>
+        </a:solidFill>
+        <a:latin typeface="+mn-lt"/>
+        <a:ea typeface="+mn-ea"/>
+        <a:cs typeface="+mn-cs"/>
+      </a:defRPr>
+    </a:lvl2pPr>
+    <a:lvl3pPr marL="914400" algn="l" defTabSz="914400" rtl="0" eaLnBrk="1" latinLnBrk="0" hangingPunct="1">
+      <a:defRPr kumimoji="1" sz="1200" kern="1200">
+        <a:solidFill>
+          <a:schemeClr val="tx1"/>
+        </a:solidFill>
+        <a:latin typeface="+mn-lt"/>
+        <a:ea typeface="+mn-ea"/>
+        <a:cs typeface="+mn-cs"/>
+      </a:defRPr>
+    </a:lvl3pPr>
+    <a:lvl4pPr marL="1371600" algn="l" defTabSz="914400" rtl="0" eaLnBrk="1" latinLnBrk="0" hangingPunct="1">
+      <a:defRPr kumimoji="1" sz="1200" kern="1200">
+        <a:solidFill>
+          <a:schemeClr val="tx1"/>
+        </a:solidFill>
+        <a:latin typeface="+mn-lt"/>
+        <a:ea typeface="+mn-ea"/>
+        <a:cs typeface="+mn-cs"/>
+      </a:defRPr>
+    </a:lvl4pPr>
+    <a:lvl5pPr marL="1828800" algn="l" defTabSz="914400" rtl="0" eaLnBrk="1" latinLnBrk="0" hangingPunct="1">
+      <a:defRPr kumimoji="1" sz="1200" kern="1200">
+        <a:solidFill>
+          <a:schemeClr val="tx1"/>
+        </a:solidFill>
+        <a:latin typeface="+mn-lt"/>
+        <a:ea typeface="+mn-ea"/>
+        <a:cs typeface="+mn-cs"/>
+      </a:defRPr>
+    </a:lvl5pPr>
+    <a:lvl6pPr marL="2286000" algn="l" defTabSz="914400" rtl="0" eaLnBrk="1" latinLnBrk="0" hangingPunct="1">
+      <a:defRPr kumimoji="1" sz="1200" kern="1200">
+        <a:solidFill>
+          <a:schemeClr val="tx1"/>
+        </a:solidFill>
+        <a:latin typeface="+mn-lt"/>
+        <a:ea typeface="+mn-ea"/>
+        <a:cs typeface="+mn-cs"/>
+      </a:defRPr>
+    </a:lvl6pPr>
+    <a:lvl7pPr marL="2743200" algn="l" defTabSz="914400" rtl="0" eaLnBrk="1" latinLnBrk="0" hangingPunct="1">
+      <a:defRPr kumimoji="1" sz="1200" kern="1200">
+        <a:solidFill>
+          <a:schemeClr val="tx1"/>
+        </a:solidFill>
+        <a:latin typeface="+mn-lt"/>
+        <a:ea typeface="+mn-ea"/>
+        <a:cs typeface="+mn-cs"/>
+      </a:defRPr>
+    </a:lvl7pPr>
+    <a:lvl8pPr marL="3200400" algn="l" defTabSz="914400" rtl="0" eaLnBrk="1" latinLnBrk="0" hangingPunct="1">
+      <a:defRPr kumimoji="1" sz="1200" kern="1200">
+        <a:solidFill>
+          <a:schemeClr val="tx1"/>
+        </a:solidFill>
+        <a:latin typeface="+mn-lt"/>
+        <a:ea typeface="+mn-ea"/>
+        <a:cs typeface="+mn-cs"/>
+      </a:defRPr>
+    </a:lvl8pPr>
+    <a:lvl9pPr marL="3657600" algn="l" defTabSz="914400" rtl="0" eaLnBrk="1" latinLnBrk="0" hangingPunct="1">
+      <a:defRPr kumimoji="1" sz="1200" kern="1200">
+        <a:solidFill>
+          <a:schemeClr val="tx1"/>
+        </a:solidFill>
+        <a:latin typeface="+mn-lt"/>
+        <a:ea typeface="+mn-ea"/>
+        <a:cs typeface="+mn-cs"/>
+      </a:defRPr>
+    </a:lvl9pPr>
+  </p:notesStyle>
+</p:notesMaster>
+</file>
+
+<file path=ppt/notesSlides/notesSlide1.xml><?xml version="1.0" encoding="utf-8"?>
+<p:notes xmlns:a="http://schemas.openxmlformats.org/drawingml/2006/main" xmlns:r="http://schemas.openxmlformats.org/officeDocument/2006/relationships" xmlns:p="http://schemas.openxmlformats.org/presentationml/2006/main">
+  <p:cSld>
+    <p:spTree>
+      <p:nvGrpSpPr>
+        <p:cNvPr id="1" name=""/>
+        <p:cNvGrpSpPr/>
+        <p:nvPr/>
+      </p:nvGrpSpPr>
+      <p:grpSpPr>
+        <a:xfrm>
+          <a:off x="0" y="0"/>
+          <a:ext cx="0" cy="0"/>
+          <a:chOff x="0" y="0"/>
+          <a:chExt cx="0" cy="0"/>
+        </a:xfrm>
+      </p:grpSpPr>
+      <p:sp>
+        <p:nvSpPr>
+          <p:cNvPr id="2" name="スライド イメージ プレースホルダー 1"/>
+          <p:cNvSpPr>
+            <a:spLocks noGrp="1" noRot="1" noChangeAspect="1"/>
+          </p:cNvSpPr>
+          <p:nvPr>
+            <p:ph type="sldImg"/>
+          </p:nvPr>
+        </p:nvSpPr>
+        <p:spPr/>
+      </p:sp>
+      <p:sp>
+        <p:nvSpPr>
+          <p:cNvPr id="3" name="ノート プレースホルダー 2"/>
+          <p:cNvSpPr>
+            <a:spLocks noGrp="1"/>
+          </p:cNvSpPr>
+          <p:nvPr>
+            <p:ph type="body" idx="1"/>
+          </p:nvPr>
+        </p:nvSpPr>
+        <p:spPr/>
+        <p:txBody>
+          <a:bodyPr/>
+          <a:lstStyle/>
+          <a:p>
+            <a:r>
+              <a:rPr kumimoji="1" lang="ja-JP" altLang="en-US" smtClean="0"/>
+              <a:t>１）今週、何がどこまでできたか？</a:t>
+            </a:r>
+            <a:endParaRPr kumimoji="1" lang="en-US" altLang="ja-JP" smtClean="0"/>
+          </a:p>
+          <a:p>
+            <a:r>
+              <a:rPr kumimoji="1" lang="ja-JP" altLang="en-US" smtClean="0"/>
+              <a:t>２）なにか研究が進まない問題があるか？</a:t>
+            </a:r>
+            <a:endParaRPr kumimoji="1" lang="en-US" altLang="ja-JP" smtClean="0"/>
+          </a:p>
+          <a:p>
+            <a:r>
+              <a:rPr kumimoji="1" lang="ja-JP" altLang="en-US" smtClean="0"/>
+              <a:t>３）次の週は何をどこまで進める計画か？</a:t>
+            </a:r>
+            <a:endParaRPr kumimoji="1" lang="ja-JP" altLang="en-US"/>
+          </a:p>
+        </p:txBody>
+      </p:sp>
+      <p:sp>
+        <p:nvSpPr>
+          <p:cNvPr id="4" name="スライド番号プレースホルダー 3"/>
+          <p:cNvSpPr>
+            <a:spLocks noGrp="1"/>
+          </p:cNvSpPr>
+          <p:nvPr>
+            <p:ph type="sldNum" sz="quarter" idx="10"/>
+          </p:nvPr>
+        </p:nvSpPr>
+        <p:spPr/>
+        <p:txBody>
+          <a:bodyPr/>
+          <a:lstStyle/>
+          <a:p>
+            <a:fld id="{1705D8A9-7A56-411A-9EF9-F7869DF78C8C}" type="slidenum">
+              <a:rPr kumimoji="1" lang="ja-JP" altLang="en-US" smtClean="0"/>
+              <a:t>2</a:t>
+            </a:fld>
+            <a:endParaRPr kumimoji="1" lang="ja-JP" altLang="en-US"/>
+          </a:p>
+        </p:txBody>
+      </p:sp>
+    </p:spTree>
+    <p:extLst>
+      <p:ext uri="{BB962C8B-B14F-4D97-AF65-F5344CB8AC3E}">
+        <p14:creationId xmlns:p14="http://schemas.microsoft.com/office/powerpoint/2010/main" val="1794580427"/>
+      </p:ext>
+    </p:extLst>
+  </p:cSld>
+  <p:clrMapOvr>
+    <a:masterClrMapping/>
+  </p:clrMapOvr>
+</p:notes>
+</file>
+
 <file path=ppt/slideLayouts/slideLayout1.xml><?xml version="1.0" encoding="utf-8"?>
 <p:sldLayout xmlns:a="http://schemas.openxmlformats.org/drawingml/2006/main" xmlns:r="http://schemas.openxmlformats.org/officeDocument/2006/relationships" xmlns:p="http://schemas.openxmlformats.org/presentationml/2006/main" showMasterSp="0" type="title" preserve="1">
   <p:cSld name="タイトル スライド">
@@ -3114,7 +3615,7 @@
           <a:p>
             <a:fld id="{E50F9C81-DB02-44DB-A10A-141CA506DBCE}" type="datetimeFigureOut">
               <a:rPr kumimoji="1" lang="ja-JP" altLang="en-US" smtClean="0"/>
-              <a:t>2019/11/22</a:t>
+              <a:t>2019/11/27</a:t>
             </a:fld>
             <a:endParaRPr kumimoji="1" lang="ja-JP" altLang="en-US"/>
           </a:p>
@@ -3361,7 +3862,7 @@
           <a:p>
             <a:fld id="{E50F9C81-DB02-44DB-A10A-141CA506DBCE}" type="datetimeFigureOut">
               <a:rPr kumimoji="1" lang="ja-JP" altLang="en-US" smtClean="0"/>
-              <a:t>2019/11/22</a:t>
+              <a:t>2019/11/27</a:t>
             </a:fld>
             <a:endParaRPr kumimoji="1" lang="ja-JP" altLang="en-US"/>
           </a:p>
@@ -3656,7 +4157,7 @@
           <a:p>
             <a:fld id="{E50F9C81-DB02-44DB-A10A-141CA506DBCE}" type="datetimeFigureOut">
               <a:rPr kumimoji="1" lang="ja-JP" altLang="en-US" smtClean="0"/>
-              <a:t>2019/11/22</a:t>
+              <a:t>2019/11/27</a:t>
             </a:fld>
             <a:endParaRPr kumimoji="1" lang="ja-JP" altLang="en-US"/>
           </a:p>
@@ -3885,7 +4386,7 @@
           <a:p>
             <a:fld id="{E50F9C81-DB02-44DB-A10A-141CA506DBCE}" type="datetimeFigureOut">
               <a:rPr kumimoji="1" lang="ja-JP" altLang="en-US" smtClean="0"/>
-              <a:t>2019/11/22</a:t>
+              <a:t>2019/11/27</a:t>
             </a:fld>
             <a:endParaRPr kumimoji="1" lang="ja-JP" altLang="en-US"/>
           </a:p>
@@ -4235,7 +4736,7 @@
           <a:p>
             <a:fld id="{E50F9C81-DB02-44DB-A10A-141CA506DBCE}" type="datetimeFigureOut">
               <a:rPr kumimoji="1" lang="ja-JP" altLang="en-US" smtClean="0"/>
-              <a:t>2019/11/22</a:t>
+              <a:t>2019/11/27</a:t>
             </a:fld>
             <a:endParaRPr kumimoji="1" lang="ja-JP" altLang="en-US"/>
           </a:p>
@@ -4622,7 +5123,7 @@
             <a:fld id="{E50F9C81-DB02-44DB-A10A-141CA506DBCE}" type="datetimeFigureOut">
               <a:rPr lang="ja-JP" altLang="en-US" smtClean="0"/>
               <a:pPr/>
-              <a:t>2019/11/22</a:t>
+              <a:t>2019/11/27</a:t>
             </a:fld>
             <a:endParaRPr lang="ja-JP" altLang="en-US"/>
           </a:p>
@@ -5113,7 +5614,7 @@
           <a:p>
             <a:fld id="{E50F9C81-DB02-44DB-A10A-141CA506DBCE}" type="datetimeFigureOut">
               <a:rPr kumimoji="1" lang="ja-JP" altLang="en-US" smtClean="0"/>
-              <a:t>2019/11/22</a:t>
+              <a:t>2019/11/27</a:t>
             </a:fld>
             <a:endParaRPr kumimoji="1" lang="ja-JP" altLang="en-US"/>
           </a:p>
@@ -5238,7 +5739,7 @@
           <a:p>
             <a:fld id="{E50F9C81-DB02-44DB-A10A-141CA506DBCE}" type="datetimeFigureOut">
               <a:rPr kumimoji="1" lang="ja-JP" altLang="en-US" smtClean="0"/>
-              <a:t>2019/11/22</a:t>
+              <a:t>2019/11/27</a:t>
             </a:fld>
             <a:endParaRPr kumimoji="1" lang="ja-JP" altLang="en-US"/>
           </a:p>
@@ -5416,7 +5917,7 @@
           <a:p>
             <a:fld id="{E50F9C81-DB02-44DB-A10A-141CA506DBCE}" type="datetimeFigureOut">
               <a:rPr kumimoji="1" lang="ja-JP" altLang="en-US" smtClean="0"/>
-              <a:t>2019/11/22</a:t>
+              <a:t>2019/11/27</a:t>
             </a:fld>
             <a:endParaRPr kumimoji="1" lang="ja-JP" altLang="en-US"/>
           </a:p>
@@ -5809,7 +6310,7 @@
           <a:p>
             <a:fld id="{E50F9C81-DB02-44DB-A10A-141CA506DBCE}" type="datetimeFigureOut">
               <a:rPr kumimoji="1" lang="ja-JP" altLang="en-US" smtClean="0"/>
-              <a:t>2019/11/22</a:t>
+              <a:t>2019/11/27</a:t>
             </a:fld>
             <a:endParaRPr kumimoji="1" lang="ja-JP" altLang="en-US"/>
           </a:p>
@@ -6186,7 +6687,7 @@
           <a:p>
             <a:fld id="{E50F9C81-DB02-44DB-A10A-141CA506DBCE}" type="datetimeFigureOut">
               <a:rPr kumimoji="1" lang="ja-JP" altLang="en-US" smtClean="0"/>
-              <a:t>2019/11/22</a:t>
+              <a:t>2019/11/27</a:t>
             </a:fld>
             <a:endParaRPr kumimoji="1" lang="ja-JP" altLang="en-US"/>
           </a:p>
@@ -6505,7 +7006,7 @@
           <a:p>
             <a:fld id="{E50F9C81-DB02-44DB-A10A-141CA506DBCE}" type="datetimeFigureOut">
               <a:rPr kumimoji="1" lang="ja-JP" altLang="en-US" smtClean="0"/>
-              <a:t>2019/11/22</a:t>
+              <a:t>2019/11/27</a:t>
             </a:fld>
             <a:endParaRPr kumimoji="1" lang="ja-JP" altLang="en-US"/>
           </a:p>
@@ -7203,15 +7704,7 @@
             </a:pPr>
             <a:r>
               <a:rPr kumimoji="1" lang="ja-JP" altLang="en-US" sz="3600" smtClean="0"/>
-              <a:t>　現在</a:t>
-            </a:r>
-            <a:r>
-              <a:rPr kumimoji="1" lang="ja-JP" altLang="en-US" sz="3600" smtClean="0"/>
-              <a:t>の段階・状況</a:t>
-            </a:r>
-            <a:r>
-              <a:rPr kumimoji="1" lang="ja-JP" altLang="en-US" sz="3600" smtClean="0"/>
-              <a:t>　</a:t>
+              <a:t>　現在の段階・状況　</a:t>
             </a:r>
             <a:endParaRPr kumimoji="1" lang="en-US" altLang="ja-JP" sz="3600" smtClean="0"/>
           </a:p>
@@ -7222,13 +7715,13 @@
             </a:pPr>
             <a:r>
               <a:rPr kumimoji="1" lang="ja-JP" altLang="en-US" sz="3600" smtClean="0"/>
-              <a:t>　リアルタイム性が必要</a:t>
-            </a:r>
-            <a:r>
-              <a:rPr kumimoji="1" lang="ja-JP" altLang="en-US" sz="3600" smtClean="0"/>
-              <a:t>な部分</a:t>
-            </a:r>
-            <a:endParaRPr kumimoji="1" lang="en-US" altLang="ja-JP" sz="3600" smtClean="0"/>
+              <a:t>　</a:t>
+            </a:r>
+            <a:r>
+              <a:rPr lang="ja-JP" altLang="en-US" sz="3600" smtClean="0"/>
+              <a:t>今週の進捗</a:t>
+            </a:r>
+            <a:endParaRPr kumimoji="1" lang="en-US" altLang="ja-JP" sz="3400" smtClean="0"/>
           </a:p>
           <a:p>
             <a:pPr>
@@ -7240,14 +7733,10 @@
               <a:t>　</a:t>
             </a:r>
             <a:r>
-              <a:rPr lang="ja-JP" altLang="en-US" sz="3600"/>
-              <a:t>実行</a:t>
-            </a:r>
-            <a:r>
-              <a:rPr lang="ja-JP" altLang="en-US" sz="3600" smtClean="0"/>
-              <a:t>環境</a:t>
-            </a:r>
-            <a:endParaRPr kumimoji="1" lang="en-US" altLang="ja-JP" sz="3400" smtClean="0"/>
+              <a:rPr kumimoji="1" lang="ja-JP" altLang="en-US" sz="3600" smtClean="0"/>
+              <a:t>現在の問題</a:t>
+            </a:r>
+            <a:endParaRPr kumimoji="1" lang="en-US" altLang="ja-JP" sz="3600" smtClean="0"/>
           </a:p>
           <a:p>
             <a:pPr>
@@ -7255,43 +7744,12 @@
               <a:buChar char="l"/>
             </a:pPr>
             <a:r>
+              <a:rPr kumimoji="1" lang="ja-JP" altLang="en-US" sz="3600"/>
+              <a:t>　</a:t>
+            </a:r>
+            <a:r>
               <a:rPr kumimoji="1" lang="ja-JP" altLang="en-US" sz="3600" smtClean="0"/>
-              <a:t>　今週</a:t>
-            </a:r>
-            <a:r>
-              <a:rPr kumimoji="1" lang="ja-JP" altLang="en-US" sz="3600" smtClean="0"/>
-              <a:t>の</a:t>
-            </a:r>
-            <a:r>
-              <a:rPr lang="ja-JP" altLang="en-US" sz="3600" smtClean="0"/>
-              <a:t>進行</a:t>
-            </a:r>
-            <a:r>
-              <a:rPr lang="ja-JP" altLang="en-US" sz="3600"/>
-              <a:t>状況</a:t>
-            </a:r>
-            <a:endParaRPr kumimoji="1" lang="en-US" altLang="ja-JP" sz="3600" smtClean="0"/>
-          </a:p>
-          <a:p>
-            <a:pPr>
-              <a:buFont typeface="Wingdings" panose="05000000000000000000" pitchFamily="2" charset="2"/>
-              <a:buChar char="l"/>
-            </a:pPr>
-            <a:r>
-              <a:rPr kumimoji="1" lang="ja-JP" altLang="en-US" sz="3600" dirty="0"/>
-              <a:t>　</a:t>
-            </a:r>
-            <a:r>
-              <a:rPr kumimoji="1" lang="ja-JP" altLang="en-US" sz="3600" dirty="0" smtClean="0"/>
-              <a:t>これからやる</a:t>
-            </a:r>
-            <a:r>
-              <a:rPr lang="ja-JP" altLang="en-US" sz="3600" dirty="0" smtClean="0"/>
-              <a:t>こ</a:t>
-            </a:r>
-            <a:r>
-              <a:rPr lang="ja-JP" altLang="en-US" sz="3600" dirty="0"/>
-              <a:t>と</a:t>
+              <a:t>次週の計画</a:t>
             </a:r>
             <a:endParaRPr kumimoji="1" lang="ja-JP" altLang="en-US" sz="3600" dirty="0"/>
           </a:p>
@@ -9509,4 +9967,265 @@
     </a:ext>
   </a:extLst>
 </a:theme>
+</file>
+
+<file path=ppt/theme/theme2.xml><?xml version="1.0" encoding="utf-8"?>
+<a:theme xmlns:a="http://schemas.openxmlformats.org/drawingml/2006/main" name="Office テーマ">
+  <a:themeElements>
+    <a:clrScheme name="Office">
+      <a:dk1>
+        <a:sysClr val="windowText" lastClr="000000"/>
+      </a:dk1>
+      <a:lt1>
+        <a:sysClr val="window" lastClr="FFFFFF"/>
+      </a:lt1>
+      <a:dk2>
+        <a:srgbClr val="44546A"/>
+      </a:dk2>
+      <a:lt2>
+        <a:srgbClr val="E7E6E6"/>
+      </a:lt2>
+      <a:accent1>
+        <a:srgbClr val="5B9BD5"/>
+      </a:accent1>
+      <a:accent2>
+        <a:srgbClr val="ED7D31"/>
+      </a:accent2>
+      <a:accent3>
+        <a:srgbClr val="A5A5A5"/>
+      </a:accent3>
+      <a:accent4>
+        <a:srgbClr val="FFC000"/>
+      </a:accent4>
+      <a:accent5>
+        <a:srgbClr val="4472C4"/>
+      </a:accent5>
+      <a:accent6>
+        <a:srgbClr val="70AD47"/>
+      </a:accent6>
+      <a:hlink>
+        <a:srgbClr val="0563C1"/>
+      </a:hlink>
+      <a:folHlink>
+        <a:srgbClr val="954F72"/>
+      </a:folHlink>
+    </a:clrScheme>
+    <a:fontScheme name="Office">
+      <a:majorFont>
+        <a:latin typeface="游ゴシック Light" panose="020F0302020204030204"/>
+        <a:ea typeface=""/>
+        <a:cs typeface=""/>
+        <a:font script="Jpan" typeface="游ゴシック Light"/>
+        <a:font script="Hang" typeface="맑은 고딕"/>
+        <a:font script="Hans" typeface="等线 Light"/>
+        <a:font script="Hant" typeface="新細明體"/>
+        <a:font script="Arab" typeface="Times New Roman"/>
+        <a:font script="Hebr" typeface="Times New Roman"/>
+        <a:font script="Thai" typeface="Angsana New"/>
+        <a:font script="Ethi" typeface="Nyala"/>
+        <a:font script="Beng" typeface="Vrinda"/>
+        <a:font script="Gujr" typeface="Shruti"/>
+        <a:font script="Khmr" typeface="MoolBoran"/>
+        <a:font script="Knda" typeface="Tunga"/>
+        <a:font script="Guru" typeface="Raavi"/>
+        <a:font script="Cans" typeface="Euphemia"/>
+        <a:font script="Cher" typeface="Plantagenet Cherokee"/>
+        <a:font script="Yiii" typeface="Microsoft Yi Baiti"/>
+        <a:font script="Tibt" typeface="Microsoft Himalaya"/>
+        <a:font script="Thaa" typeface="MV Boli"/>
+        <a:font script="Deva" typeface="Mangal"/>
+        <a:font script="Telu" typeface="Gautami"/>
+        <a:font script="Taml" typeface="Latha"/>
+        <a:font script="Syrc" typeface="Estrangelo Edessa"/>
+        <a:font script="Orya" typeface="Kalinga"/>
+        <a:font script="Mlym" typeface="Kartika"/>
+        <a:font script="Laoo" typeface="DokChampa"/>
+        <a:font script="Sinh" typeface="Iskoola Pota"/>
+        <a:font script="Mong" typeface="Mongolian Baiti"/>
+        <a:font script="Viet" typeface="Times New Roman"/>
+        <a:font script="Uigh" typeface="Microsoft Uighur"/>
+        <a:font script="Geor" typeface="Sylfaen"/>
+      </a:majorFont>
+      <a:minorFont>
+        <a:latin typeface="游ゴシック" panose="020F0502020204030204"/>
+        <a:ea typeface=""/>
+        <a:cs typeface=""/>
+        <a:font script="Jpan" typeface="游ゴシック"/>
+        <a:font script="Hang" typeface="맑은 고딕"/>
+        <a:font script="Hans" typeface="等线"/>
+        <a:font script="Hant" typeface="新細明體"/>
+        <a:font script="Arab" typeface="Arial"/>
+        <a:font script="Hebr" typeface="Arial"/>
+        <a:font script="Thai" typeface="Cordia New"/>
+        <a:font script="Ethi" typeface="Nyala"/>
+        <a:font script="Beng" typeface="Vrinda"/>
+        <a:font script="Gujr" typeface="Shruti"/>
+        <a:font script="Khmr" typeface="DaunPenh"/>
+        <a:font script="Knda" typeface="Tunga"/>
+        <a:font script="Guru" typeface="Raavi"/>
+        <a:font script="Cans" typeface="Euphemia"/>
+        <a:font script="Cher" typeface="Plantagenet Cherokee"/>
+        <a:font script="Yiii" typeface="Microsoft Yi Baiti"/>
+        <a:font script="Tibt" typeface="Microsoft Himalaya"/>
+        <a:font script="Thaa" typeface="MV Boli"/>
+        <a:font script="Deva" typeface="Mangal"/>
+        <a:font script="Telu" typeface="Gautami"/>
+        <a:font script="Taml" typeface="Latha"/>
+        <a:font script="Syrc" typeface="Estrangelo Edessa"/>
+        <a:font script="Orya" typeface="Kalinga"/>
+        <a:font script="Mlym" typeface="Kartika"/>
+        <a:font script="Laoo" typeface="DokChampa"/>
+        <a:font script="Sinh" typeface="Iskoola Pota"/>
+        <a:font script="Mong" typeface="Mongolian Baiti"/>
+        <a:font script="Viet" typeface="Arial"/>
+        <a:font script="Uigh" typeface="Microsoft Uighur"/>
+        <a:font script="Geor" typeface="Sylfaen"/>
+      </a:minorFont>
+    </a:fontScheme>
+    <a:fmtScheme name="Office">
+      <a:fillStyleLst>
+        <a:solidFill>
+          <a:schemeClr val="phClr"/>
+        </a:solidFill>
+        <a:gradFill rotWithShape="1">
+          <a:gsLst>
+            <a:gs pos="0">
+              <a:schemeClr val="phClr">
+                <a:lumMod val="110000"/>
+                <a:satMod val="105000"/>
+                <a:tint val="67000"/>
+              </a:schemeClr>
+            </a:gs>
+            <a:gs pos="50000">
+              <a:schemeClr val="phClr">
+                <a:lumMod val="105000"/>
+                <a:satMod val="103000"/>
+                <a:tint val="73000"/>
+              </a:schemeClr>
+            </a:gs>
+            <a:gs pos="100000">
+              <a:schemeClr val="phClr">
+                <a:lumMod val="105000"/>
+                <a:satMod val="109000"/>
+                <a:tint val="81000"/>
+              </a:schemeClr>
+            </a:gs>
+          </a:gsLst>
+          <a:lin ang="5400000" scaled="0"/>
+        </a:gradFill>
+        <a:gradFill rotWithShape="1">
+          <a:gsLst>
+            <a:gs pos="0">
+              <a:schemeClr val="phClr">
+                <a:satMod val="103000"/>
+                <a:lumMod val="102000"/>
+                <a:tint val="94000"/>
+              </a:schemeClr>
+            </a:gs>
+            <a:gs pos="50000">
+              <a:schemeClr val="phClr">
+                <a:satMod val="110000"/>
+                <a:lumMod val="100000"/>
+                <a:shade val="100000"/>
+              </a:schemeClr>
+            </a:gs>
+            <a:gs pos="100000">
+              <a:schemeClr val="phClr">
+                <a:lumMod val="99000"/>
+                <a:satMod val="120000"/>
+                <a:shade val="78000"/>
+              </a:schemeClr>
+            </a:gs>
+          </a:gsLst>
+          <a:lin ang="5400000" scaled="0"/>
+        </a:gradFill>
+      </a:fillStyleLst>
+      <a:lnStyleLst>
+        <a:ln w="6350" cap="flat" cmpd="sng" algn="ctr">
+          <a:solidFill>
+            <a:schemeClr val="phClr"/>
+          </a:solidFill>
+          <a:prstDash val="solid"/>
+          <a:miter lim="800000"/>
+        </a:ln>
+        <a:ln w="12700" cap="flat" cmpd="sng" algn="ctr">
+          <a:solidFill>
+            <a:schemeClr val="phClr"/>
+          </a:solidFill>
+          <a:prstDash val="solid"/>
+          <a:miter lim="800000"/>
+        </a:ln>
+        <a:ln w="19050" cap="flat" cmpd="sng" algn="ctr">
+          <a:solidFill>
+            <a:schemeClr val="phClr"/>
+          </a:solidFill>
+          <a:prstDash val="solid"/>
+          <a:miter lim="800000"/>
+        </a:ln>
+      </a:lnStyleLst>
+      <a:effectStyleLst>
+        <a:effectStyle>
+          <a:effectLst/>
+        </a:effectStyle>
+        <a:effectStyle>
+          <a:effectLst/>
+        </a:effectStyle>
+        <a:effectStyle>
+          <a:effectLst>
+            <a:outerShdw blurRad="57150" dist="19050" dir="5400000" algn="ctr" rotWithShape="0">
+              <a:srgbClr val="000000">
+                <a:alpha val="63000"/>
+              </a:srgbClr>
+            </a:outerShdw>
+          </a:effectLst>
+        </a:effectStyle>
+      </a:effectStyleLst>
+      <a:bgFillStyleLst>
+        <a:solidFill>
+          <a:schemeClr val="phClr"/>
+        </a:solidFill>
+        <a:solidFill>
+          <a:schemeClr val="phClr">
+            <a:tint val="95000"/>
+            <a:satMod val="170000"/>
+          </a:schemeClr>
+        </a:solidFill>
+        <a:gradFill rotWithShape="1">
+          <a:gsLst>
+            <a:gs pos="0">
+              <a:schemeClr val="phClr">
+                <a:tint val="93000"/>
+                <a:satMod val="150000"/>
+                <a:shade val="98000"/>
+                <a:lumMod val="102000"/>
+              </a:schemeClr>
+            </a:gs>
+            <a:gs pos="50000">
+              <a:schemeClr val="phClr">
+                <a:tint val="98000"/>
+                <a:satMod val="130000"/>
+                <a:shade val="90000"/>
+                <a:lumMod val="103000"/>
+              </a:schemeClr>
+            </a:gs>
+            <a:gs pos="100000">
+              <a:schemeClr val="phClr">
+                <a:shade val="63000"/>
+                <a:satMod val="120000"/>
+              </a:schemeClr>
+            </a:gs>
+          </a:gsLst>
+          <a:lin ang="5400000" scaled="0"/>
+        </a:gradFill>
+      </a:bgFillStyleLst>
+    </a:fmtScheme>
+  </a:themeElements>
+  <a:objectDefaults/>
+  <a:extraClrSchemeLst/>
+  <a:extLst>
+    <a:ext uri="{05A4C25C-085E-4340-85A3-A5531E510DB2}">
+      <thm15:themeFamily xmlns:thm15="http://schemas.microsoft.com/office/thememl/2012/main" name="Office Theme" id="{62F939B6-93AF-4DB8-9C6B-D6C7DFDC589F}" vid="{4A3C46E8-61CC-4603-A589-7422A47A8E4A}"/>
+    </a:ext>
+  </a:extLst>
+</a:theme>
 </file>
--- a/プレゼン/RapidCart20191202.pptx
+++ b/プレゼン/RapidCart20191202.pptx
@@ -5,18 +5,16 @@
     <p:sldMasterId id="2147483780" r:id="rId1"/>
   </p:sldMasterIdLst>
   <p:notesMasterIdLst>
-    <p:notesMasterId r:id="rId11"/>
+    <p:notesMasterId r:id="rId9"/>
   </p:notesMasterIdLst>
   <p:sldIdLst>
     <p:sldId id="256" r:id="rId2"/>
     <p:sldId id="257" r:id="rId3"/>
     <p:sldId id="276" r:id="rId4"/>
-    <p:sldId id="270" r:id="rId5"/>
-    <p:sldId id="271" r:id="rId6"/>
-    <p:sldId id="272" r:id="rId7"/>
-    <p:sldId id="277" r:id="rId8"/>
-    <p:sldId id="278" r:id="rId9"/>
-    <p:sldId id="262" r:id="rId10"/>
+    <p:sldId id="281" r:id="rId5"/>
+    <p:sldId id="278" r:id="rId6"/>
+    <p:sldId id="279" r:id="rId7"/>
+    <p:sldId id="262" r:id="rId8"/>
   </p:sldIdLst>
   <p:sldSz cx="12192000" cy="6858000"/>
   <p:notesSz cx="6858000" cy="9144000"/>
@@ -123,2788 +121,6 @@
 </p:presentation>
 </file>
 
-<file path=ppt/diagrams/colors1.xml><?xml version="1.0" encoding="utf-8"?>
-<dgm:colorsDef xmlns:dgm="http://schemas.openxmlformats.org/drawingml/2006/diagram" xmlns:a="http://schemas.openxmlformats.org/drawingml/2006/main" uniqueId="urn:microsoft.com/office/officeart/2005/8/colors/accent1_2">
-  <dgm:title val=""/>
-  <dgm:desc val=""/>
-  <dgm:catLst>
-    <dgm:cat type="accent1" pri="11200"/>
-  </dgm:catLst>
-  <dgm:styleLbl name="node0">
-    <dgm:fillClrLst meth="repeat">
-      <a:schemeClr val="accent1"/>
-    </dgm:fillClrLst>
-    <dgm:linClrLst meth="repeat">
-      <a:schemeClr val="lt1"/>
-    </dgm:linClrLst>
-    <dgm:effectClrLst/>
-    <dgm:txLinClrLst/>
-    <dgm:txFillClrLst/>
-    <dgm:txEffectClrLst/>
-  </dgm:styleLbl>
-  <dgm:styleLbl name="alignNode1">
-    <dgm:fillClrLst meth="repeat">
-      <a:schemeClr val="accent1"/>
-    </dgm:fillClrLst>
-    <dgm:linClrLst meth="repeat">
-      <a:schemeClr val="accent1"/>
-    </dgm:linClrLst>
-    <dgm:effectClrLst/>
-    <dgm:txLinClrLst/>
-    <dgm:txFillClrLst/>
-    <dgm:txEffectClrLst/>
-  </dgm:styleLbl>
-  <dgm:styleLbl name="node1">
-    <dgm:fillClrLst meth="repeat">
-      <a:schemeClr val="accent1"/>
-    </dgm:fillClrLst>
-    <dgm:linClrLst meth="repeat">
-      <a:schemeClr val="lt1"/>
-    </dgm:linClrLst>
-    <dgm:effectClrLst/>
-    <dgm:txLinClrLst/>
-    <dgm:txFillClrLst/>
-    <dgm:txEffectClrLst/>
-  </dgm:styleLbl>
-  <dgm:styleLbl name="lnNode1">
-    <dgm:fillClrLst meth="repeat">
-      <a:schemeClr val="accent1"/>
-    </dgm:fillClrLst>
-    <dgm:linClrLst meth="repeat">
-      <a:schemeClr val="lt1"/>
-    </dgm:linClrLst>
-    <dgm:effectClrLst/>
-    <dgm:txLinClrLst/>
-    <dgm:txFillClrLst/>
-    <dgm:txEffectClrLst/>
-  </dgm:styleLbl>
-  <dgm:styleLbl name="vennNode1">
-    <dgm:fillClrLst meth="repeat">
-      <a:schemeClr val="accent1">
-        <a:alpha val="50000"/>
-      </a:schemeClr>
-    </dgm:fillClrLst>
-    <dgm:linClrLst meth="repeat">
-      <a:schemeClr val="lt1"/>
-    </dgm:linClrLst>
-    <dgm:effectClrLst/>
-    <dgm:txLinClrLst/>
-    <dgm:txFillClrLst/>
-    <dgm:txEffectClrLst/>
-  </dgm:styleLbl>
-  <dgm:styleLbl name="node2">
-    <dgm:fillClrLst meth="repeat">
-      <a:schemeClr val="accent1"/>
-    </dgm:fillClrLst>
-    <dgm:linClrLst meth="repeat">
-      <a:schemeClr val="lt1"/>
-    </dgm:linClrLst>
-    <dgm:effectClrLst/>
-    <dgm:txLinClrLst/>
-    <dgm:txFillClrLst/>
-    <dgm:txEffectClrLst/>
-  </dgm:styleLbl>
-  <dgm:styleLbl name="node3">
-    <dgm:fillClrLst meth="repeat">
-      <a:schemeClr val="accent1"/>
-    </dgm:fillClrLst>
-    <dgm:linClrLst meth="repeat">
-      <a:schemeClr val="lt1"/>
-    </dgm:linClrLst>
-    <dgm:effectClrLst/>
-    <dgm:txLinClrLst/>
-    <dgm:txFillClrLst/>
-    <dgm:txEffectClrLst/>
-  </dgm:styleLbl>
-  <dgm:styleLbl name="node4">
-    <dgm:fillClrLst meth="repeat">
-      <a:schemeClr val="accent1"/>
-    </dgm:fillClrLst>
-    <dgm:linClrLst meth="repeat">
-      <a:schemeClr val="lt1"/>
-    </dgm:linClrLst>
-    <dgm:effectClrLst/>
-    <dgm:txLinClrLst/>
-    <dgm:txFillClrLst/>
-    <dgm:txEffectClrLst/>
-  </dgm:styleLbl>
-  <dgm:styleLbl name="fgImgPlace1">
-    <dgm:fillClrLst meth="repeat">
-      <a:schemeClr val="accent1">
-        <a:tint val="50000"/>
-      </a:schemeClr>
-    </dgm:fillClrLst>
-    <dgm:linClrLst meth="repeat">
-      <a:schemeClr val="lt1"/>
-    </dgm:linClrLst>
-    <dgm:effectClrLst/>
-    <dgm:txLinClrLst/>
-    <dgm:txFillClrLst meth="repeat">
-      <a:schemeClr val="lt1"/>
-    </dgm:txFillClrLst>
-    <dgm:txEffectClrLst/>
-  </dgm:styleLbl>
-  <dgm:styleLbl name="alignImgPlace1">
-    <dgm:fillClrLst meth="repeat">
-      <a:schemeClr val="accent1">
-        <a:tint val="50000"/>
-      </a:schemeClr>
-    </dgm:fillClrLst>
-    <dgm:linClrLst meth="repeat">
-      <a:schemeClr val="lt1"/>
-    </dgm:linClrLst>
-    <dgm:effectClrLst/>
-    <dgm:txLinClrLst/>
-    <dgm:txFillClrLst meth="repeat">
-      <a:schemeClr val="lt1"/>
-    </dgm:txFillClrLst>
-    <dgm:txEffectClrLst/>
-  </dgm:styleLbl>
-  <dgm:styleLbl name="bgImgPlace1">
-    <dgm:fillClrLst meth="repeat">
-      <a:schemeClr val="accent1">
-        <a:tint val="50000"/>
-      </a:schemeClr>
-    </dgm:fillClrLst>
-    <dgm:linClrLst meth="repeat">
-      <a:schemeClr val="lt1"/>
-    </dgm:linClrLst>
-    <dgm:effectClrLst/>
-    <dgm:txLinClrLst/>
-    <dgm:txFillClrLst meth="repeat">
-      <a:schemeClr val="lt1"/>
-    </dgm:txFillClrLst>
-    <dgm:txEffectClrLst/>
-  </dgm:styleLbl>
-  <dgm:styleLbl name="sibTrans2D1">
-    <dgm:fillClrLst meth="repeat">
-      <a:schemeClr val="accent1">
-        <a:tint val="60000"/>
-      </a:schemeClr>
-    </dgm:fillClrLst>
-    <dgm:linClrLst meth="repeat">
-      <a:schemeClr val="accent1">
-        <a:tint val="60000"/>
-      </a:schemeClr>
-    </dgm:linClrLst>
-    <dgm:effectClrLst/>
-    <dgm:txLinClrLst/>
-    <dgm:txFillClrLst/>
-    <dgm:txEffectClrLst/>
-  </dgm:styleLbl>
-  <dgm:styleLbl name="fgSibTrans2D1">
-    <dgm:fillClrLst meth="repeat">
-      <a:schemeClr val="accent1">
-        <a:tint val="60000"/>
-      </a:schemeClr>
-    </dgm:fillClrLst>
-    <dgm:linClrLst meth="repeat">
-      <a:schemeClr val="accent1">
-        <a:tint val="60000"/>
-      </a:schemeClr>
-    </dgm:linClrLst>
-    <dgm:effectClrLst/>
-    <dgm:txLinClrLst/>
-    <dgm:txFillClrLst/>
-    <dgm:txEffectClrLst/>
-  </dgm:styleLbl>
-  <dgm:styleLbl name="bgSibTrans2D1">
-    <dgm:fillClrLst meth="repeat">
-      <a:schemeClr val="accent1">
-        <a:tint val="60000"/>
-      </a:schemeClr>
-    </dgm:fillClrLst>
-    <dgm:linClrLst meth="repeat">
-      <a:schemeClr val="accent1">
-        <a:tint val="60000"/>
-      </a:schemeClr>
-    </dgm:linClrLst>
-    <dgm:effectClrLst/>
-    <dgm:txLinClrLst/>
-    <dgm:txFillClrLst/>
-    <dgm:txEffectClrLst/>
-  </dgm:styleLbl>
-  <dgm:styleLbl name="sibTrans1D1">
-    <dgm:fillClrLst meth="repeat">
-      <a:schemeClr val="accent1"/>
-    </dgm:fillClrLst>
-    <dgm:linClrLst meth="repeat">
-      <a:schemeClr val="accent1"/>
-    </dgm:linClrLst>
-    <dgm:effectClrLst/>
-    <dgm:txLinClrLst/>
-    <dgm:txFillClrLst meth="repeat">
-      <a:schemeClr val="tx1"/>
-    </dgm:txFillClrLst>
-    <dgm:txEffectClrLst/>
-  </dgm:styleLbl>
-  <dgm:styleLbl name="callout">
-    <dgm:fillClrLst meth="repeat">
-      <a:schemeClr val="accent1"/>
-    </dgm:fillClrLst>
-    <dgm:linClrLst meth="repeat">
-      <a:schemeClr val="accent1">
-        <a:tint val="50000"/>
-      </a:schemeClr>
-    </dgm:linClrLst>
-    <dgm:effectClrLst/>
-    <dgm:txLinClrLst/>
-    <dgm:txFillClrLst meth="repeat">
-      <a:schemeClr val="tx1"/>
-    </dgm:txFillClrLst>
-    <dgm:txEffectClrLst/>
-  </dgm:styleLbl>
-  <dgm:styleLbl name="asst0">
-    <dgm:fillClrLst meth="repeat">
-      <a:schemeClr val="accent1"/>
-    </dgm:fillClrLst>
-    <dgm:linClrLst meth="repeat">
-      <a:schemeClr val="lt1"/>
-    </dgm:linClrLst>
-    <dgm:effectClrLst/>
-    <dgm:txLinClrLst/>
-    <dgm:txFillClrLst/>
-    <dgm:txEffectClrLst/>
-  </dgm:styleLbl>
-  <dgm:styleLbl name="asst1">
-    <dgm:fillClrLst meth="repeat">
-      <a:schemeClr val="accent1"/>
-    </dgm:fillClrLst>
-    <dgm:linClrLst meth="repeat">
-      <a:schemeClr val="lt1"/>
-    </dgm:linClrLst>
-    <dgm:effectClrLst/>
-    <dgm:txLinClrLst/>
-    <dgm:txFillClrLst/>
-    <dgm:txEffectClrLst/>
-  </dgm:styleLbl>
-  <dgm:styleLbl name="asst2">
-    <dgm:fillClrLst meth="repeat">
-      <a:schemeClr val="accent1"/>
-    </dgm:fillClrLst>
-    <dgm:linClrLst meth="repeat">
-      <a:schemeClr val="lt1"/>
-    </dgm:linClrLst>
-    <dgm:effectClrLst/>
-    <dgm:txLinClrLst/>
-    <dgm:txFillClrLst/>
-    <dgm:txEffectClrLst/>
-  </dgm:styleLbl>
-  <dgm:styleLbl name="asst3">
-    <dgm:fillClrLst meth="repeat">
-      <a:schemeClr val="accent1"/>
-    </dgm:fillClrLst>
-    <dgm:linClrLst meth="repeat">
-      <a:schemeClr val="lt1"/>
-    </dgm:linClrLst>
-    <dgm:effectClrLst/>
-    <dgm:txLinClrLst/>
-    <dgm:txFillClrLst/>
-    <dgm:txEffectClrLst/>
-  </dgm:styleLbl>
-  <dgm:styleLbl name="asst4">
-    <dgm:fillClrLst meth="repeat">
-      <a:schemeClr val="accent1"/>
-    </dgm:fillClrLst>
-    <dgm:linClrLst meth="repeat">
-      <a:schemeClr val="lt1"/>
-    </dgm:linClrLst>
-    <dgm:effectClrLst/>
-    <dgm:txLinClrLst/>
-    <dgm:txFillClrLst/>
-    <dgm:txEffectClrLst/>
-  </dgm:styleLbl>
-  <dgm:styleLbl name="parChTrans2D1">
-    <dgm:fillClrLst meth="repeat">
-      <a:schemeClr val="accent1">
-        <a:tint val="60000"/>
-      </a:schemeClr>
-    </dgm:fillClrLst>
-    <dgm:linClrLst meth="repeat">
-      <a:schemeClr val="accent1">
-        <a:tint val="60000"/>
-      </a:schemeClr>
-    </dgm:linClrLst>
-    <dgm:effectClrLst/>
-    <dgm:txLinClrLst/>
-    <dgm:txFillClrLst meth="repeat">
-      <a:schemeClr val="lt1"/>
-    </dgm:txFillClrLst>
-    <dgm:txEffectClrLst/>
-  </dgm:styleLbl>
-  <dgm:styleLbl name="parChTrans2D2">
-    <dgm:fillClrLst meth="repeat">
-      <a:schemeClr val="accent1"/>
-    </dgm:fillClrLst>
-    <dgm:linClrLst meth="repeat">
-      <a:schemeClr val="accent1"/>
-    </dgm:linClrLst>
-    <dgm:effectClrLst/>
-    <dgm:txLinClrLst/>
-    <dgm:txFillClrLst meth="repeat">
-      <a:schemeClr val="lt1"/>
-    </dgm:txFillClrLst>
-    <dgm:txEffectClrLst/>
-  </dgm:styleLbl>
-  <dgm:styleLbl name="parChTrans2D3">
-    <dgm:fillClrLst meth="repeat">
-      <a:schemeClr val="accent1"/>
-    </dgm:fillClrLst>
-    <dgm:linClrLst meth="repeat">
-      <a:schemeClr val="accent1"/>
-    </dgm:linClrLst>
-    <dgm:effectClrLst/>
-    <dgm:txLinClrLst/>
-    <dgm:txFillClrLst meth="repeat">
-      <a:schemeClr val="lt1"/>
-    </dgm:txFillClrLst>
-    <dgm:txEffectClrLst/>
-  </dgm:styleLbl>
-  <dgm:styleLbl name="parChTrans2D4">
-    <dgm:fillClrLst meth="repeat">
-      <a:schemeClr val="accent1"/>
-    </dgm:fillClrLst>
-    <dgm:linClrLst meth="repeat">
-      <a:schemeClr val="accent1"/>
-    </dgm:linClrLst>
-    <dgm:effectClrLst/>
-    <dgm:txLinClrLst/>
-    <dgm:txFillClrLst meth="repeat">
-      <a:schemeClr val="lt1"/>
-    </dgm:txFillClrLst>
-    <dgm:txEffectClrLst/>
-  </dgm:styleLbl>
-  <dgm:styleLbl name="parChTrans1D1">
-    <dgm:fillClrLst meth="repeat">
-      <a:schemeClr val="accent1"/>
-    </dgm:fillClrLst>
-    <dgm:linClrLst meth="repeat">
-      <a:schemeClr val="accent1">
-        <a:shade val="60000"/>
-      </a:schemeClr>
-    </dgm:linClrLst>
-    <dgm:effectClrLst/>
-    <dgm:txLinClrLst/>
-    <dgm:txFillClrLst meth="repeat">
-      <a:schemeClr val="tx1"/>
-    </dgm:txFillClrLst>
-    <dgm:txEffectClrLst/>
-  </dgm:styleLbl>
-  <dgm:styleLbl name="parChTrans1D2">
-    <dgm:fillClrLst meth="repeat">
-      <a:schemeClr val="accent1"/>
-    </dgm:fillClrLst>
-    <dgm:linClrLst meth="repeat">
-      <a:schemeClr val="accent1">
-        <a:shade val="60000"/>
-      </a:schemeClr>
-    </dgm:linClrLst>
-    <dgm:effectClrLst/>
-    <dgm:txLinClrLst/>
-    <dgm:txFillClrLst meth="repeat">
-      <a:schemeClr val="tx1"/>
-    </dgm:txFillClrLst>
-    <dgm:txEffectClrLst/>
-  </dgm:styleLbl>
-  <dgm:styleLbl name="parChTrans1D3">
-    <dgm:fillClrLst meth="repeat">
-      <a:schemeClr val="accent1"/>
-    </dgm:fillClrLst>
-    <dgm:linClrLst meth="repeat">
-      <a:schemeClr val="accent1">
-        <a:shade val="80000"/>
-      </a:schemeClr>
-    </dgm:linClrLst>
-    <dgm:effectClrLst/>
-    <dgm:txLinClrLst/>
-    <dgm:txFillClrLst meth="repeat">
-      <a:schemeClr val="tx1"/>
-    </dgm:txFillClrLst>
-    <dgm:txEffectClrLst/>
-  </dgm:styleLbl>
-  <dgm:styleLbl name="parChTrans1D4">
-    <dgm:fillClrLst meth="repeat">
-      <a:schemeClr val="accent1"/>
-    </dgm:fillClrLst>
-    <dgm:linClrLst meth="repeat">
-      <a:schemeClr val="accent1">
-        <a:shade val="80000"/>
-      </a:schemeClr>
-    </dgm:linClrLst>
-    <dgm:effectClrLst/>
-    <dgm:txLinClrLst/>
-    <dgm:txFillClrLst meth="repeat">
-      <a:schemeClr val="tx1"/>
-    </dgm:txFillClrLst>
-    <dgm:txEffectClrLst/>
-  </dgm:styleLbl>
-  <dgm:styleLbl name="fgAcc1">
-    <dgm:fillClrLst meth="repeat">
-      <a:schemeClr val="lt1">
-        <a:alpha val="90000"/>
-      </a:schemeClr>
-    </dgm:fillClrLst>
-    <dgm:linClrLst meth="repeat">
-      <a:schemeClr val="accent1"/>
-    </dgm:linClrLst>
-    <dgm:effectClrLst/>
-    <dgm:txLinClrLst/>
-    <dgm:txFillClrLst meth="repeat">
-      <a:schemeClr val="dk1"/>
-    </dgm:txFillClrLst>
-    <dgm:txEffectClrLst/>
-  </dgm:styleLbl>
-  <dgm:styleLbl name="conFgAcc1">
-    <dgm:fillClrLst meth="repeat">
-      <a:schemeClr val="lt1">
-        <a:alpha val="90000"/>
-      </a:schemeClr>
-    </dgm:fillClrLst>
-    <dgm:linClrLst meth="repeat">
-      <a:schemeClr val="accent1"/>
-    </dgm:linClrLst>
-    <dgm:effectClrLst/>
-    <dgm:txLinClrLst/>
-    <dgm:txFillClrLst meth="repeat">
-      <a:schemeClr val="dk1"/>
-    </dgm:txFillClrLst>
-    <dgm:txEffectClrLst/>
-  </dgm:styleLbl>
-  <dgm:styleLbl name="alignAcc1">
-    <dgm:fillClrLst meth="repeat">
-      <a:schemeClr val="lt1">
-        <a:alpha val="90000"/>
-      </a:schemeClr>
-    </dgm:fillClrLst>
-    <dgm:linClrLst meth="repeat">
-      <a:schemeClr val="accent1"/>
-    </dgm:linClrLst>
-    <dgm:effectClrLst/>
-    <dgm:txLinClrLst/>
-    <dgm:txFillClrLst meth="repeat">
-      <a:schemeClr val="dk1"/>
-    </dgm:txFillClrLst>
-    <dgm:txEffectClrLst/>
-  </dgm:styleLbl>
-  <dgm:styleLbl name="trAlignAcc1">
-    <dgm:fillClrLst meth="repeat">
-      <a:schemeClr val="lt1">
-        <a:alpha val="40000"/>
-      </a:schemeClr>
-    </dgm:fillClrLst>
-    <dgm:linClrLst meth="repeat">
-      <a:schemeClr val="accent1"/>
-    </dgm:linClrLst>
-    <dgm:effectClrLst/>
-    <dgm:txLinClrLst/>
-    <dgm:txFillClrLst meth="repeat">
-      <a:schemeClr val="dk1"/>
-    </dgm:txFillClrLst>
-    <dgm:txEffectClrLst/>
-  </dgm:styleLbl>
-  <dgm:styleLbl name="bgAcc1">
-    <dgm:fillClrLst meth="repeat">
-      <a:schemeClr val="lt1">
-        <a:alpha val="90000"/>
-      </a:schemeClr>
-    </dgm:fillClrLst>
-    <dgm:linClrLst meth="repeat">
-      <a:schemeClr val="accent1"/>
-    </dgm:linClrLst>
-    <dgm:effectClrLst/>
-    <dgm:txLinClrLst/>
-    <dgm:txFillClrLst meth="repeat">
-      <a:schemeClr val="dk1"/>
-    </dgm:txFillClrLst>
-    <dgm:txEffectClrLst/>
-  </dgm:styleLbl>
-  <dgm:styleLbl name="solidFgAcc1">
-    <dgm:fillClrLst meth="repeat">
-      <a:schemeClr val="lt1"/>
-    </dgm:fillClrLst>
-    <dgm:linClrLst meth="repeat">
-      <a:schemeClr val="accent1"/>
-    </dgm:linClrLst>
-    <dgm:effectClrLst/>
-    <dgm:txLinClrLst/>
-    <dgm:txFillClrLst meth="repeat">
-      <a:schemeClr val="dk1"/>
-    </dgm:txFillClrLst>
-    <dgm:txEffectClrLst/>
-  </dgm:styleLbl>
-  <dgm:styleLbl name="solidAlignAcc1">
-    <dgm:fillClrLst meth="repeat">
-      <a:schemeClr val="lt1"/>
-    </dgm:fillClrLst>
-    <dgm:linClrLst meth="repeat">
-      <a:schemeClr val="accent1"/>
-    </dgm:linClrLst>
-    <dgm:effectClrLst/>
-    <dgm:txLinClrLst/>
-    <dgm:txFillClrLst meth="repeat">
-      <a:schemeClr val="dk1"/>
-    </dgm:txFillClrLst>
-    <dgm:txEffectClrLst/>
-  </dgm:styleLbl>
-  <dgm:styleLbl name="solidBgAcc1">
-    <dgm:fillClrLst meth="repeat">
-      <a:schemeClr val="lt1"/>
-    </dgm:fillClrLst>
-    <dgm:linClrLst meth="repeat">
-      <a:schemeClr val="accent1"/>
-    </dgm:linClrLst>
-    <dgm:effectClrLst/>
-    <dgm:txLinClrLst/>
-    <dgm:txFillClrLst meth="repeat">
-      <a:schemeClr val="dk1"/>
-    </dgm:txFillClrLst>
-    <dgm:txEffectClrLst/>
-  </dgm:styleLbl>
-  <dgm:styleLbl name="fgAccFollowNode1">
-    <dgm:fillClrLst meth="repeat">
-      <a:schemeClr val="accent1">
-        <a:alpha val="90000"/>
-        <a:tint val="40000"/>
-      </a:schemeClr>
-    </dgm:fillClrLst>
-    <dgm:linClrLst meth="repeat">
-      <a:schemeClr val="accent1">
-        <a:alpha val="90000"/>
-        <a:tint val="40000"/>
-      </a:schemeClr>
-    </dgm:linClrLst>
-    <dgm:effectClrLst/>
-    <dgm:txLinClrLst/>
-    <dgm:txFillClrLst meth="repeat">
-      <a:schemeClr val="dk1"/>
-    </dgm:txFillClrLst>
-    <dgm:txEffectClrLst/>
-  </dgm:styleLbl>
-  <dgm:styleLbl name="alignAccFollowNode1">
-    <dgm:fillClrLst meth="repeat">
-      <a:schemeClr val="accent1">
-        <a:alpha val="90000"/>
-        <a:tint val="40000"/>
-      </a:schemeClr>
-    </dgm:fillClrLst>
-    <dgm:linClrLst meth="repeat">
-      <a:schemeClr val="accent1">
-        <a:alpha val="90000"/>
-        <a:tint val="40000"/>
-      </a:schemeClr>
-    </dgm:linClrLst>
-    <dgm:effectClrLst/>
-    <dgm:txLinClrLst/>
-    <dgm:txFillClrLst meth="repeat">
-      <a:schemeClr val="dk1"/>
-    </dgm:txFillClrLst>
-    <dgm:txEffectClrLst/>
-  </dgm:styleLbl>
-  <dgm:styleLbl name="bgAccFollowNode1">
-    <dgm:fillClrLst meth="repeat">
-      <a:schemeClr val="accent1">
-        <a:alpha val="90000"/>
-        <a:tint val="40000"/>
-      </a:schemeClr>
-    </dgm:fillClrLst>
-    <dgm:linClrLst meth="repeat">
-      <a:schemeClr val="accent1">
-        <a:alpha val="90000"/>
-        <a:tint val="40000"/>
-      </a:schemeClr>
-    </dgm:linClrLst>
-    <dgm:effectClrLst/>
-    <dgm:txLinClrLst/>
-    <dgm:txFillClrLst meth="repeat">
-      <a:schemeClr val="dk1"/>
-    </dgm:txFillClrLst>
-    <dgm:txEffectClrLst/>
-  </dgm:styleLbl>
-  <dgm:styleLbl name="fgAcc0">
-    <dgm:fillClrLst meth="repeat">
-      <a:schemeClr val="lt1">
-        <a:alpha val="90000"/>
-      </a:schemeClr>
-    </dgm:fillClrLst>
-    <dgm:linClrLst meth="repeat">
-      <a:schemeClr val="accent1"/>
-    </dgm:linClrLst>
-    <dgm:effectClrLst/>
-    <dgm:txLinClrLst/>
-    <dgm:txFillClrLst meth="repeat">
-      <a:schemeClr val="dk1"/>
-    </dgm:txFillClrLst>
-    <dgm:txEffectClrLst/>
-  </dgm:styleLbl>
-  <dgm:styleLbl name="fgAcc2">
-    <dgm:fillClrLst meth="repeat">
-      <a:schemeClr val="lt1">
-        <a:alpha val="90000"/>
-      </a:schemeClr>
-    </dgm:fillClrLst>
-    <dgm:linClrLst meth="repeat">
-      <a:schemeClr val="accent1"/>
-    </dgm:linClrLst>
-    <dgm:effectClrLst/>
-    <dgm:txLinClrLst/>
-    <dgm:txFillClrLst meth="repeat">
-      <a:schemeClr val="dk1"/>
-    </dgm:txFillClrLst>
-    <dgm:txEffectClrLst/>
-  </dgm:styleLbl>
-  <dgm:styleLbl name="fgAcc3">
-    <dgm:fillClrLst meth="repeat">
-      <a:schemeClr val="lt1">
-        <a:alpha val="90000"/>
-      </a:schemeClr>
-    </dgm:fillClrLst>
-    <dgm:linClrLst meth="repeat">
-      <a:schemeClr val="accent1"/>
-    </dgm:linClrLst>
-    <dgm:effectClrLst/>
-    <dgm:txLinClrLst/>
-    <dgm:txFillClrLst meth="repeat">
-      <a:schemeClr val="dk1"/>
-    </dgm:txFillClrLst>
-    <dgm:txEffectClrLst/>
-  </dgm:styleLbl>
-  <dgm:styleLbl name="fgAcc4">
-    <dgm:fillClrLst meth="repeat">
-      <a:schemeClr val="lt1">
-        <a:alpha val="90000"/>
-      </a:schemeClr>
-    </dgm:fillClrLst>
-    <dgm:linClrLst meth="repeat">
-      <a:schemeClr val="accent1"/>
-    </dgm:linClrLst>
-    <dgm:effectClrLst/>
-    <dgm:txLinClrLst/>
-    <dgm:txFillClrLst meth="repeat">
-      <a:schemeClr val="dk1"/>
-    </dgm:txFillClrLst>
-    <dgm:txEffectClrLst/>
-  </dgm:styleLbl>
-  <dgm:styleLbl name="bgShp">
-    <dgm:fillClrLst meth="repeat">
-      <a:schemeClr val="accent1">
-        <a:tint val="40000"/>
-      </a:schemeClr>
-    </dgm:fillClrLst>
-    <dgm:linClrLst meth="repeat">
-      <a:schemeClr val="accent1"/>
-    </dgm:linClrLst>
-    <dgm:effectClrLst/>
-    <dgm:txLinClrLst/>
-    <dgm:txFillClrLst meth="repeat">
-      <a:schemeClr val="dk1"/>
-    </dgm:txFillClrLst>
-    <dgm:txEffectClrLst/>
-  </dgm:styleLbl>
-  <dgm:styleLbl name="dkBgShp">
-    <dgm:fillClrLst meth="repeat">
-      <a:schemeClr val="accent1">
-        <a:shade val="80000"/>
-      </a:schemeClr>
-    </dgm:fillClrLst>
-    <dgm:linClrLst meth="repeat">
-      <a:schemeClr val="accent1"/>
-    </dgm:linClrLst>
-    <dgm:effectClrLst/>
-    <dgm:txLinClrLst/>
-    <dgm:txFillClrLst meth="repeat">
-      <a:schemeClr val="lt1"/>
-    </dgm:txFillClrLst>
-    <dgm:txEffectClrLst/>
-  </dgm:styleLbl>
-  <dgm:styleLbl name="trBgShp">
-    <dgm:fillClrLst meth="repeat">
-      <a:schemeClr val="accent1">
-        <a:tint val="50000"/>
-        <a:alpha val="40000"/>
-      </a:schemeClr>
-    </dgm:fillClrLst>
-    <dgm:linClrLst meth="repeat">
-      <a:schemeClr val="accent1"/>
-    </dgm:linClrLst>
-    <dgm:effectClrLst/>
-    <dgm:txLinClrLst/>
-    <dgm:txFillClrLst meth="repeat">
-      <a:schemeClr val="lt1"/>
-    </dgm:txFillClrLst>
-    <dgm:txEffectClrLst/>
-  </dgm:styleLbl>
-  <dgm:styleLbl name="fgShp">
-    <dgm:fillClrLst meth="repeat">
-      <a:schemeClr val="accent1">
-        <a:tint val="60000"/>
-      </a:schemeClr>
-    </dgm:fillClrLst>
-    <dgm:linClrLst meth="repeat">
-      <a:schemeClr val="lt1"/>
-    </dgm:linClrLst>
-    <dgm:effectClrLst/>
-    <dgm:txLinClrLst/>
-    <dgm:txFillClrLst meth="repeat">
-      <a:schemeClr val="dk1"/>
-    </dgm:txFillClrLst>
-    <dgm:txEffectClrLst/>
-  </dgm:styleLbl>
-  <dgm:styleLbl name="revTx">
-    <dgm:fillClrLst meth="repeat">
-      <a:schemeClr val="lt1">
-        <a:alpha val="0"/>
-      </a:schemeClr>
-    </dgm:fillClrLst>
-    <dgm:linClrLst meth="repeat">
-      <a:schemeClr val="dk1">
-        <a:alpha val="0"/>
-      </a:schemeClr>
-    </dgm:linClrLst>
-    <dgm:effectClrLst/>
-    <dgm:txLinClrLst/>
-    <dgm:txFillClrLst meth="repeat">
-      <a:schemeClr val="tx1"/>
-    </dgm:txFillClrLst>
-    <dgm:txEffectClrLst/>
-  </dgm:styleLbl>
-</dgm:colorsDef>
-</file>
-
-<file path=ppt/diagrams/data1.xml><?xml version="1.0" encoding="utf-8"?>
-<dgm:dataModel xmlns:dgm="http://schemas.openxmlformats.org/drawingml/2006/diagram" xmlns:a="http://schemas.openxmlformats.org/drawingml/2006/main">
-  <dgm:ptLst>
-    <dgm:pt modelId="{3A163624-AA8E-4567-91BA-139661D4A05F}" type="doc">
-      <dgm:prSet loTypeId="urn:microsoft.com/office/officeart/2005/8/layout/hList1" loCatId="list" qsTypeId="urn:microsoft.com/office/officeart/2005/8/quickstyle/simple1" qsCatId="simple" csTypeId="urn:microsoft.com/office/officeart/2005/8/colors/accent1_2" csCatId="accent1" phldr="1"/>
-      <dgm:spPr/>
-      <dgm:t>
-        <a:bodyPr/>
-        <a:lstStyle/>
-        <a:p>
-          <a:endParaRPr kumimoji="1" lang="ja-JP" altLang="en-US"/>
-        </a:p>
-      </dgm:t>
-    </dgm:pt>
-    <dgm:pt modelId="{AC858951-7E9B-4445-AFD3-DCF11FE15B43}">
-      <dgm:prSet phldrT="[テキスト]"/>
-      <dgm:spPr/>
-      <dgm:t>
-        <a:bodyPr/>
-        <a:lstStyle/>
-        <a:p>
-          <a:r>
-            <a:rPr kumimoji="1" lang="ja-JP" altLang="en-US" smtClean="0"/>
-            <a:t>カート</a:t>
-          </a:r>
-          <a:endParaRPr kumimoji="1" lang="ja-JP" altLang="en-US"/>
-        </a:p>
-      </dgm:t>
-    </dgm:pt>
-    <dgm:pt modelId="{DD137FCC-2AA6-4BC3-BB6A-B857157D0BB2}" type="parTrans" cxnId="{9BC590BE-B111-4A14-AEDA-686C2F83FBA1}">
-      <dgm:prSet/>
-      <dgm:spPr/>
-      <dgm:t>
-        <a:bodyPr/>
-        <a:lstStyle/>
-        <a:p>
-          <a:endParaRPr kumimoji="1" lang="ja-JP" altLang="en-US"/>
-        </a:p>
-      </dgm:t>
-    </dgm:pt>
-    <dgm:pt modelId="{EE3B0483-E034-4A33-AB4C-CD1333A2E848}" type="sibTrans" cxnId="{9BC590BE-B111-4A14-AEDA-686C2F83FBA1}">
-      <dgm:prSet/>
-      <dgm:spPr/>
-      <dgm:t>
-        <a:bodyPr/>
-        <a:lstStyle/>
-        <a:p>
-          <a:endParaRPr kumimoji="1" lang="ja-JP" altLang="en-US"/>
-        </a:p>
-      </dgm:t>
-    </dgm:pt>
-    <dgm:pt modelId="{ABF305DE-77F3-419D-BA1B-121703CD973B}">
-      <dgm:prSet phldrT="[テキスト]"/>
-      <dgm:spPr/>
-      <dgm:t>
-        <a:bodyPr/>
-        <a:lstStyle/>
-        <a:p>
-          <a:r>
-            <a:rPr lang="it-IT" b="1" i="0" smtClean="0"/>
-            <a:t>Raspberry Pi 3 Model B</a:t>
-          </a:r>
-          <a:endParaRPr kumimoji="1" lang="ja-JP" altLang="en-US"/>
-        </a:p>
-      </dgm:t>
-    </dgm:pt>
-    <dgm:pt modelId="{1CF6F2FE-99A5-4BCA-9DCF-9383AC11A7EC}" type="parTrans" cxnId="{F4FC94B2-F343-4E4C-95CC-B86875646531}">
-      <dgm:prSet/>
-      <dgm:spPr/>
-      <dgm:t>
-        <a:bodyPr/>
-        <a:lstStyle/>
-        <a:p>
-          <a:endParaRPr kumimoji="1" lang="ja-JP" altLang="en-US"/>
-        </a:p>
-      </dgm:t>
-    </dgm:pt>
-    <dgm:pt modelId="{78333C82-FB92-45D5-869D-48D34955675A}" type="sibTrans" cxnId="{F4FC94B2-F343-4E4C-95CC-B86875646531}">
-      <dgm:prSet/>
-      <dgm:spPr/>
-      <dgm:t>
-        <a:bodyPr/>
-        <a:lstStyle/>
-        <a:p>
-          <a:endParaRPr kumimoji="1" lang="ja-JP" altLang="en-US"/>
-        </a:p>
-      </dgm:t>
-    </dgm:pt>
-    <dgm:pt modelId="{24FEBA4B-F65B-48CA-A5D0-9580416EDA60}">
-      <dgm:prSet phldrT="[テキスト]"/>
-      <dgm:spPr/>
-      <dgm:t>
-        <a:bodyPr/>
-        <a:lstStyle/>
-        <a:p>
-          <a:r>
-            <a:rPr kumimoji="1" lang="ja-JP" altLang="en-US" smtClean="0"/>
-            <a:t>超音波センサ</a:t>
-          </a:r>
-          <a:endParaRPr kumimoji="1" lang="ja-JP" altLang="en-US"/>
-        </a:p>
-      </dgm:t>
-    </dgm:pt>
-    <dgm:pt modelId="{9A2B9754-A9B4-469C-A944-992CB552CEFF}" type="parTrans" cxnId="{C580B453-7882-4A1F-B8AB-9C595634624E}">
-      <dgm:prSet/>
-      <dgm:spPr/>
-      <dgm:t>
-        <a:bodyPr/>
-        <a:lstStyle/>
-        <a:p>
-          <a:endParaRPr kumimoji="1" lang="ja-JP" altLang="en-US"/>
-        </a:p>
-      </dgm:t>
-    </dgm:pt>
-    <dgm:pt modelId="{E1C65400-A7B9-47B1-94D5-B48D18A454A2}" type="sibTrans" cxnId="{C580B453-7882-4A1F-B8AB-9C595634624E}">
-      <dgm:prSet/>
-      <dgm:spPr/>
-      <dgm:t>
-        <a:bodyPr/>
-        <a:lstStyle/>
-        <a:p>
-          <a:endParaRPr kumimoji="1" lang="ja-JP" altLang="en-US"/>
-        </a:p>
-      </dgm:t>
-    </dgm:pt>
-    <dgm:pt modelId="{9D72DBFF-727C-4C46-AF20-A1993A52278E}">
-      <dgm:prSet phldrT="[テキスト]"/>
-      <dgm:spPr/>
-      <dgm:t>
-        <a:bodyPr/>
-        <a:lstStyle/>
-        <a:p>
-          <a:r>
-            <a:rPr kumimoji="1" lang="ja-JP" altLang="en-US" smtClean="0"/>
-            <a:t>サーバ</a:t>
-          </a:r>
-          <a:endParaRPr kumimoji="1" lang="ja-JP" altLang="en-US"/>
-        </a:p>
-      </dgm:t>
-    </dgm:pt>
-    <dgm:pt modelId="{490F4D85-0048-448C-B8C3-72270E1E2019}" type="parTrans" cxnId="{9E879B10-280B-40AD-B546-6CA431F66EF8}">
-      <dgm:prSet/>
-      <dgm:spPr/>
-      <dgm:t>
-        <a:bodyPr/>
-        <a:lstStyle/>
-        <a:p>
-          <a:endParaRPr kumimoji="1" lang="ja-JP" altLang="en-US"/>
-        </a:p>
-      </dgm:t>
-    </dgm:pt>
-    <dgm:pt modelId="{AA4D4BE2-CE33-4C6B-AA05-380CCD51EBE6}" type="sibTrans" cxnId="{9E879B10-280B-40AD-B546-6CA431F66EF8}">
-      <dgm:prSet/>
-      <dgm:spPr/>
-      <dgm:t>
-        <a:bodyPr/>
-        <a:lstStyle/>
-        <a:p>
-          <a:endParaRPr kumimoji="1" lang="ja-JP" altLang="en-US"/>
-        </a:p>
-      </dgm:t>
-    </dgm:pt>
-    <dgm:pt modelId="{2B9453B3-5DB0-4A02-8F5E-3B7CF0846D0D}">
-      <dgm:prSet phldrT="[テキスト]"/>
-      <dgm:spPr/>
-      <dgm:t>
-        <a:bodyPr/>
-        <a:lstStyle/>
-        <a:p>
-          <a:r>
-            <a:rPr kumimoji="1" lang="en-US" altLang="ja-JP" smtClean="0"/>
-            <a:t>Core2 Duo E7500 2.93GHz</a:t>
-          </a:r>
-          <a:endParaRPr kumimoji="1" lang="ja-JP" altLang="en-US"/>
-        </a:p>
-      </dgm:t>
-    </dgm:pt>
-    <dgm:pt modelId="{8BA53BD6-5988-49DD-9664-CA498487EC5E}" type="parTrans" cxnId="{895505E8-D1EC-437A-B3FA-C9FE000DAE31}">
-      <dgm:prSet/>
-      <dgm:spPr/>
-      <dgm:t>
-        <a:bodyPr/>
-        <a:lstStyle/>
-        <a:p>
-          <a:endParaRPr kumimoji="1" lang="ja-JP" altLang="en-US"/>
-        </a:p>
-      </dgm:t>
-    </dgm:pt>
-    <dgm:pt modelId="{B11981B1-5788-47AC-BDD2-E8DA27848273}" type="sibTrans" cxnId="{895505E8-D1EC-437A-B3FA-C9FE000DAE31}">
-      <dgm:prSet/>
-      <dgm:spPr/>
-      <dgm:t>
-        <a:bodyPr/>
-        <a:lstStyle/>
-        <a:p>
-          <a:endParaRPr kumimoji="1" lang="ja-JP" altLang="en-US"/>
-        </a:p>
-      </dgm:t>
-    </dgm:pt>
-    <dgm:pt modelId="{7840D832-C00D-4001-95C7-1E982562382A}">
-      <dgm:prSet phldrT="[テキスト]"/>
-      <dgm:spPr/>
-      <dgm:t>
-        <a:bodyPr/>
-        <a:lstStyle/>
-        <a:p>
-          <a:r>
-            <a:rPr kumimoji="1" lang="ja-JP" altLang="en-US" smtClean="0"/>
-            <a:t>ひずみゲージ</a:t>
-          </a:r>
-          <a:endParaRPr kumimoji="1" lang="ja-JP" altLang="en-US"/>
-        </a:p>
-      </dgm:t>
-    </dgm:pt>
-    <dgm:pt modelId="{732273CC-ED0A-4C1A-8F30-CADFF0FA3E8C}" type="parTrans" cxnId="{6A250DC8-2FD2-473F-97EB-333C2AD16828}">
-      <dgm:prSet/>
-      <dgm:spPr/>
-      <dgm:t>
-        <a:bodyPr/>
-        <a:lstStyle/>
-        <a:p>
-          <a:endParaRPr kumimoji="1" lang="ja-JP" altLang="en-US"/>
-        </a:p>
-      </dgm:t>
-    </dgm:pt>
-    <dgm:pt modelId="{E1774436-26C2-42CC-853F-819E274AB464}" type="sibTrans" cxnId="{6A250DC8-2FD2-473F-97EB-333C2AD16828}">
-      <dgm:prSet/>
-      <dgm:spPr/>
-      <dgm:t>
-        <a:bodyPr/>
-        <a:lstStyle/>
-        <a:p>
-          <a:endParaRPr kumimoji="1" lang="ja-JP" altLang="en-US"/>
-        </a:p>
-      </dgm:t>
-    </dgm:pt>
-    <dgm:pt modelId="{CED4E897-636B-4E2B-BB6B-D54FBD118158}">
-      <dgm:prSet phldrT="[テキスト]"/>
-      <dgm:spPr/>
-      <dgm:t>
-        <a:bodyPr/>
-        <a:lstStyle/>
-        <a:p>
-          <a:r>
-            <a:rPr kumimoji="1" lang="en-US" altLang="ja-JP" smtClean="0"/>
-            <a:t>LED</a:t>
-          </a:r>
-          <a:endParaRPr kumimoji="1" lang="ja-JP" altLang="en-US"/>
-        </a:p>
-      </dgm:t>
-    </dgm:pt>
-    <dgm:pt modelId="{80C29F16-2A8A-4F64-A607-68A6C15B7CE6}" type="parTrans" cxnId="{62F46A76-0D29-4B34-AB2C-45542B5DB382}">
-      <dgm:prSet/>
-      <dgm:spPr/>
-      <dgm:t>
-        <a:bodyPr/>
-        <a:lstStyle/>
-        <a:p>
-          <a:endParaRPr kumimoji="1" lang="ja-JP" altLang="en-US"/>
-        </a:p>
-      </dgm:t>
-    </dgm:pt>
-    <dgm:pt modelId="{74C5C66F-5218-492A-B79D-3D9CBB85C96F}" type="sibTrans" cxnId="{62F46A76-0D29-4B34-AB2C-45542B5DB382}">
-      <dgm:prSet/>
-      <dgm:spPr/>
-      <dgm:t>
-        <a:bodyPr/>
-        <a:lstStyle/>
-        <a:p>
-          <a:endParaRPr kumimoji="1" lang="ja-JP" altLang="en-US"/>
-        </a:p>
-      </dgm:t>
-    </dgm:pt>
-    <dgm:pt modelId="{D6D9EA53-1F43-488C-AC6A-D3CDE3713C39}" type="pres">
-      <dgm:prSet presAssocID="{3A163624-AA8E-4567-91BA-139661D4A05F}" presName="Name0" presStyleCnt="0">
-        <dgm:presLayoutVars>
-          <dgm:dir/>
-          <dgm:animLvl val="lvl"/>
-          <dgm:resizeHandles val="exact"/>
-        </dgm:presLayoutVars>
-      </dgm:prSet>
-      <dgm:spPr/>
-      <dgm:t>
-        <a:bodyPr/>
-        <a:lstStyle/>
-        <a:p>
-          <a:endParaRPr kumimoji="1" lang="ja-JP" altLang="en-US"/>
-        </a:p>
-      </dgm:t>
-    </dgm:pt>
-    <dgm:pt modelId="{8EC198BB-1160-49F7-AEDD-2AB3DDD21392}" type="pres">
-      <dgm:prSet presAssocID="{AC858951-7E9B-4445-AFD3-DCF11FE15B43}" presName="composite" presStyleCnt="0"/>
-      <dgm:spPr/>
-    </dgm:pt>
-    <dgm:pt modelId="{33338AEC-AD94-4BDF-896F-6CD0400C1F1B}" type="pres">
-      <dgm:prSet presAssocID="{AC858951-7E9B-4445-AFD3-DCF11FE15B43}" presName="parTx" presStyleLbl="alignNode1" presStyleIdx="0" presStyleCnt="2">
-        <dgm:presLayoutVars>
-          <dgm:chMax val="0"/>
-          <dgm:chPref val="0"/>
-          <dgm:bulletEnabled val="1"/>
-        </dgm:presLayoutVars>
-      </dgm:prSet>
-      <dgm:spPr/>
-      <dgm:t>
-        <a:bodyPr/>
-        <a:lstStyle/>
-        <a:p>
-          <a:endParaRPr kumimoji="1" lang="ja-JP" altLang="en-US"/>
-        </a:p>
-      </dgm:t>
-    </dgm:pt>
-    <dgm:pt modelId="{B4FE8792-0ADE-4BE8-B783-422E8D4ED022}" type="pres">
-      <dgm:prSet presAssocID="{AC858951-7E9B-4445-AFD3-DCF11FE15B43}" presName="desTx" presStyleLbl="alignAccFollowNode1" presStyleIdx="0" presStyleCnt="2">
-        <dgm:presLayoutVars>
-          <dgm:bulletEnabled val="1"/>
-        </dgm:presLayoutVars>
-      </dgm:prSet>
-      <dgm:spPr/>
-      <dgm:t>
-        <a:bodyPr/>
-        <a:lstStyle/>
-        <a:p>
-          <a:endParaRPr kumimoji="1" lang="ja-JP" altLang="en-US"/>
-        </a:p>
-      </dgm:t>
-    </dgm:pt>
-    <dgm:pt modelId="{0D5FED7F-3CBF-43A4-B4E2-A74B1111FBA8}" type="pres">
-      <dgm:prSet presAssocID="{EE3B0483-E034-4A33-AB4C-CD1333A2E848}" presName="space" presStyleCnt="0"/>
-      <dgm:spPr/>
-    </dgm:pt>
-    <dgm:pt modelId="{F8A0FD98-EB73-424A-B061-918581AB2092}" type="pres">
-      <dgm:prSet presAssocID="{9D72DBFF-727C-4C46-AF20-A1993A52278E}" presName="composite" presStyleCnt="0"/>
-      <dgm:spPr/>
-    </dgm:pt>
-    <dgm:pt modelId="{17C8FB9D-EF1B-4FEA-802A-09ECD40D7422}" type="pres">
-      <dgm:prSet presAssocID="{9D72DBFF-727C-4C46-AF20-A1993A52278E}" presName="parTx" presStyleLbl="alignNode1" presStyleIdx="1" presStyleCnt="2">
-        <dgm:presLayoutVars>
-          <dgm:chMax val="0"/>
-          <dgm:chPref val="0"/>
-          <dgm:bulletEnabled val="1"/>
-        </dgm:presLayoutVars>
-      </dgm:prSet>
-      <dgm:spPr/>
-      <dgm:t>
-        <a:bodyPr/>
-        <a:lstStyle/>
-        <a:p>
-          <a:endParaRPr kumimoji="1" lang="ja-JP" altLang="en-US"/>
-        </a:p>
-      </dgm:t>
-    </dgm:pt>
-    <dgm:pt modelId="{06B20D72-A680-4353-AED1-F6393D9D7DF4}" type="pres">
-      <dgm:prSet presAssocID="{9D72DBFF-727C-4C46-AF20-A1993A52278E}" presName="desTx" presStyleLbl="alignAccFollowNode1" presStyleIdx="1" presStyleCnt="2">
-        <dgm:presLayoutVars>
-          <dgm:bulletEnabled val="1"/>
-        </dgm:presLayoutVars>
-      </dgm:prSet>
-      <dgm:spPr/>
-      <dgm:t>
-        <a:bodyPr/>
-        <a:lstStyle/>
-        <a:p>
-          <a:endParaRPr kumimoji="1" lang="ja-JP" altLang="en-US"/>
-        </a:p>
-      </dgm:t>
-    </dgm:pt>
-  </dgm:ptLst>
-  <dgm:cxnLst>
-    <dgm:cxn modelId="{CE1CCF13-F370-47C0-99A1-4CF6FA933C0E}" type="presOf" srcId="{ABF305DE-77F3-419D-BA1B-121703CD973B}" destId="{B4FE8792-0ADE-4BE8-B783-422E8D4ED022}" srcOrd="0" destOrd="0" presId="urn:microsoft.com/office/officeart/2005/8/layout/hList1"/>
-    <dgm:cxn modelId="{9BC590BE-B111-4A14-AEDA-686C2F83FBA1}" srcId="{3A163624-AA8E-4567-91BA-139661D4A05F}" destId="{AC858951-7E9B-4445-AFD3-DCF11FE15B43}" srcOrd="0" destOrd="0" parTransId="{DD137FCC-2AA6-4BC3-BB6A-B857157D0BB2}" sibTransId="{EE3B0483-E034-4A33-AB4C-CD1333A2E848}"/>
-    <dgm:cxn modelId="{4F96F4E5-A521-4E01-91C8-0C1DA59609FE}" type="presOf" srcId="{3A163624-AA8E-4567-91BA-139661D4A05F}" destId="{D6D9EA53-1F43-488C-AC6A-D3CDE3713C39}" srcOrd="0" destOrd="0" presId="urn:microsoft.com/office/officeart/2005/8/layout/hList1"/>
-    <dgm:cxn modelId="{3360FD9B-0A50-4003-9422-0734DFA98609}" type="presOf" srcId="{AC858951-7E9B-4445-AFD3-DCF11FE15B43}" destId="{33338AEC-AD94-4BDF-896F-6CD0400C1F1B}" srcOrd="0" destOrd="0" presId="urn:microsoft.com/office/officeart/2005/8/layout/hList1"/>
-    <dgm:cxn modelId="{62F46A76-0D29-4B34-AB2C-45542B5DB382}" srcId="{ABF305DE-77F3-419D-BA1B-121703CD973B}" destId="{CED4E897-636B-4E2B-BB6B-D54FBD118158}" srcOrd="2" destOrd="0" parTransId="{80C29F16-2A8A-4F64-A607-68A6C15B7CE6}" sibTransId="{74C5C66F-5218-492A-B79D-3D9CBB85C96F}"/>
-    <dgm:cxn modelId="{F4FC94B2-F343-4E4C-95CC-B86875646531}" srcId="{AC858951-7E9B-4445-AFD3-DCF11FE15B43}" destId="{ABF305DE-77F3-419D-BA1B-121703CD973B}" srcOrd="0" destOrd="0" parTransId="{1CF6F2FE-99A5-4BCA-9DCF-9383AC11A7EC}" sibTransId="{78333C82-FB92-45D5-869D-48D34955675A}"/>
-    <dgm:cxn modelId="{50BC047C-A3CC-409E-B3C5-C4BFF8BD25BF}" type="presOf" srcId="{2B9453B3-5DB0-4A02-8F5E-3B7CF0846D0D}" destId="{06B20D72-A680-4353-AED1-F6393D9D7DF4}" srcOrd="0" destOrd="0" presId="urn:microsoft.com/office/officeart/2005/8/layout/hList1"/>
-    <dgm:cxn modelId="{9E879B10-280B-40AD-B546-6CA431F66EF8}" srcId="{3A163624-AA8E-4567-91BA-139661D4A05F}" destId="{9D72DBFF-727C-4C46-AF20-A1993A52278E}" srcOrd="1" destOrd="0" parTransId="{490F4D85-0048-448C-B8C3-72270E1E2019}" sibTransId="{AA4D4BE2-CE33-4C6B-AA05-380CCD51EBE6}"/>
-    <dgm:cxn modelId="{386C9AA9-302F-4EF2-A806-F6362E283DA2}" type="presOf" srcId="{CED4E897-636B-4E2B-BB6B-D54FBD118158}" destId="{B4FE8792-0ADE-4BE8-B783-422E8D4ED022}" srcOrd="0" destOrd="3" presId="urn:microsoft.com/office/officeart/2005/8/layout/hList1"/>
-    <dgm:cxn modelId="{7E800ABD-6F3A-4217-B553-40FFC0A3C3AA}" type="presOf" srcId="{7840D832-C00D-4001-95C7-1E982562382A}" destId="{B4FE8792-0ADE-4BE8-B783-422E8D4ED022}" srcOrd="0" destOrd="2" presId="urn:microsoft.com/office/officeart/2005/8/layout/hList1"/>
-    <dgm:cxn modelId="{895505E8-D1EC-437A-B3FA-C9FE000DAE31}" srcId="{9D72DBFF-727C-4C46-AF20-A1993A52278E}" destId="{2B9453B3-5DB0-4A02-8F5E-3B7CF0846D0D}" srcOrd="0" destOrd="0" parTransId="{8BA53BD6-5988-49DD-9664-CA498487EC5E}" sibTransId="{B11981B1-5788-47AC-BDD2-E8DA27848273}"/>
-    <dgm:cxn modelId="{6A250DC8-2FD2-473F-97EB-333C2AD16828}" srcId="{ABF305DE-77F3-419D-BA1B-121703CD973B}" destId="{7840D832-C00D-4001-95C7-1E982562382A}" srcOrd="1" destOrd="0" parTransId="{732273CC-ED0A-4C1A-8F30-CADFF0FA3E8C}" sibTransId="{E1774436-26C2-42CC-853F-819E274AB464}"/>
-    <dgm:cxn modelId="{C580B453-7882-4A1F-B8AB-9C595634624E}" srcId="{ABF305DE-77F3-419D-BA1B-121703CD973B}" destId="{24FEBA4B-F65B-48CA-A5D0-9580416EDA60}" srcOrd="0" destOrd="0" parTransId="{9A2B9754-A9B4-469C-A944-992CB552CEFF}" sibTransId="{E1C65400-A7B9-47B1-94D5-B48D18A454A2}"/>
-    <dgm:cxn modelId="{7252DF24-0625-468A-9D42-A40BFED2007E}" type="presOf" srcId="{9D72DBFF-727C-4C46-AF20-A1993A52278E}" destId="{17C8FB9D-EF1B-4FEA-802A-09ECD40D7422}" srcOrd="0" destOrd="0" presId="urn:microsoft.com/office/officeart/2005/8/layout/hList1"/>
-    <dgm:cxn modelId="{11B81931-2873-43B8-AF35-34F7EF8794FE}" type="presOf" srcId="{24FEBA4B-F65B-48CA-A5D0-9580416EDA60}" destId="{B4FE8792-0ADE-4BE8-B783-422E8D4ED022}" srcOrd="0" destOrd="1" presId="urn:microsoft.com/office/officeart/2005/8/layout/hList1"/>
-    <dgm:cxn modelId="{3FA1A20D-826F-442E-AC19-2E7E2EB779E3}" type="presParOf" srcId="{D6D9EA53-1F43-488C-AC6A-D3CDE3713C39}" destId="{8EC198BB-1160-49F7-AEDD-2AB3DDD21392}" srcOrd="0" destOrd="0" presId="urn:microsoft.com/office/officeart/2005/8/layout/hList1"/>
-    <dgm:cxn modelId="{45C34BA4-589E-4CC5-9712-D1BA3EB98C63}" type="presParOf" srcId="{8EC198BB-1160-49F7-AEDD-2AB3DDD21392}" destId="{33338AEC-AD94-4BDF-896F-6CD0400C1F1B}" srcOrd="0" destOrd="0" presId="urn:microsoft.com/office/officeart/2005/8/layout/hList1"/>
-    <dgm:cxn modelId="{0A7D0B78-5C7F-4768-BEF1-8D4AFCDB070C}" type="presParOf" srcId="{8EC198BB-1160-49F7-AEDD-2AB3DDD21392}" destId="{B4FE8792-0ADE-4BE8-B783-422E8D4ED022}" srcOrd="1" destOrd="0" presId="urn:microsoft.com/office/officeart/2005/8/layout/hList1"/>
-    <dgm:cxn modelId="{9B5F8426-516B-4DAA-B41A-5DBAAFB45FA2}" type="presParOf" srcId="{D6D9EA53-1F43-488C-AC6A-D3CDE3713C39}" destId="{0D5FED7F-3CBF-43A4-B4E2-A74B1111FBA8}" srcOrd="1" destOrd="0" presId="urn:microsoft.com/office/officeart/2005/8/layout/hList1"/>
-    <dgm:cxn modelId="{D967DB21-56DE-4F2A-B7C4-EA7136BF5834}" type="presParOf" srcId="{D6D9EA53-1F43-488C-AC6A-D3CDE3713C39}" destId="{F8A0FD98-EB73-424A-B061-918581AB2092}" srcOrd="2" destOrd="0" presId="urn:microsoft.com/office/officeart/2005/8/layout/hList1"/>
-    <dgm:cxn modelId="{2498C6C3-41C8-4926-90A7-304E2006706D}" type="presParOf" srcId="{F8A0FD98-EB73-424A-B061-918581AB2092}" destId="{17C8FB9D-EF1B-4FEA-802A-09ECD40D7422}" srcOrd="0" destOrd="0" presId="urn:microsoft.com/office/officeart/2005/8/layout/hList1"/>
-    <dgm:cxn modelId="{578AD08A-032D-4DDF-AB39-9A90F887832C}" type="presParOf" srcId="{F8A0FD98-EB73-424A-B061-918581AB2092}" destId="{06B20D72-A680-4353-AED1-F6393D9D7DF4}" srcOrd="1" destOrd="0" presId="urn:microsoft.com/office/officeart/2005/8/layout/hList1"/>
-  </dgm:cxnLst>
-  <dgm:bg/>
-  <dgm:whole/>
-  <dgm:extLst>
-    <a:ext uri="http://schemas.microsoft.com/office/drawing/2008/diagram">
-      <dsp:dataModelExt xmlns:dsp="http://schemas.microsoft.com/office/drawing/2008/diagram" relId="rId6" minVer="http://schemas.openxmlformats.org/drawingml/2006/diagram"/>
-    </a:ext>
-  </dgm:extLst>
-</dgm:dataModel>
-</file>
-
-<file path=ppt/diagrams/drawing1.xml><?xml version="1.0" encoding="utf-8"?>
-<dsp:drawing xmlns:dgm="http://schemas.openxmlformats.org/drawingml/2006/diagram" xmlns:dsp="http://schemas.microsoft.com/office/drawing/2008/diagram" xmlns:a="http://schemas.openxmlformats.org/drawingml/2006/main">
-  <dsp:spTree>
-    <dsp:nvGrpSpPr>
-      <dsp:cNvPr id="0" name=""/>
-      <dsp:cNvGrpSpPr/>
-    </dsp:nvGrpSpPr>
-    <dsp:grpSpPr/>
-    <dsp:sp modelId="{33338AEC-AD94-4BDF-896F-6CD0400C1F1B}">
-      <dsp:nvSpPr>
-        <dsp:cNvPr id="0" name=""/>
-        <dsp:cNvSpPr/>
-      </dsp:nvSpPr>
-      <dsp:spPr>
-        <a:xfrm>
-          <a:off x="49" y="276882"/>
-          <a:ext cx="4700141" cy="921600"/>
-        </a:xfrm>
-        <a:prstGeom prst="rect">
-          <a:avLst/>
-        </a:prstGeom>
-        <a:solidFill>
-          <a:schemeClr val="accent1">
-            <a:hueOff val="0"/>
-            <a:satOff val="0"/>
-            <a:lumOff val="0"/>
-            <a:alphaOff val="0"/>
-          </a:schemeClr>
-        </a:solidFill>
-        <a:ln w="15875" cap="flat" cmpd="sng" algn="ctr">
-          <a:solidFill>
-            <a:schemeClr val="accent1">
-              <a:hueOff val="0"/>
-              <a:satOff val="0"/>
-              <a:lumOff val="0"/>
-              <a:alphaOff val="0"/>
-            </a:schemeClr>
-          </a:solidFill>
-          <a:prstDash val="solid"/>
-        </a:ln>
-        <a:effectLst/>
-      </dsp:spPr>
-      <dsp:style>
-        <a:lnRef idx="2">
-          <a:scrgbClr r="0" g="0" b="0"/>
-        </a:lnRef>
-        <a:fillRef idx="1">
-          <a:scrgbClr r="0" g="0" b="0"/>
-        </a:fillRef>
-        <a:effectRef idx="0">
-          <a:scrgbClr r="0" g="0" b="0"/>
-        </a:effectRef>
-        <a:fontRef idx="minor">
-          <a:schemeClr val="lt1"/>
-        </a:fontRef>
-      </dsp:style>
-      <dsp:txBody>
-        <a:bodyPr spcFirstLastPara="0" vert="horz" wrap="square" lIns="227584" tIns="130048" rIns="227584" bIns="130048" numCol="1" spcCol="1270" anchor="ctr" anchorCtr="0">
-          <a:noAutofit/>
-        </a:bodyPr>
-        <a:lstStyle/>
-        <a:p>
-          <a:pPr lvl="0" algn="ctr" defTabSz="1422400">
-            <a:lnSpc>
-              <a:spcPct val="90000"/>
-            </a:lnSpc>
-            <a:spcBef>
-              <a:spcPct val="0"/>
-            </a:spcBef>
-            <a:spcAft>
-              <a:spcPct val="35000"/>
-            </a:spcAft>
-          </a:pPr>
-          <a:r>
-            <a:rPr kumimoji="1" lang="ja-JP" altLang="en-US" sz="3200" kern="1200" smtClean="0"/>
-            <a:t>カート</a:t>
-          </a:r>
-          <a:endParaRPr kumimoji="1" lang="ja-JP" altLang="en-US" sz="3200" kern="1200"/>
-        </a:p>
-      </dsp:txBody>
-      <dsp:txXfrm>
-        <a:off x="49" y="276882"/>
-        <a:ext cx="4700141" cy="921600"/>
-      </dsp:txXfrm>
-    </dsp:sp>
-    <dsp:sp modelId="{B4FE8792-0ADE-4BE8-B783-422E8D4ED022}">
-      <dsp:nvSpPr>
-        <dsp:cNvPr id="0" name=""/>
-        <dsp:cNvSpPr/>
-      </dsp:nvSpPr>
-      <dsp:spPr>
-        <a:xfrm>
-          <a:off x="49" y="1198482"/>
-          <a:ext cx="4700141" cy="2547360"/>
-        </a:xfrm>
-        <a:prstGeom prst="rect">
-          <a:avLst/>
-        </a:prstGeom>
-        <a:solidFill>
-          <a:schemeClr val="accent1">
-            <a:alpha val="90000"/>
-            <a:tint val="40000"/>
-            <a:hueOff val="0"/>
-            <a:satOff val="0"/>
-            <a:lumOff val="0"/>
-            <a:alphaOff val="0"/>
-          </a:schemeClr>
-        </a:solidFill>
-        <a:ln w="15875" cap="flat" cmpd="sng" algn="ctr">
-          <a:solidFill>
-            <a:schemeClr val="accent1">
-              <a:alpha val="90000"/>
-              <a:tint val="40000"/>
-              <a:hueOff val="0"/>
-              <a:satOff val="0"/>
-              <a:lumOff val="0"/>
-              <a:alphaOff val="0"/>
-            </a:schemeClr>
-          </a:solidFill>
-          <a:prstDash val="solid"/>
-        </a:ln>
-        <a:effectLst/>
-      </dsp:spPr>
-      <dsp:style>
-        <a:lnRef idx="2">
-          <a:scrgbClr r="0" g="0" b="0"/>
-        </a:lnRef>
-        <a:fillRef idx="1">
-          <a:scrgbClr r="0" g="0" b="0"/>
-        </a:fillRef>
-        <a:effectRef idx="0">
-          <a:scrgbClr r="0" g="0" b="0"/>
-        </a:effectRef>
-        <a:fontRef idx="minor"/>
-      </dsp:style>
-      <dsp:txBody>
-        <a:bodyPr spcFirstLastPara="0" vert="horz" wrap="square" lIns="170688" tIns="170688" rIns="227584" bIns="256032" numCol="1" spcCol="1270" anchor="t" anchorCtr="0">
-          <a:noAutofit/>
-        </a:bodyPr>
-        <a:lstStyle/>
-        <a:p>
-          <a:pPr marL="285750" lvl="1" indent="-285750" algn="l" defTabSz="1422400">
-            <a:lnSpc>
-              <a:spcPct val="90000"/>
-            </a:lnSpc>
-            <a:spcBef>
-              <a:spcPct val="0"/>
-            </a:spcBef>
-            <a:spcAft>
-              <a:spcPct val="15000"/>
-            </a:spcAft>
-            <a:buChar char="••"/>
-          </a:pPr>
-          <a:r>
-            <a:rPr lang="it-IT" sz="3200" b="1" i="0" kern="1200" smtClean="0"/>
-            <a:t>Raspberry Pi 3 Model B</a:t>
-          </a:r>
-          <a:endParaRPr kumimoji="1" lang="ja-JP" altLang="en-US" sz="3200" kern="1200"/>
-        </a:p>
-        <a:p>
-          <a:pPr marL="571500" lvl="2" indent="-285750" algn="l" defTabSz="1422400">
-            <a:lnSpc>
-              <a:spcPct val="90000"/>
-            </a:lnSpc>
-            <a:spcBef>
-              <a:spcPct val="0"/>
-            </a:spcBef>
-            <a:spcAft>
-              <a:spcPct val="15000"/>
-            </a:spcAft>
-            <a:buChar char="••"/>
-          </a:pPr>
-          <a:r>
-            <a:rPr kumimoji="1" lang="ja-JP" altLang="en-US" sz="3200" kern="1200" smtClean="0"/>
-            <a:t>超音波センサ</a:t>
-          </a:r>
-          <a:endParaRPr kumimoji="1" lang="ja-JP" altLang="en-US" sz="3200" kern="1200"/>
-        </a:p>
-        <a:p>
-          <a:pPr marL="571500" lvl="2" indent="-285750" algn="l" defTabSz="1422400">
-            <a:lnSpc>
-              <a:spcPct val="90000"/>
-            </a:lnSpc>
-            <a:spcBef>
-              <a:spcPct val="0"/>
-            </a:spcBef>
-            <a:spcAft>
-              <a:spcPct val="15000"/>
-            </a:spcAft>
-            <a:buChar char="••"/>
-          </a:pPr>
-          <a:r>
-            <a:rPr kumimoji="1" lang="ja-JP" altLang="en-US" sz="3200" kern="1200" smtClean="0"/>
-            <a:t>ひずみゲージ</a:t>
-          </a:r>
-          <a:endParaRPr kumimoji="1" lang="ja-JP" altLang="en-US" sz="3200" kern="1200"/>
-        </a:p>
-        <a:p>
-          <a:pPr marL="571500" lvl="2" indent="-285750" algn="l" defTabSz="1422400">
-            <a:lnSpc>
-              <a:spcPct val="90000"/>
-            </a:lnSpc>
-            <a:spcBef>
-              <a:spcPct val="0"/>
-            </a:spcBef>
-            <a:spcAft>
-              <a:spcPct val="15000"/>
-            </a:spcAft>
-            <a:buChar char="••"/>
-          </a:pPr>
-          <a:r>
-            <a:rPr kumimoji="1" lang="en-US" altLang="ja-JP" sz="3200" kern="1200" smtClean="0"/>
-            <a:t>LED</a:t>
-          </a:r>
-          <a:endParaRPr kumimoji="1" lang="ja-JP" altLang="en-US" sz="3200" kern="1200"/>
-        </a:p>
-      </dsp:txBody>
-      <dsp:txXfrm>
-        <a:off x="49" y="1198482"/>
-        <a:ext cx="4700141" cy="2547360"/>
-      </dsp:txXfrm>
-    </dsp:sp>
-    <dsp:sp modelId="{17C8FB9D-EF1B-4FEA-802A-09ECD40D7422}">
-      <dsp:nvSpPr>
-        <dsp:cNvPr id="0" name=""/>
-        <dsp:cNvSpPr/>
-      </dsp:nvSpPr>
-      <dsp:spPr>
-        <a:xfrm>
-          <a:off x="5358209" y="276882"/>
-          <a:ext cx="4700141" cy="921600"/>
-        </a:xfrm>
-        <a:prstGeom prst="rect">
-          <a:avLst/>
-        </a:prstGeom>
-        <a:solidFill>
-          <a:schemeClr val="accent1">
-            <a:hueOff val="0"/>
-            <a:satOff val="0"/>
-            <a:lumOff val="0"/>
-            <a:alphaOff val="0"/>
-          </a:schemeClr>
-        </a:solidFill>
-        <a:ln w="15875" cap="flat" cmpd="sng" algn="ctr">
-          <a:solidFill>
-            <a:schemeClr val="accent1">
-              <a:hueOff val="0"/>
-              <a:satOff val="0"/>
-              <a:lumOff val="0"/>
-              <a:alphaOff val="0"/>
-            </a:schemeClr>
-          </a:solidFill>
-          <a:prstDash val="solid"/>
-        </a:ln>
-        <a:effectLst/>
-      </dsp:spPr>
-      <dsp:style>
-        <a:lnRef idx="2">
-          <a:scrgbClr r="0" g="0" b="0"/>
-        </a:lnRef>
-        <a:fillRef idx="1">
-          <a:scrgbClr r="0" g="0" b="0"/>
-        </a:fillRef>
-        <a:effectRef idx="0">
-          <a:scrgbClr r="0" g="0" b="0"/>
-        </a:effectRef>
-        <a:fontRef idx="minor">
-          <a:schemeClr val="lt1"/>
-        </a:fontRef>
-      </dsp:style>
-      <dsp:txBody>
-        <a:bodyPr spcFirstLastPara="0" vert="horz" wrap="square" lIns="227584" tIns="130048" rIns="227584" bIns="130048" numCol="1" spcCol="1270" anchor="ctr" anchorCtr="0">
-          <a:noAutofit/>
-        </a:bodyPr>
-        <a:lstStyle/>
-        <a:p>
-          <a:pPr lvl="0" algn="ctr" defTabSz="1422400">
-            <a:lnSpc>
-              <a:spcPct val="90000"/>
-            </a:lnSpc>
-            <a:spcBef>
-              <a:spcPct val="0"/>
-            </a:spcBef>
-            <a:spcAft>
-              <a:spcPct val="35000"/>
-            </a:spcAft>
-          </a:pPr>
-          <a:r>
-            <a:rPr kumimoji="1" lang="ja-JP" altLang="en-US" sz="3200" kern="1200" smtClean="0"/>
-            <a:t>サーバ</a:t>
-          </a:r>
-          <a:endParaRPr kumimoji="1" lang="ja-JP" altLang="en-US" sz="3200" kern="1200"/>
-        </a:p>
-      </dsp:txBody>
-      <dsp:txXfrm>
-        <a:off x="5358209" y="276882"/>
-        <a:ext cx="4700141" cy="921600"/>
-      </dsp:txXfrm>
-    </dsp:sp>
-    <dsp:sp modelId="{06B20D72-A680-4353-AED1-F6393D9D7DF4}">
-      <dsp:nvSpPr>
-        <dsp:cNvPr id="0" name=""/>
-        <dsp:cNvSpPr/>
-      </dsp:nvSpPr>
-      <dsp:spPr>
-        <a:xfrm>
-          <a:off x="5358209" y="1198482"/>
-          <a:ext cx="4700141" cy="2547360"/>
-        </a:xfrm>
-        <a:prstGeom prst="rect">
-          <a:avLst/>
-        </a:prstGeom>
-        <a:solidFill>
-          <a:schemeClr val="accent1">
-            <a:alpha val="90000"/>
-            <a:tint val="40000"/>
-            <a:hueOff val="0"/>
-            <a:satOff val="0"/>
-            <a:lumOff val="0"/>
-            <a:alphaOff val="0"/>
-          </a:schemeClr>
-        </a:solidFill>
-        <a:ln w="15875" cap="flat" cmpd="sng" algn="ctr">
-          <a:solidFill>
-            <a:schemeClr val="accent1">
-              <a:alpha val="90000"/>
-              <a:tint val="40000"/>
-              <a:hueOff val="0"/>
-              <a:satOff val="0"/>
-              <a:lumOff val="0"/>
-              <a:alphaOff val="0"/>
-            </a:schemeClr>
-          </a:solidFill>
-          <a:prstDash val="solid"/>
-        </a:ln>
-        <a:effectLst/>
-      </dsp:spPr>
-      <dsp:style>
-        <a:lnRef idx="2">
-          <a:scrgbClr r="0" g="0" b="0"/>
-        </a:lnRef>
-        <a:fillRef idx="1">
-          <a:scrgbClr r="0" g="0" b="0"/>
-        </a:fillRef>
-        <a:effectRef idx="0">
-          <a:scrgbClr r="0" g="0" b="0"/>
-        </a:effectRef>
-        <a:fontRef idx="minor"/>
-      </dsp:style>
-      <dsp:txBody>
-        <a:bodyPr spcFirstLastPara="0" vert="horz" wrap="square" lIns="170688" tIns="170688" rIns="227584" bIns="256032" numCol="1" spcCol="1270" anchor="t" anchorCtr="0">
-          <a:noAutofit/>
-        </a:bodyPr>
-        <a:lstStyle/>
-        <a:p>
-          <a:pPr marL="285750" lvl="1" indent="-285750" algn="l" defTabSz="1422400">
-            <a:lnSpc>
-              <a:spcPct val="90000"/>
-            </a:lnSpc>
-            <a:spcBef>
-              <a:spcPct val="0"/>
-            </a:spcBef>
-            <a:spcAft>
-              <a:spcPct val="15000"/>
-            </a:spcAft>
-            <a:buChar char="••"/>
-          </a:pPr>
-          <a:r>
-            <a:rPr kumimoji="1" lang="en-US" altLang="ja-JP" sz="3200" kern="1200" smtClean="0"/>
-            <a:t>Core2 Duo E7500 2.93GHz</a:t>
-          </a:r>
-          <a:endParaRPr kumimoji="1" lang="ja-JP" altLang="en-US" sz="3200" kern="1200"/>
-        </a:p>
-      </dsp:txBody>
-      <dsp:txXfrm>
-        <a:off x="5358209" y="1198482"/>
-        <a:ext cx="4700141" cy="2547360"/>
-      </dsp:txXfrm>
-    </dsp:sp>
-  </dsp:spTree>
-</dsp:drawing>
-</file>
-
-<file path=ppt/diagrams/layout1.xml><?xml version="1.0" encoding="utf-8"?>
-<dgm:layoutDef xmlns:dgm="http://schemas.openxmlformats.org/drawingml/2006/diagram" xmlns:a="http://schemas.openxmlformats.org/drawingml/2006/main" uniqueId="urn:microsoft.com/office/officeart/2005/8/layout/hList1">
-  <dgm:title val=""/>
-  <dgm:desc val=""/>
-  <dgm:catLst>
-    <dgm:cat type="list" pri="5000"/>
-    <dgm:cat type="convert" pri="5000"/>
-  </dgm:catLst>
-  <dgm:sampData>
-    <dgm:dataModel>
-      <dgm:ptLst>
-        <dgm:pt modelId="0" type="doc"/>
-        <dgm:pt modelId="1">
-          <dgm:prSet phldr="1"/>
-        </dgm:pt>
-        <dgm:pt modelId="11">
-          <dgm:prSet phldr="1"/>
-        </dgm:pt>
-        <dgm:pt modelId="12">
-          <dgm:prSet phldr="1"/>
-        </dgm:pt>
-        <dgm:pt modelId="2">
-          <dgm:prSet phldr="1"/>
-        </dgm:pt>
-        <dgm:pt modelId="21">
-          <dgm:prSet phldr="1"/>
-        </dgm:pt>
-        <dgm:pt modelId="22">
-          <dgm:prSet phldr="1"/>
-        </dgm:pt>
-        <dgm:pt modelId="3">
-          <dgm:prSet phldr="1"/>
-        </dgm:pt>
-        <dgm:pt modelId="31">
-          <dgm:prSet phldr="1"/>
-        </dgm:pt>
-        <dgm:pt modelId="32">
-          <dgm:prSet phldr="1"/>
-        </dgm:pt>
-      </dgm:ptLst>
-      <dgm:cxnLst>
-        <dgm:cxn modelId="4" srcId="0" destId="1" srcOrd="0" destOrd="0"/>
-        <dgm:cxn modelId="5" srcId="0" destId="2" srcOrd="1" destOrd="0"/>
-        <dgm:cxn modelId="6" srcId="0" destId="3" srcOrd="2" destOrd="0"/>
-        <dgm:cxn modelId="13" srcId="1" destId="11" srcOrd="0" destOrd="0"/>
-        <dgm:cxn modelId="14" srcId="1" destId="12" srcOrd="1" destOrd="0"/>
-        <dgm:cxn modelId="23" srcId="2" destId="21" srcOrd="0" destOrd="0"/>
-        <dgm:cxn modelId="24" srcId="2" destId="22" srcOrd="1" destOrd="0"/>
-        <dgm:cxn modelId="33" srcId="3" destId="31" srcOrd="0" destOrd="0"/>
-        <dgm:cxn modelId="34" srcId="3" destId="32" srcOrd="1" destOrd="0"/>
-      </dgm:cxnLst>
-      <dgm:bg/>
-      <dgm:whole/>
-    </dgm:dataModel>
-  </dgm:sampData>
-  <dgm:styleData>
-    <dgm:dataModel>
-      <dgm:ptLst>
-        <dgm:pt modelId="0" type="doc"/>
-        <dgm:pt modelId="1">
-          <dgm:prSet phldr="1"/>
-        </dgm:pt>
-        <dgm:pt modelId="2">
-          <dgm:prSet phldr="1"/>
-        </dgm:pt>
-      </dgm:ptLst>
-      <dgm:cxnLst>
-        <dgm:cxn modelId="3" srcId="0" destId="1" srcOrd="0" destOrd="0"/>
-        <dgm:cxn modelId="4" srcId="0" destId="2" srcOrd="1" destOrd="0"/>
-      </dgm:cxnLst>
-      <dgm:bg/>
-      <dgm:whole/>
-    </dgm:dataModel>
-  </dgm:styleData>
-  <dgm:clrData>
-    <dgm:dataModel>
-      <dgm:ptLst>
-        <dgm:pt modelId="0" type="doc"/>
-        <dgm:pt modelId="1">
-          <dgm:prSet phldr="1"/>
-        </dgm:pt>
-        <dgm:pt modelId="2">
-          <dgm:prSet phldr="1"/>
-        </dgm:pt>
-        <dgm:pt modelId="3">
-          <dgm:prSet phldr="1"/>
-        </dgm:pt>
-        <dgm:pt modelId="4">
-          <dgm:prSet phldr="1"/>
-        </dgm:pt>
-      </dgm:ptLst>
-      <dgm:cxnLst>
-        <dgm:cxn modelId="5" srcId="0" destId="1" srcOrd="0" destOrd="0"/>
-        <dgm:cxn modelId="6" srcId="0" destId="2" srcOrd="1" destOrd="0"/>
-        <dgm:cxn modelId="7" srcId="0" destId="3" srcOrd="2" destOrd="0"/>
-        <dgm:cxn modelId="8" srcId="0" destId="4" srcOrd="3" destOrd="0"/>
-      </dgm:cxnLst>
-      <dgm:bg/>
-      <dgm:whole/>
-    </dgm:dataModel>
-  </dgm:clrData>
-  <dgm:layoutNode name="Name0">
-    <dgm:varLst>
-      <dgm:dir/>
-      <dgm:animLvl val="lvl"/>
-      <dgm:resizeHandles val="exact"/>
-    </dgm:varLst>
-    <dgm:choose name="Name1">
-      <dgm:if name="Name2" func="var" arg="dir" op="equ" val="norm">
-        <dgm:alg type="lin"/>
-      </dgm:if>
-      <dgm:else name="Name3">
-        <dgm:alg type="lin">
-          <dgm:param type="linDir" val="fromR"/>
-        </dgm:alg>
-      </dgm:else>
-    </dgm:choose>
-    <dgm:shape xmlns:r="http://schemas.openxmlformats.org/officeDocument/2006/relationships" r:blip="">
-      <dgm:adjLst/>
-    </dgm:shape>
-    <dgm:presOf/>
-    <dgm:constrLst>
-      <dgm:constr type="h" for="ch" forName="composite" refType="h"/>
-      <dgm:constr type="w" for="ch" forName="composite" refType="w"/>
-      <dgm:constr type="w" for="des" forName="parTx"/>
-      <dgm:constr type="h" for="des" forName="parTx" op="equ"/>
-      <dgm:constr type="w" for="des" forName="desTx"/>
-      <dgm:constr type="h" for="des" forName="desTx" op="equ"/>
-      <dgm:constr type="primFontSz" for="des" forName="parTx" val="65"/>
-      <dgm:constr type="secFontSz" for="des" forName="desTx" refType="primFontSz" refFor="des" refForName="parTx" op="equ"/>
-      <dgm:constr type="h" for="des" forName="parTx" refType="primFontSz" refFor="des" refForName="parTx" fact="0.8"/>
-      <dgm:constr type="h" for="des" forName="desTx" refType="primFontSz" refFor="des" refForName="parTx" fact="1.22"/>
-      <dgm:constr type="w" for="ch" forName="space" refType="w" refFor="ch" refForName="composite" op="equ" fact="0.14"/>
-    </dgm:constrLst>
-    <dgm:ruleLst>
-      <dgm:rule type="w" for="ch" forName="composite" val="0" fact="NaN" max="NaN"/>
-      <dgm:rule type="primFontSz" for="des" forName="parTx" val="5" fact="NaN" max="NaN"/>
-    </dgm:ruleLst>
-    <dgm:forEach name="Name4" axis="ch" ptType="node">
-      <dgm:layoutNode name="composite">
-        <dgm:alg type="composite"/>
-        <dgm:shape xmlns:r="http://schemas.openxmlformats.org/officeDocument/2006/relationships" r:blip="">
-          <dgm:adjLst/>
-        </dgm:shape>
-        <dgm:presOf/>
-        <dgm:constrLst>
-          <dgm:constr type="l" for="ch" forName="parTx"/>
-          <dgm:constr type="w" for="ch" forName="parTx" refType="w"/>
-          <dgm:constr type="t" for="ch" forName="parTx"/>
-          <dgm:constr type="l" for="ch" forName="desTx"/>
-          <dgm:constr type="w" for="ch" forName="desTx" refType="w" refFor="ch" refForName="parTx"/>
-          <dgm:constr type="t" for="ch" forName="desTx" refType="h" refFor="ch" refForName="parTx"/>
-        </dgm:constrLst>
-        <dgm:ruleLst>
-          <dgm:rule type="h" val="INF" fact="NaN" max="NaN"/>
-        </dgm:ruleLst>
-        <dgm:layoutNode name="parTx" styleLbl="alignNode1">
-          <dgm:varLst>
-            <dgm:chMax val="0"/>
-            <dgm:chPref val="0"/>
-            <dgm:bulletEnabled val="1"/>
-          </dgm:varLst>
-          <dgm:alg type="tx"/>
-          <dgm:shape xmlns:r="http://schemas.openxmlformats.org/officeDocument/2006/relationships" type="rect" r:blip="">
-            <dgm:adjLst/>
-          </dgm:shape>
-          <dgm:presOf axis="self" ptType="node"/>
-          <dgm:constrLst>
-            <dgm:constr type="h" refType="w" op="lte" fact="0.4"/>
-            <dgm:constr type="h"/>
-            <dgm:constr type="tMarg" refType="primFontSz" fact="0.32"/>
-            <dgm:constr type="bMarg" refType="primFontSz" fact="0.32"/>
-          </dgm:constrLst>
-          <dgm:ruleLst>
-            <dgm:rule type="h" val="INF" fact="NaN" max="NaN"/>
-          </dgm:ruleLst>
-        </dgm:layoutNode>
-        <dgm:layoutNode name="desTx" styleLbl="alignAccFollowNode1">
-          <dgm:varLst>
-            <dgm:bulletEnabled val="1"/>
-          </dgm:varLst>
-          <dgm:alg type="tx">
-            <dgm:param type="stBulletLvl" val="1"/>
-          </dgm:alg>
-          <dgm:shape xmlns:r="http://schemas.openxmlformats.org/officeDocument/2006/relationships" type="rect" r:blip="">
-            <dgm:adjLst/>
-          </dgm:shape>
-          <dgm:presOf axis="des" ptType="node"/>
-          <dgm:constrLst>
-            <dgm:constr type="secFontSz" val="65"/>
-            <dgm:constr type="primFontSz" refType="secFontSz"/>
-            <dgm:constr type="h"/>
-            <dgm:constr type="lMarg" refType="primFontSz" fact="0.42"/>
-            <dgm:constr type="tMarg" refType="primFontSz" fact="0.42"/>
-            <dgm:constr type="bMarg" refType="primFontSz" fact="0.63"/>
-          </dgm:constrLst>
-          <dgm:ruleLst>
-            <dgm:rule type="h" val="INF" fact="NaN" max="NaN"/>
-          </dgm:ruleLst>
-        </dgm:layoutNode>
-      </dgm:layoutNode>
-      <dgm:forEach name="Name5" axis="followSib" ptType="sibTrans" cnt="1">
-        <dgm:layoutNode name="space">
-          <dgm:alg type="sp"/>
-          <dgm:shape xmlns:r="http://schemas.openxmlformats.org/officeDocument/2006/relationships" r:blip="">
-            <dgm:adjLst/>
-          </dgm:shape>
-          <dgm:presOf/>
-          <dgm:constrLst/>
-          <dgm:ruleLst/>
-        </dgm:layoutNode>
-      </dgm:forEach>
-    </dgm:forEach>
-  </dgm:layoutNode>
-</dgm:layoutDef>
-</file>
-
-<file path=ppt/diagrams/quickStyle1.xml><?xml version="1.0" encoding="utf-8"?>
-<dgm:styleDef xmlns:dgm="http://schemas.openxmlformats.org/drawingml/2006/diagram" xmlns:a="http://schemas.openxmlformats.org/drawingml/2006/main" uniqueId="urn:microsoft.com/office/officeart/2005/8/quickstyle/simple1">
-  <dgm:title val=""/>
-  <dgm:desc val=""/>
-  <dgm:catLst>
-    <dgm:cat type="simple" pri="10100"/>
-  </dgm:catLst>
-  <dgm:scene3d>
-    <a:camera prst="orthographicFront"/>
-    <a:lightRig rig="threePt" dir="t"/>
-  </dgm:scene3d>
-  <dgm:styleLbl name="node0">
-    <dgm:scene3d>
-      <a:camera prst="orthographicFront"/>
-      <a:lightRig rig="threePt" dir="t"/>
-    </dgm:scene3d>
-    <dgm:sp3d/>
-    <dgm:txPr/>
-    <dgm:style>
-      <a:lnRef idx="2">
-        <a:scrgbClr r="0" g="0" b="0"/>
-      </a:lnRef>
-      <a:fillRef idx="1">
-        <a:scrgbClr r="0" g="0" b="0"/>
-      </a:fillRef>
-      <a:effectRef idx="0">
-        <a:scrgbClr r="0" g="0" b="0"/>
-      </a:effectRef>
-      <a:fontRef idx="minor">
-        <a:schemeClr val="lt1"/>
-      </a:fontRef>
-    </dgm:style>
-  </dgm:styleLbl>
-  <dgm:styleLbl name="lnNode1">
-    <dgm:scene3d>
-      <a:camera prst="orthographicFront"/>
-      <a:lightRig rig="threePt" dir="t"/>
-    </dgm:scene3d>
-    <dgm:sp3d/>
-    <dgm:txPr/>
-    <dgm:style>
-      <a:lnRef idx="2">
-        <a:scrgbClr r="0" g="0" b="0"/>
-      </a:lnRef>
-      <a:fillRef idx="1">
-        <a:scrgbClr r="0" g="0" b="0"/>
-      </a:fillRef>
-      <a:effectRef idx="0">
-        <a:scrgbClr r="0" g="0" b="0"/>
-      </a:effectRef>
-      <a:fontRef idx="minor">
-        <a:schemeClr val="lt1"/>
-      </a:fontRef>
-    </dgm:style>
-  </dgm:styleLbl>
-  <dgm:styleLbl name="vennNode1">
-    <dgm:scene3d>
-      <a:camera prst="orthographicFront"/>
-      <a:lightRig rig="threePt" dir="t"/>
-    </dgm:scene3d>
-    <dgm:sp3d/>
-    <dgm:txPr/>
-    <dgm:style>
-      <a:lnRef idx="2">
-        <a:scrgbClr r="0" g="0" b="0"/>
-      </a:lnRef>
-      <a:fillRef idx="1">
-        <a:scrgbClr r="0" g="0" b="0"/>
-      </a:fillRef>
-      <a:effectRef idx="0">
-        <a:scrgbClr r="0" g="0" b="0"/>
-      </a:effectRef>
-      <a:fontRef idx="minor">
-        <a:schemeClr val="tx1"/>
-      </a:fontRef>
-    </dgm:style>
-  </dgm:styleLbl>
-  <dgm:styleLbl name="alignNode1">
-    <dgm:scene3d>
-      <a:camera prst="orthographicFront"/>
-      <a:lightRig rig="threePt" dir="t"/>
-    </dgm:scene3d>
-    <dgm:sp3d/>
-    <dgm:txPr/>
-    <dgm:style>
-      <a:lnRef idx="2">
-        <a:scrgbClr r="0" g="0" b="0"/>
-      </a:lnRef>
-      <a:fillRef idx="1">
-        <a:scrgbClr r="0" g="0" b="0"/>
-      </a:fillRef>
-      <a:effectRef idx="0">
-        <a:scrgbClr r="0" g="0" b="0"/>
-      </a:effectRef>
-      <a:fontRef idx="minor">
-        <a:schemeClr val="lt1"/>
-      </a:fontRef>
-    </dgm:style>
-  </dgm:styleLbl>
-  <dgm:styleLbl name="node1">
-    <dgm:scene3d>
-      <a:camera prst="orthographicFront"/>
-      <a:lightRig rig="threePt" dir="t"/>
-    </dgm:scene3d>
-    <dgm:sp3d/>
-    <dgm:txPr/>
-    <dgm:style>
-      <a:lnRef idx="2">
-        <a:scrgbClr r="0" g="0" b="0"/>
-      </a:lnRef>
-      <a:fillRef idx="1">
-        <a:scrgbClr r="0" g="0" b="0"/>
-      </a:fillRef>
-      <a:effectRef idx="0">
-        <a:scrgbClr r="0" g="0" b="0"/>
-      </a:effectRef>
-      <a:fontRef idx="minor">
-        <a:schemeClr val="lt1"/>
-      </a:fontRef>
-    </dgm:style>
-  </dgm:styleLbl>
-  <dgm:styleLbl name="node2">
-    <dgm:scene3d>
-      <a:camera prst="orthographicFront"/>
-      <a:lightRig rig="threePt" dir="t"/>
-    </dgm:scene3d>
-    <dgm:sp3d/>
-    <dgm:txPr/>
-    <dgm:style>
-      <a:lnRef idx="2">
-        <a:scrgbClr r="0" g="0" b="0"/>
-      </a:lnRef>
-      <a:fillRef idx="1">
-        <a:scrgbClr r="0" g="0" b="0"/>
-      </a:fillRef>
-      <a:effectRef idx="0">
-        <a:scrgbClr r="0" g="0" b="0"/>
-      </a:effectRef>
-      <a:fontRef idx="minor">
-        <a:schemeClr val="lt1"/>
-      </a:fontRef>
-    </dgm:style>
-  </dgm:styleLbl>
-  <dgm:styleLbl name="node3">
-    <dgm:scene3d>
-      <a:camera prst="orthographicFront"/>
-      <a:lightRig rig="threePt" dir="t"/>
-    </dgm:scene3d>
-    <dgm:sp3d/>
-    <dgm:txPr/>
-    <dgm:style>
-      <a:lnRef idx="2">
-        <a:scrgbClr r="0" g="0" b="0"/>
-      </a:lnRef>
-      <a:fillRef idx="1">
-        <a:scrgbClr r="0" g="0" b="0"/>
-      </a:fillRef>
-      <a:effectRef idx="0">
-        <a:scrgbClr r="0" g="0" b="0"/>
-      </a:effectRef>
-      <a:fontRef idx="minor">
-        <a:schemeClr val="lt1"/>
-      </a:fontRef>
-    </dgm:style>
-  </dgm:styleLbl>
-  <dgm:styleLbl name="node4">
-    <dgm:scene3d>
-      <a:camera prst="orthographicFront"/>
-      <a:lightRig rig="threePt" dir="t"/>
-    </dgm:scene3d>
-    <dgm:sp3d/>
-    <dgm:txPr/>
-    <dgm:style>
-      <a:lnRef idx="2">
-        <a:scrgbClr r="0" g="0" b="0"/>
-      </a:lnRef>
-      <a:fillRef idx="1">
-        <a:scrgbClr r="0" g="0" b="0"/>
-      </a:fillRef>
-      <a:effectRef idx="0">
-        <a:scrgbClr r="0" g="0" b="0"/>
-      </a:effectRef>
-      <a:fontRef idx="minor">
-        <a:schemeClr val="lt1"/>
-      </a:fontRef>
-    </dgm:style>
-  </dgm:styleLbl>
-  <dgm:styleLbl name="fgImgPlace1">
-    <dgm:scene3d>
-      <a:camera prst="orthographicFront"/>
-      <a:lightRig rig="threePt" dir="t"/>
-    </dgm:scene3d>
-    <dgm:sp3d/>
-    <dgm:txPr/>
-    <dgm:style>
-      <a:lnRef idx="2">
-        <a:scrgbClr r="0" g="0" b="0"/>
-      </a:lnRef>
-      <a:fillRef idx="1">
-        <a:scrgbClr r="0" g="0" b="0"/>
-      </a:fillRef>
-      <a:effectRef idx="0">
-        <a:scrgbClr r="0" g="0" b="0"/>
-      </a:effectRef>
-      <a:fontRef idx="minor"/>
-    </dgm:style>
-  </dgm:styleLbl>
-  <dgm:styleLbl name="alignImgPlace1">
-    <dgm:scene3d>
-      <a:camera prst="orthographicFront"/>
-      <a:lightRig rig="threePt" dir="t"/>
-    </dgm:scene3d>
-    <dgm:sp3d/>
-    <dgm:txPr/>
-    <dgm:style>
-      <a:lnRef idx="2">
-        <a:scrgbClr r="0" g="0" b="0"/>
-      </a:lnRef>
-      <a:fillRef idx="1">
-        <a:scrgbClr r="0" g="0" b="0"/>
-      </a:fillRef>
-      <a:effectRef idx="0">
-        <a:scrgbClr r="0" g="0" b="0"/>
-      </a:effectRef>
-      <a:fontRef idx="minor"/>
-    </dgm:style>
-  </dgm:styleLbl>
-  <dgm:styleLbl name="bgImgPlace1">
-    <dgm:scene3d>
-      <a:camera prst="orthographicFront"/>
-      <a:lightRig rig="threePt" dir="t"/>
-    </dgm:scene3d>
-    <dgm:sp3d/>
-    <dgm:txPr/>
-    <dgm:style>
-      <a:lnRef idx="2">
-        <a:scrgbClr r="0" g="0" b="0"/>
-      </a:lnRef>
-      <a:fillRef idx="1">
-        <a:scrgbClr r="0" g="0" b="0"/>
-      </a:fillRef>
-      <a:effectRef idx="0">
-        <a:scrgbClr r="0" g="0" b="0"/>
-      </a:effectRef>
-      <a:fontRef idx="minor"/>
-    </dgm:style>
-  </dgm:styleLbl>
-  <dgm:styleLbl name="sibTrans2D1">
-    <dgm:scene3d>
-      <a:camera prst="orthographicFront"/>
-      <a:lightRig rig="threePt" dir="t"/>
-    </dgm:scene3d>
-    <dgm:sp3d/>
-    <dgm:txPr/>
-    <dgm:style>
-      <a:lnRef idx="0">
-        <a:scrgbClr r="0" g="0" b="0"/>
-      </a:lnRef>
-      <a:fillRef idx="1">
-        <a:scrgbClr r="0" g="0" b="0"/>
-      </a:fillRef>
-      <a:effectRef idx="0">
-        <a:scrgbClr r="0" g="0" b="0"/>
-      </a:effectRef>
-      <a:fontRef idx="minor">
-        <a:schemeClr val="lt1"/>
-      </a:fontRef>
-    </dgm:style>
-  </dgm:styleLbl>
-  <dgm:styleLbl name="fgSibTrans2D1">
-    <dgm:scene3d>
-      <a:camera prst="orthographicFront"/>
-      <a:lightRig rig="threePt" dir="t"/>
-    </dgm:scene3d>
-    <dgm:sp3d/>
-    <dgm:txPr/>
-    <dgm:style>
-      <a:lnRef idx="0">
-        <a:scrgbClr r="0" g="0" b="0"/>
-      </a:lnRef>
-      <a:fillRef idx="1">
-        <a:scrgbClr r="0" g="0" b="0"/>
-      </a:fillRef>
-      <a:effectRef idx="0">
-        <a:scrgbClr r="0" g="0" b="0"/>
-      </a:effectRef>
-      <a:fontRef idx="minor">
-        <a:schemeClr val="lt1"/>
-      </a:fontRef>
-    </dgm:style>
-  </dgm:styleLbl>
-  <dgm:styleLbl name="bgSibTrans2D1">
-    <dgm:scene3d>
-      <a:camera prst="orthographicFront"/>
-      <a:lightRig rig="threePt" dir="t"/>
-    </dgm:scene3d>
-    <dgm:sp3d/>
-    <dgm:txPr/>
-    <dgm:style>
-      <a:lnRef idx="0">
-        <a:scrgbClr r="0" g="0" b="0"/>
-      </a:lnRef>
-      <a:fillRef idx="1">
-        <a:scrgbClr r="0" g="0" b="0"/>
-      </a:fillRef>
-      <a:effectRef idx="0">
-        <a:scrgbClr r="0" g="0" b="0"/>
-      </a:effectRef>
-      <a:fontRef idx="minor">
-        <a:schemeClr val="lt1"/>
-      </a:fontRef>
-    </dgm:style>
-  </dgm:styleLbl>
-  <dgm:styleLbl name="sibTrans1D1">
-    <dgm:scene3d>
-      <a:camera prst="orthographicFront"/>
-      <a:lightRig rig="threePt" dir="t"/>
-    </dgm:scene3d>
-    <dgm:sp3d/>
-    <dgm:txPr/>
-    <dgm:style>
-      <a:lnRef idx="1">
-        <a:scrgbClr r="0" g="0" b="0"/>
-      </a:lnRef>
-      <a:fillRef idx="0">
-        <a:scrgbClr r="0" g="0" b="0"/>
-      </a:fillRef>
-      <a:effectRef idx="0">
-        <a:scrgbClr r="0" g="0" b="0"/>
-      </a:effectRef>
-      <a:fontRef idx="minor"/>
-    </dgm:style>
-  </dgm:styleLbl>
-  <dgm:styleLbl name="callout">
-    <dgm:scene3d>
-      <a:camera prst="orthographicFront"/>
-      <a:lightRig rig="threePt" dir="t"/>
-    </dgm:scene3d>
-    <dgm:sp3d/>
-    <dgm:txPr/>
-    <dgm:style>
-      <a:lnRef idx="2">
-        <a:scrgbClr r="0" g="0" b="0"/>
-      </a:lnRef>
-      <a:fillRef idx="1">
-        <a:scrgbClr r="0" g="0" b="0"/>
-      </a:fillRef>
-      <a:effectRef idx="0">
-        <a:scrgbClr r="0" g="0" b="0"/>
-      </a:effectRef>
-      <a:fontRef idx="minor"/>
-    </dgm:style>
-  </dgm:styleLbl>
-  <dgm:styleLbl name="asst0">
-    <dgm:scene3d>
-      <a:camera prst="orthographicFront"/>
-      <a:lightRig rig="threePt" dir="t"/>
-    </dgm:scene3d>
-    <dgm:sp3d/>
-    <dgm:txPr/>
-    <dgm:style>
-      <a:lnRef idx="2">
-        <a:scrgbClr r="0" g="0" b="0"/>
-      </a:lnRef>
-      <a:fillRef idx="1">
-        <a:scrgbClr r="0" g="0" b="0"/>
-      </a:fillRef>
-      <a:effectRef idx="0">
-        <a:scrgbClr r="0" g="0" b="0"/>
-      </a:effectRef>
-      <a:fontRef idx="minor">
-        <a:schemeClr val="lt1"/>
-      </a:fontRef>
-    </dgm:style>
-  </dgm:styleLbl>
-  <dgm:styleLbl name="asst1">
-    <dgm:scene3d>
-      <a:camera prst="orthographicFront"/>
-      <a:lightRig rig="threePt" dir="t"/>
-    </dgm:scene3d>
-    <dgm:sp3d/>
-    <dgm:txPr/>
-    <dgm:style>
-      <a:lnRef idx="2">
-        <a:scrgbClr r="0" g="0" b="0"/>
-      </a:lnRef>
-      <a:fillRef idx="1">
-        <a:scrgbClr r="0" g="0" b="0"/>
-      </a:fillRef>
-      <a:effectRef idx="0">
-        <a:scrgbClr r="0" g="0" b="0"/>
-      </a:effectRef>
-      <a:fontRef idx="minor">
-        <a:schemeClr val="lt1"/>
-      </a:fontRef>
-    </dgm:style>
-  </dgm:styleLbl>
-  <dgm:styleLbl name="asst2">
-    <dgm:scene3d>
-      <a:camera prst="orthographicFront"/>
-      <a:lightRig rig="threePt" dir="t"/>
-    </dgm:scene3d>
-    <dgm:sp3d/>
-    <dgm:txPr/>
-    <dgm:style>
-      <a:lnRef idx="2">
-        <a:scrgbClr r="0" g="0" b="0"/>
-      </a:lnRef>
-      <a:fillRef idx="1">
-        <a:scrgbClr r="0" g="0" b="0"/>
-      </a:fillRef>
-      <a:effectRef idx="0">
-        <a:scrgbClr r="0" g="0" b="0"/>
-      </a:effectRef>
-      <a:fontRef idx="minor">
-        <a:schemeClr val="lt1"/>
-      </a:fontRef>
-    </dgm:style>
-  </dgm:styleLbl>
-  <dgm:styleLbl name="asst3">
-    <dgm:scene3d>
-      <a:camera prst="orthographicFront"/>
-      <a:lightRig rig="threePt" dir="t"/>
-    </dgm:scene3d>
-    <dgm:sp3d/>
-    <dgm:txPr/>
-    <dgm:style>
-      <a:lnRef idx="2">
-        <a:scrgbClr r="0" g="0" b="0"/>
-      </a:lnRef>
-      <a:fillRef idx="1">
-        <a:scrgbClr r="0" g="0" b="0"/>
-      </a:fillRef>
-      <a:effectRef idx="0">
-        <a:scrgbClr r="0" g="0" b="0"/>
-      </a:effectRef>
-      <a:fontRef idx="minor">
-        <a:schemeClr val="lt1"/>
-      </a:fontRef>
-    </dgm:style>
-  </dgm:styleLbl>
-  <dgm:styleLbl name="asst4">
-    <dgm:scene3d>
-      <a:camera prst="orthographicFront"/>
-      <a:lightRig rig="threePt" dir="t"/>
-    </dgm:scene3d>
-    <dgm:sp3d/>
-    <dgm:txPr/>
-    <dgm:style>
-      <a:lnRef idx="2">
-        <a:scrgbClr r="0" g="0" b="0"/>
-      </a:lnRef>
-      <a:fillRef idx="1">
-        <a:scrgbClr r="0" g="0" b="0"/>
-      </a:fillRef>
-      <a:effectRef idx="0">
-        <a:scrgbClr r="0" g="0" b="0"/>
-      </a:effectRef>
-      <a:fontRef idx="minor">
-        <a:schemeClr val="lt1"/>
-      </a:fontRef>
-    </dgm:style>
-  </dgm:styleLbl>
-  <dgm:styleLbl name="parChTrans2D1">
-    <dgm:scene3d>
-      <a:camera prst="orthographicFront"/>
-      <a:lightRig rig="threePt" dir="t"/>
-    </dgm:scene3d>
-    <dgm:sp3d/>
-    <dgm:txPr/>
-    <dgm:style>
-      <a:lnRef idx="2">
-        <a:scrgbClr r="0" g="0" b="0"/>
-      </a:lnRef>
-      <a:fillRef idx="1">
-        <a:scrgbClr r="0" g="0" b="0"/>
-      </a:fillRef>
-      <a:effectRef idx="0">
-        <a:scrgbClr r="0" g="0" b="0"/>
-      </a:effectRef>
-      <a:fontRef idx="minor">
-        <a:schemeClr val="lt1"/>
-      </a:fontRef>
-    </dgm:style>
-  </dgm:styleLbl>
-  <dgm:styleLbl name="parChTrans2D2">
-    <dgm:scene3d>
-      <a:camera prst="orthographicFront"/>
-      <a:lightRig rig="threePt" dir="t"/>
-    </dgm:scene3d>
-    <dgm:sp3d/>
-    <dgm:txPr/>
-    <dgm:style>
-      <a:lnRef idx="2">
-        <a:scrgbClr r="0" g="0" b="0"/>
-      </a:lnRef>
-      <a:fillRef idx="1">
-        <a:scrgbClr r="0" g="0" b="0"/>
-      </a:fillRef>
-      <a:effectRef idx="0">
-        <a:scrgbClr r="0" g="0" b="0"/>
-      </a:effectRef>
-      <a:fontRef idx="minor">
-        <a:schemeClr val="lt1"/>
-      </a:fontRef>
-    </dgm:style>
-  </dgm:styleLbl>
-  <dgm:styleLbl name="parChTrans2D3">
-    <dgm:scene3d>
-      <a:camera prst="orthographicFront"/>
-      <a:lightRig rig="threePt" dir="t"/>
-    </dgm:scene3d>
-    <dgm:sp3d/>
-    <dgm:txPr/>
-    <dgm:style>
-      <a:lnRef idx="2">
-        <a:scrgbClr r="0" g="0" b="0"/>
-      </a:lnRef>
-      <a:fillRef idx="1">
-        <a:scrgbClr r="0" g="0" b="0"/>
-      </a:fillRef>
-      <a:effectRef idx="0">
-        <a:scrgbClr r="0" g="0" b="0"/>
-      </a:effectRef>
-      <a:fontRef idx="minor">
-        <a:schemeClr val="lt1"/>
-      </a:fontRef>
-    </dgm:style>
-  </dgm:styleLbl>
-  <dgm:styleLbl name="parChTrans2D4">
-    <dgm:scene3d>
-      <a:camera prst="orthographicFront"/>
-      <a:lightRig rig="threePt" dir="t"/>
-    </dgm:scene3d>
-    <dgm:sp3d/>
-    <dgm:txPr/>
-    <dgm:style>
-      <a:lnRef idx="2">
-        <a:scrgbClr r="0" g="0" b="0"/>
-      </a:lnRef>
-      <a:fillRef idx="1">
-        <a:scrgbClr r="0" g="0" b="0"/>
-      </a:fillRef>
-      <a:effectRef idx="0">
-        <a:scrgbClr r="0" g="0" b="0"/>
-      </a:effectRef>
-      <a:fontRef idx="minor">
-        <a:schemeClr val="lt1"/>
-      </a:fontRef>
-    </dgm:style>
-  </dgm:styleLbl>
-  <dgm:styleLbl name="parChTrans1D1">
-    <dgm:scene3d>
-      <a:camera prst="orthographicFront"/>
-      <a:lightRig rig="threePt" dir="t"/>
-    </dgm:scene3d>
-    <dgm:sp3d/>
-    <dgm:txPr/>
-    <dgm:style>
-      <a:lnRef idx="2">
-        <a:scrgbClr r="0" g="0" b="0"/>
-      </a:lnRef>
-      <a:fillRef idx="0">
-        <a:scrgbClr r="0" g="0" b="0"/>
-      </a:fillRef>
-      <a:effectRef idx="0">
-        <a:scrgbClr r="0" g="0" b="0"/>
-      </a:effectRef>
-      <a:fontRef idx="minor"/>
-    </dgm:style>
-  </dgm:styleLbl>
-  <dgm:styleLbl name="parChTrans1D2">
-    <dgm:scene3d>
-      <a:camera prst="orthographicFront"/>
-      <a:lightRig rig="threePt" dir="t"/>
-    </dgm:scene3d>
-    <dgm:sp3d/>
-    <dgm:txPr/>
-    <dgm:style>
-      <a:lnRef idx="2">
-        <a:scrgbClr r="0" g="0" b="0"/>
-      </a:lnRef>
-      <a:fillRef idx="0">
-        <a:scrgbClr r="0" g="0" b="0"/>
-      </a:fillRef>
-      <a:effectRef idx="0">
-        <a:scrgbClr r="0" g="0" b="0"/>
-      </a:effectRef>
-      <a:fontRef idx="minor"/>
-    </dgm:style>
-  </dgm:styleLbl>
-  <dgm:styleLbl name="parChTrans1D3">
-    <dgm:scene3d>
-      <a:camera prst="orthographicFront"/>
-      <a:lightRig rig="threePt" dir="t"/>
-    </dgm:scene3d>
-    <dgm:sp3d/>
-    <dgm:txPr/>
-    <dgm:style>
-      <a:lnRef idx="2">
-        <a:scrgbClr r="0" g="0" b="0"/>
-      </a:lnRef>
-      <a:fillRef idx="0">
-        <a:scrgbClr r="0" g="0" b="0"/>
-      </a:fillRef>
-      <a:effectRef idx="0">
-        <a:scrgbClr r="0" g="0" b="0"/>
-      </a:effectRef>
-      <a:fontRef idx="minor"/>
-    </dgm:style>
-  </dgm:styleLbl>
-  <dgm:styleLbl name="parChTrans1D4">
-    <dgm:scene3d>
-      <a:camera prst="orthographicFront"/>
-      <a:lightRig rig="threePt" dir="t"/>
-    </dgm:scene3d>
-    <dgm:sp3d/>
-    <dgm:txPr/>
-    <dgm:style>
-      <a:lnRef idx="2">
-        <a:scrgbClr r="0" g="0" b="0"/>
-      </a:lnRef>
-      <a:fillRef idx="0">
-        <a:scrgbClr r="0" g="0" b="0"/>
-      </a:fillRef>
-      <a:effectRef idx="0">
-        <a:scrgbClr r="0" g="0" b="0"/>
-      </a:effectRef>
-      <a:fontRef idx="minor"/>
-    </dgm:style>
-  </dgm:styleLbl>
-  <dgm:styleLbl name="fgAcc1">
-    <dgm:scene3d>
-      <a:camera prst="orthographicFront"/>
-      <a:lightRig rig="threePt" dir="t"/>
-    </dgm:scene3d>
-    <dgm:sp3d/>
-    <dgm:txPr/>
-    <dgm:style>
-      <a:lnRef idx="2">
-        <a:scrgbClr r="0" g="0" b="0"/>
-      </a:lnRef>
-      <a:fillRef idx="1">
-        <a:scrgbClr r="0" g="0" b="0"/>
-      </a:fillRef>
-      <a:effectRef idx="0">
-        <a:scrgbClr r="0" g="0" b="0"/>
-      </a:effectRef>
-      <a:fontRef idx="minor"/>
-    </dgm:style>
-  </dgm:styleLbl>
-  <dgm:styleLbl name="conFgAcc1">
-    <dgm:scene3d>
-      <a:camera prst="orthographicFront"/>
-      <a:lightRig rig="threePt" dir="t"/>
-    </dgm:scene3d>
-    <dgm:sp3d/>
-    <dgm:txPr/>
-    <dgm:style>
-      <a:lnRef idx="2">
-        <a:scrgbClr r="0" g="0" b="0"/>
-      </a:lnRef>
-      <a:fillRef idx="1">
-        <a:scrgbClr r="0" g="0" b="0"/>
-      </a:fillRef>
-      <a:effectRef idx="0">
-        <a:scrgbClr r="0" g="0" b="0"/>
-      </a:effectRef>
-      <a:fontRef idx="minor"/>
-    </dgm:style>
-  </dgm:styleLbl>
-  <dgm:styleLbl name="alignAcc1">
-    <dgm:scene3d>
-      <a:camera prst="orthographicFront"/>
-      <a:lightRig rig="threePt" dir="t"/>
-    </dgm:scene3d>
-    <dgm:sp3d/>
-    <dgm:txPr/>
-    <dgm:style>
-      <a:lnRef idx="2">
-        <a:scrgbClr r="0" g="0" b="0"/>
-      </a:lnRef>
-      <a:fillRef idx="1">
-        <a:scrgbClr r="0" g="0" b="0"/>
-      </a:fillRef>
-      <a:effectRef idx="0">
-        <a:scrgbClr r="0" g="0" b="0"/>
-      </a:effectRef>
-      <a:fontRef idx="minor"/>
-    </dgm:style>
-  </dgm:styleLbl>
-  <dgm:styleLbl name="trAlignAcc1">
-    <dgm:scene3d>
-      <a:camera prst="orthographicFront"/>
-      <a:lightRig rig="threePt" dir="t"/>
-    </dgm:scene3d>
-    <dgm:sp3d/>
-    <dgm:txPr/>
-    <dgm:style>
-      <a:lnRef idx="1">
-        <a:scrgbClr r="0" g="0" b="0"/>
-      </a:lnRef>
-      <a:fillRef idx="1">
-        <a:scrgbClr r="0" g="0" b="0"/>
-      </a:fillRef>
-      <a:effectRef idx="0">
-        <a:scrgbClr r="0" g="0" b="0"/>
-      </a:effectRef>
-      <a:fontRef idx="minor"/>
-    </dgm:style>
-  </dgm:styleLbl>
-  <dgm:styleLbl name="bgAcc1">
-    <dgm:scene3d>
-      <a:camera prst="orthographicFront"/>
-      <a:lightRig rig="threePt" dir="t"/>
-    </dgm:scene3d>
-    <dgm:sp3d/>
-    <dgm:txPr/>
-    <dgm:style>
-      <a:lnRef idx="2">
-        <a:scrgbClr r="0" g="0" b="0"/>
-      </a:lnRef>
-      <a:fillRef idx="1">
-        <a:scrgbClr r="0" g="0" b="0"/>
-      </a:fillRef>
-      <a:effectRef idx="0">
-        <a:scrgbClr r="0" g="0" b="0"/>
-      </a:effectRef>
-      <a:fontRef idx="minor"/>
-    </dgm:style>
-  </dgm:styleLbl>
-  <dgm:styleLbl name="solidFgAcc1">
-    <dgm:scene3d>
-      <a:camera prst="orthographicFront"/>
-      <a:lightRig rig="threePt" dir="t"/>
-    </dgm:scene3d>
-    <dgm:sp3d/>
-    <dgm:txPr/>
-    <dgm:style>
-      <a:lnRef idx="2">
-        <a:scrgbClr r="0" g="0" b="0"/>
-      </a:lnRef>
-      <a:fillRef idx="1">
-        <a:scrgbClr r="0" g="0" b="0"/>
-      </a:fillRef>
-      <a:effectRef idx="0">
-        <a:scrgbClr r="0" g="0" b="0"/>
-      </a:effectRef>
-      <a:fontRef idx="minor"/>
-    </dgm:style>
-  </dgm:styleLbl>
-  <dgm:styleLbl name="solidAlignAcc1">
-    <dgm:scene3d>
-      <a:camera prst="orthographicFront"/>
-      <a:lightRig rig="threePt" dir="t"/>
-    </dgm:scene3d>
-    <dgm:sp3d/>
-    <dgm:txPr/>
-    <dgm:style>
-      <a:lnRef idx="2">
-        <a:scrgbClr r="0" g="0" b="0"/>
-      </a:lnRef>
-      <a:fillRef idx="1">
-        <a:scrgbClr r="0" g="0" b="0"/>
-      </a:fillRef>
-      <a:effectRef idx="0">
-        <a:scrgbClr r="0" g="0" b="0"/>
-      </a:effectRef>
-      <a:fontRef idx="minor"/>
-    </dgm:style>
-  </dgm:styleLbl>
-  <dgm:styleLbl name="solidBgAcc1">
-    <dgm:scene3d>
-      <a:camera prst="orthographicFront"/>
-      <a:lightRig rig="threePt" dir="t"/>
-    </dgm:scene3d>
-    <dgm:sp3d/>
-    <dgm:txPr/>
-    <dgm:style>
-      <a:lnRef idx="2">
-        <a:scrgbClr r="0" g="0" b="0"/>
-      </a:lnRef>
-      <a:fillRef idx="1">
-        <a:scrgbClr r="0" g="0" b="0"/>
-      </a:fillRef>
-      <a:effectRef idx="0">
-        <a:scrgbClr r="0" g="0" b="0"/>
-      </a:effectRef>
-      <a:fontRef idx="minor"/>
-    </dgm:style>
-  </dgm:styleLbl>
-  <dgm:styleLbl name="fgAccFollowNode1">
-    <dgm:scene3d>
-      <a:camera prst="orthographicFront"/>
-      <a:lightRig rig="threePt" dir="t"/>
-    </dgm:scene3d>
-    <dgm:sp3d/>
-    <dgm:txPr/>
-    <dgm:style>
-      <a:lnRef idx="2">
-        <a:scrgbClr r="0" g="0" b="0"/>
-      </a:lnRef>
-      <a:fillRef idx="1">
-        <a:scrgbClr r="0" g="0" b="0"/>
-      </a:fillRef>
-      <a:effectRef idx="0">
-        <a:scrgbClr r="0" g="0" b="0"/>
-      </a:effectRef>
-      <a:fontRef idx="minor"/>
-    </dgm:style>
-  </dgm:styleLbl>
-  <dgm:styleLbl name="alignAccFollowNode1">
-    <dgm:scene3d>
-      <a:camera prst="orthographicFront"/>
-      <a:lightRig rig="threePt" dir="t"/>
-    </dgm:scene3d>
-    <dgm:sp3d/>
-    <dgm:txPr/>
-    <dgm:style>
-      <a:lnRef idx="2">
-        <a:scrgbClr r="0" g="0" b="0"/>
-      </a:lnRef>
-      <a:fillRef idx="1">
-        <a:scrgbClr r="0" g="0" b="0"/>
-      </a:fillRef>
-      <a:effectRef idx="0">
-        <a:scrgbClr r="0" g="0" b="0"/>
-      </a:effectRef>
-      <a:fontRef idx="minor"/>
-    </dgm:style>
-  </dgm:styleLbl>
-  <dgm:styleLbl name="bgAccFollowNode1">
-    <dgm:scene3d>
-      <a:camera prst="orthographicFront"/>
-      <a:lightRig rig="threePt" dir="t"/>
-    </dgm:scene3d>
-    <dgm:sp3d/>
-    <dgm:txPr/>
-    <dgm:style>
-      <a:lnRef idx="2">
-        <a:scrgbClr r="0" g="0" b="0"/>
-      </a:lnRef>
-      <a:fillRef idx="1">
-        <a:scrgbClr r="0" g="0" b="0"/>
-      </a:fillRef>
-      <a:effectRef idx="0">
-        <a:scrgbClr r="0" g="0" b="0"/>
-      </a:effectRef>
-      <a:fontRef idx="minor"/>
-    </dgm:style>
-  </dgm:styleLbl>
-  <dgm:styleLbl name="fgAcc0">
-    <dgm:scene3d>
-      <a:camera prst="orthographicFront"/>
-      <a:lightRig rig="threePt" dir="t"/>
-    </dgm:scene3d>
-    <dgm:sp3d/>
-    <dgm:txPr/>
-    <dgm:style>
-      <a:lnRef idx="2">
-        <a:scrgbClr r="0" g="0" b="0"/>
-      </a:lnRef>
-      <a:fillRef idx="1">
-        <a:scrgbClr r="0" g="0" b="0"/>
-      </a:fillRef>
-      <a:effectRef idx="0">
-        <a:scrgbClr r="0" g="0" b="0"/>
-      </a:effectRef>
-      <a:fontRef idx="minor"/>
-    </dgm:style>
-  </dgm:styleLbl>
-  <dgm:styleLbl name="fgAcc2">
-    <dgm:scene3d>
-      <a:camera prst="orthographicFront"/>
-      <a:lightRig rig="threePt" dir="t"/>
-    </dgm:scene3d>
-    <dgm:sp3d/>
-    <dgm:txPr/>
-    <dgm:style>
-      <a:lnRef idx="2">
-        <a:scrgbClr r="0" g="0" b="0"/>
-      </a:lnRef>
-      <a:fillRef idx="1">
-        <a:scrgbClr r="0" g="0" b="0"/>
-      </a:fillRef>
-      <a:effectRef idx="0">
-        <a:scrgbClr r="0" g="0" b="0"/>
-      </a:effectRef>
-      <a:fontRef idx="minor"/>
-    </dgm:style>
-  </dgm:styleLbl>
-  <dgm:styleLbl name="fgAcc3">
-    <dgm:scene3d>
-      <a:camera prst="orthographicFront"/>
-      <a:lightRig rig="threePt" dir="t"/>
-    </dgm:scene3d>
-    <dgm:sp3d/>
-    <dgm:txPr/>
-    <dgm:style>
-      <a:lnRef idx="2">
-        <a:scrgbClr r="0" g="0" b="0"/>
-      </a:lnRef>
-      <a:fillRef idx="1">
-        <a:scrgbClr r="0" g="0" b="0"/>
-      </a:fillRef>
-      <a:effectRef idx="0">
-        <a:scrgbClr r="0" g="0" b="0"/>
-      </a:effectRef>
-      <a:fontRef idx="minor"/>
-    </dgm:style>
-  </dgm:styleLbl>
-  <dgm:styleLbl name="fgAcc4">
-    <dgm:scene3d>
-      <a:camera prst="orthographicFront"/>
-      <a:lightRig rig="threePt" dir="t"/>
-    </dgm:scene3d>
-    <dgm:sp3d/>
-    <dgm:txPr/>
-    <dgm:style>
-      <a:lnRef idx="2">
-        <a:scrgbClr r="0" g="0" b="0"/>
-      </a:lnRef>
-      <a:fillRef idx="1">
-        <a:scrgbClr r="0" g="0" b="0"/>
-      </a:fillRef>
-      <a:effectRef idx="0">
-        <a:scrgbClr r="0" g="0" b="0"/>
-      </a:effectRef>
-      <a:fontRef idx="minor"/>
-    </dgm:style>
-  </dgm:styleLbl>
-  <dgm:styleLbl name="bgShp">
-    <dgm:scene3d>
-      <a:camera prst="orthographicFront"/>
-      <a:lightRig rig="threePt" dir="t"/>
-    </dgm:scene3d>
-    <dgm:sp3d/>
-    <dgm:txPr/>
-    <dgm:style>
-      <a:lnRef idx="0">
-        <a:scrgbClr r="0" g="0" b="0"/>
-      </a:lnRef>
-      <a:fillRef idx="1">
-        <a:scrgbClr r="0" g="0" b="0"/>
-      </a:fillRef>
-      <a:effectRef idx="0">
-        <a:scrgbClr r="0" g="0" b="0"/>
-      </a:effectRef>
-      <a:fontRef idx="minor"/>
-    </dgm:style>
-  </dgm:styleLbl>
-  <dgm:styleLbl name="dkBgShp">
-    <dgm:scene3d>
-      <a:camera prst="orthographicFront"/>
-      <a:lightRig rig="threePt" dir="t"/>
-    </dgm:scene3d>
-    <dgm:sp3d/>
-    <dgm:txPr/>
-    <dgm:style>
-      <a:lnRef idx="0">
-        <a:scrgbClr r="0" g="0" b="0"/>
-      </a:lnRef>
-      <a:fillRef idx="1">
-        <a:scrgbClr r="0" g="0" b="0"/>
-      </a:fillRef>
-      <a:effectRef idx="0">
-        <a:scrgbClr r="0" g="0" b="0"/>
-      </a:effectRef>
-      <a:fontRef idx="minor"/>
-    </dgm:style>
-  </dgm:styleLbl>
-  <dgm:styleLbl name="trBgShp">
-    <dgm:scene3d>
-      <a:camera prst="orthographicFront"/>
-      <a:lightRig rig="threePt" dir="t"/>
-    </dgm:scene3d>
-    <dgm:sp3d/>
-    <dgm:txPr/>
-    <dgm:style>
-      <a:lnRef idx="0">
-        <a:scrgbClr r="0" g="0" b="0"/>
-      </a:lnRef>
-      <a:fillRef idx="1">
-        <a:scrgbClr r="0" g="0" b="0"/>
-      </a:fillRef>
-      <a:effectRef idx="0">
-        <a:scrgbClr r="0" g="0" b="0"/>
-      </a:effectRef>
-      <a:fontRef idx="minor"/>
-    </dgm:style>
-  </dgm:styleLbl>
-  <dgm:styleLbl name="fgShp">
-    <dgm:scene3d>
-      <a:camera prst="orthographicFront"/>
-      <a:lightRig rig="threePt" dir="t"/>
-    </dgm:scene3d>
-    <dgm:sp3d/>
-    <dgm:txPr/>
-    <dgm:style>
-      <a:lnRef idx="2">
-        <a:scrgbClr r="0" g="0" b="0"/>
-      </a:lnRef>
-      <a:fillRef idx="1">
-        <a:scrgbClr r="0" g="0" b="0"/>
-      </a:fillRef>
-      <a:effectRef idx="0">
-        <a:scrgbClr r="0" g="0" b="0"/>
-      </a:effectRef>
-      <a:fontRef idx="minor"/>
-    </dgm:style>
-  </dgm:styleLbl>
-  <dgm:styleLbl name="revTx">
-    <dgm:scene3d>
-      <a:camera prst="orthographicFront"/>
-      <a:lightRig rig="threePt" dir="t"/>
-    </dgm:scene3d>
-    <dgm:sp3d/>
-    <dgm:txPr/>
-    <dgm:style>
-      <a:lnRef idx="0">
-        <a:scrgbClr r="0" g="0" b="0"/>
-      </a:lnRef>
-      <a:fillRef idx="0">
-        <a:scrgbClr r="0" g="0" b="0"/>
-      </a:fillRef>
-      <a:effectRef idx="0">
-        <a:scrgbClr r="0" g="0" b="0"/>
-      </a:effectRef>
-      <a:fontRef idx="minor"/>
-    </dgm:style>
-  </dgm:styleLbl>
-</dgm:styleDef>
-</file>
-
 <file path=ppt/notesMasters/notesMaster1.xml><?xml version="1.0" encoding="utf-8"?>
 <p:notesMaster xmlns:a="http://schemas.openxmlformats.org/drawingml/2006/main" xmlns:r="http://schemas.openxmlformats.org/officeDocument/2006/relationships" xmlns:p="http://schemas.openxmlformats.org/presentationml/2006/main">
   <p:cSld>
@@ -2987,7 +203,7 @@
           <a:p>
             <a:fld id="{0649F128-D4FC-489C-860B-9DD0AB1578C1}" type="datetimeFigureOut">
               <a:rPr kumimoji="1" lang="ja-JP" altLang="en-US" smtClean="0"/>
-              <a:t>2019/11/27</a:t>
+              <a:t>2019/11/28</a:t>
             </a:fld>
             <a:endParaRPr kumimoji="1" lang="ja-JP" altLang="en-US"/>
           </a:p>
@@ -3615,7 +831,7 @@
           <a:p>
             <a:fld id="{E50F9C81-DB02-44DB-A10A-141CA506DBCE}" type="datetimeFigureOut">
               <a:rPr kumimoji="1" lang="ja-JP" altLang="en-US" smtClean="0"/>
-              <a:t>2019/11/27</a:t>
+              <a:t>2019/11/28</a:t>
             </a:fld>
             <a:endParaRPr kumimoji="1" lang="ja-JP" altLang="en-US"/>
           </a:p>
@@ -3862,7 +1078,7 @@
           <a:p>
             <a:fld id="{E50F9C81-DB02-44DB-A10A-141CA506DBCE}" type="datetimeFigureOut">
               <a:rPr kumimoji="1" lang="ja-JP" altLang="en-US" smtClean="0"/>
-              <a:t>2019/11/27</a:t>
+              <a:t>2019/11/28</a:t>
             </a:fld>
             <a:endParaRPr kumimoji="1" lang="ja-JP" altLang="en-US"/>
           </a:p>
@@ -4157,7 +1373,7 @@
           <a:p>
             <a:fld id="{E50F9C81-DB02-44DB-A10A-141CA506DBCE}" type="datetimeFigureOut">
               <a:rPr kumimoji="1" lang="ja-JP" altLang="en-US" smtClean="0"/>
-              <a:t>2019/11/27</a:t>
+              <a:t>2019/11/28</a:t>
             </a:fld>
             <a:endParaRPr kumimoji="1" lang="ja-JP" altLang="en-US"/>
           </a:p>
@@ -4386,7 +1602,7 @@
           <a:p>
             <a:fld id="{E50F9C81-DB02-44DB-A10A-141CA506DBCE}" type="datetimeFigureOut">
               <a:rPr kumimoji="1" lang="ja-JP" altLang="en-US" smtClean="0"/>
-              <a:t>2019/11/27</a:t>
+              <a:t>2019/11/28</a:t>
             </a:fld>
             <a:endParaRPr kumimoji="1" lang="ja-JP" altLang="en-US"/>
           </a:p>
@@ -4736,7 +1952,7 @@
           <a:p>
             <a:fld id="{E50F9C81-DB02-44DB-A10A-141CA506DBCE}" type="datetimeFigureOut">
               <a:rPr kumimoji="1" lang="ja-JP" altLang="en-US" smtClean="0"/>
-              <a:t>2019/11/27</a:t>
+              <a:t>2019/11/28</a:t>
             </a:fld>
             <a:endParaRPr kumimoji="1" lang="ja-JP" altLang="en-US"/>
           </a:p>
@@ -5123,7 +2339,7 @@
             <a:fld id="{E50F9C81-DB02-44DB-A10A-141CA506DBCE}" type="datetimeFigureOut">
               <a:rPr lang="ja-JP" altLang="en-US" smtClean="0"/>
               <a:pPr/>
-              <a:t>2019/11/27</a:t>
+              <a:t>2019/11/28</a:t>
             </a:fld>
             <a:endParaRPr lang="ja-JP" altLang="en-US"/>
           </a:p>
@@ -5614,7 +2830,7 @@
           <a:p>
             <a:fld id="{E50F9C81-DB02-44DB-A10A-141CA506DBCE}" type="datetimeFigureOut">
               <a:rPr kumimoji="1" lang="ja-JP" altLang="en-US" smtClean="0"/>
-              <a:t>2019/11/27</a:t>
+              <a:t>2019/11/28</a:t>
             </a:fld>
             <a:endParaRPr kumimoji="1" lang="ja-JP" altLang="en-US"/>
           </a:p>
@@ -5739,7 +2955,7 @@
           <a:p>
             <a:fld id="{E50F9C81-DB02-44DB-A10A-141CA506DBCE}" type="datetimeFigureOut">
               <a:rPr kumimoji="1" lang="ja-JP" altLang="en-US" smtClean="0"/>
-              <a:t>2019/11/27</a:t>
+              <a:t>2019/11/28</a:t>
             </a:fld>
             <a:endParaRPr kumimoji="1" lang="ja-JP" altLang="en-US"/>
           </a:p>
@@ -5917,7 +3133,7 @@
           <a:p>
             <a:fld id="{E50F9C81-DB02-44DB-A10A-141CA506DBCE}" type="datetimeFigureOut">
               <a:rPr kumimoji="1" lang="ja-JP" altLang="en-US" smtClean="0"/>
-              <a:t>2019/11/27</a:t>
+              <a:t>2019/11/28</a:t>
             </a:fld>
             <a:endParaRPr kumimoji="1" lang="ja-JP" altLang="en-US"/>
           </a:p>
@@ -6310,7 +3526,7 @@
           <a:p>
             <a:fld id="{E50F9C81-DB02-44DB-A10A-141CA506DBCE}" type="datetimeFigureOut">
               <a:rPr kumimoji="1" lang="ja-JP" altLang="en-US" smtClean="0"/>
-              <a:t>2019/11/27</a:t>
+              <a:t>2019/11/28</a:t>
             </a:fld>
             <a:endParaRPr kumimoji="1" lang="ja-JP" altLang="en-US"/>
           </a:p>
@@ -6687,7 +3903,7 @@
           <a:p>
             <a:fld id="{E50F9C81-DB02-44DB-A10A-141CA506DBCE}" type="datetimeFigureOut">
               <a:rPr kumimoji="1" lang="ja-JP" altLang="en-US" smtClean="0"/>
-              <a:t>2019/11/27</a:t>
+              <a:t>2019/11/28</a:t>
             </a:fld>
             <a:endParaRPr kumimoji="1" lang="ja-JP" altLang="en-US"/>
           </a:p>
@@ -7006,7 +4222,7 @@
           <a:p>
             <a:fld id="{E50F9C81-DB02-44DB-A10A-141CA506DBCE}" type="datetimeFigureOut">
               <a:rPr kumimoji="1" lang="ja-JP" altLang="en-US" smtClean="0"/>
-              <a:t>2019/11/27</a:t>
+              <a:t>2019/11/28</a:t>
             </a:fld>
             <a:endParaRPr kumimoji="1" lang="ja-JP" altLang="en-US"/>
           </a:p>
@@ -7730,11 +4946,7 @@
             </a:pPr>
             <a:r>
               <a:rPr kumimoji="1" lang="ja-JP" altLang="en-US" sz="3600" smtClean="0"/>
-              <a:t>　</a:t>
-            </a:r>
-            <a:r>
-              <a:rPr kumimoji="1" lang="ja-JP" altLang="en-US" sz="3600" smtClean="0"/>
-              <a:t>現在の問題</a:t>
+              <a:t>　現在の問題</a:t>
             </a:r>
             <a:endParaRPr kumimoji="1" lang="en-US" altLang="ja-JP" sz="3600" smtClean="0"/>
           </a:p>
@@ -7800,8 +5012,8 @@
         </p:nvSpPr>
         <p:spPr>
           <a:xfrm>
-            <a:off x="2288096" y="3304754"/>
-            <a:ext cx="6720512" cy="2929142"/>
+            <a:off x="4821622" y="1787980"/>
+            <a:ext cx="5508920" cy="4445916"/>
           </a:xfrm>
           <a:prstGeom prst="roundRect">
             <a:avLst/>
@@ -8473,7 +5685,7 @@
         </p:nvSpPr>
         <p:spPr>
           <a:xfrm>
-            <a:off x="285514" y="4521022"/>
+            <a:off x="2720345" y="5229851"/>
             <a:ext cx="1931325" cy="831785"/>
           </a:xfrm>
           <a:prstGeom prst="rightArrow">
@@ -8516,7 +5728,7 @@
         </p:nvSpPr>
         <p:spPr>
           <a:xfrm>
-            <a:off x="194778" y="4104418"/>
+            <a:off x="2629609" y="4813247"/>
             <a:ext cx="2002582" cy="523220"/>
           </a:xfrm>
           <a:prstGeom prst="rect">
@@ -8568,6 +5780,33 @@
           <a:chExt cx="0" cy="0"/>
         </a:xfrm>
       </p:grpSpPr>
+      <p:sp>
+        <p:nvSpPr>
+          <p:cNvPr id="2" name="タイトル 1"/>
+          <p:cNvSpPr>
+            <a:spLocks noGrp="1"/>
+          </p:cNvSpPr>
+          <p:nvPr>
+            <p:ph type="title"/>
+          </p:nvPr>
+        </p:nvSpPr>
+        <p:spPr/>
+        <p:txBody>
+          <a:bodyPr/>
+          <a:lstStyle/>
+          <a:p>
+            <a:r>
+              <a:rPr lang="ja-JP" altLang="en-US"/>
+              <a:t>現在</a:t>
+            </a:r>
+            <a:r>
+              <a:rPr lang="ja-JP" altLang="en-US" smtClean="0"/>
+              <a:t>の段階・状況</a:t>
+            </a:r>
+            <a:endParaRPr kumimoji="1" lang="ja-JP" altLang="en-US"/>
+          </a:p>
+        </p:txBody>
+      </p:sp>
       <p:pic>
         <p:nvPicPr>
           <p:cNvPr id="4" name="コンテンツ プレースホルダー 3"/>
@@ -8575,7 +5814,7 @@
             <a:picLocks noGrp="1" noChangeAspect="1"/>
           </p:cNvPicPr>
           <p:nvPr>
-            <p:ph idx="4294967295"/>
+            <p:ph idx="1"/>
           </p:nvPr>
         </p:nvPicPr>
         <p:blipFill>
@@ -8592,8 +5831,8 @@
         </p:blipFill>
         <p:spPr>
           <a:xfrm>
-            <a:off x="3212645" y="430582"/>
-            <a:ext cx="5057775" cy="5577199"/>
+            <a:off x="586521" y="2318993"/>
+            <a:ext cx="11079918" cy="3157979"/>
           </a:xfrm>
         </p:spPr>
       </p:pic>
@@ -8605,17 +5844,19 @@
         </p:nvSpPr>
         <p:spPr>
           <a:xfrm>
-            <a:off x="4204607" y="2253343"/>
-            <a:ext cx="4278086" cy="1804307"/>
+            <a:off x="653898" y="2748271"/>
+            <a:ext cx="866894" cy="197060"/>
           </a:xfrm>
           <a:prstGeom prst="rect">
             <a:avLst/>
           </a:prstGeom>
-          <a:noFill/>
-          <a:ln w="28575">
-            <a:solidFill>
-              <a:srgbClr val="C00000"/>
-            </a:solidFill>
+          <a:solidFill>
+            <a:srgbClr val="C00000">
+              <a:alpha val="25000"/>
+            </a:srgbClr>
+          </a:solidFill>
+          <a:ln>
+            <a:noFill/>
           </a:ln>
         </p:spPr>
         <p:style>
@@ -8645,20 +5886,26 @@
       </p:sp>
       <p:sp>
         <p:nvSpPr>
-          <p:cNvPr id="3" name="角丸四角形 2"/>
+          <p:cNvPr id="6" name="正方形/長方形 5"/>
           <p:cNvSpPr/>
           <p:nvPr/>
         </p:nvSpPr>
         <p:spPr>
           <a:xfrm>
-            <a:off x="6735536" y="2325192"/>
-            <a:ext cx="2457450" cy="773155"/>
-          </a:xfrm>
-          <a:prstGeom prst="roundRect">
+            <a:off x="653898" y="3139048"/>
+            <a:ext cx="1328906" cy="387916"/>
+          </a:xfrm>
+          <a:prstGeom prst="rect">
             <a:avLst/>
           </a:prstGeom>
-          <a:noFill/>
-          <a:ln w="28575"/>
+          <a:solidFill>
+            <a:srgbClr val="FFFF00">
+              <a:alpha val="25000"/>
+            </a:srgbClr>
+          </a:solidFill>
+          <a:ln>
+            <a:noFill/>
+          </a:ln>
         </p:spPr>
         <p:style>
           <a:lnRef idx="2">
@@ -8687,20 +5934,26 @@
       </p:sp>
       <p:sp>
         <p:nvSpPr>
-          <p:cNvPr id="6" name="角丸四角形 5"/>
+          <p:cNvPr id="7" name="正方形/長方形 6"/>
           <p:cNvSpPr/>
           <p:nvPr/>
         </p:nvSpPr>
         <p:spPr>
           <a:xfrm>
-            <a:off x="6735536" y="3155496"/>
-            <a:ext cx="2457450" cy="773155"/>
-          </a:xfrm>
-          <a:prstGeom prst="roundRect">
+            <a:off x="676694" y="3859732"/>
+            <a:ext cx="1941378" cy="576818"/>
+          </a:xfrm>
+          <a:prstGeom prst="rect">
             <a:avLst/>
           </a:prstGeom>
-          <a:noFill/>
-          <a:ln w="28575"/>
+          <a:solidFill>
+            <a:srgbClr val="FFFF00">
+              <a:alpha val="25000"/>
+            </a:srgbClr>
+          </a:solidFill>
+          <a:ln>
+            <a:noFill/>
+          </a:ln>
         </p:spPr>
         <p:style>
           <a:lnRef idx="2">
@@ -8729,14 +5982,206 @@
       </p:sp>
       <p:sp>
         <p:nvSpPr>
-          <p:cNvPr id="7" name="テキスト ボックス 6"/>
+          <p:cNvPr id="8" name="正方形/長方形 7"/>
+          <p:cNvSpPr/>
+          <p:nvPr/>
+        </p:nvSpPr>
+        <p:spPr>
+          <a:xfrm>
+            <a:off x="663833" y="4636660"/>
+            <a:ext cx="1809860" cy="362967"/>
+          </a:xfrm>
+          <a:prstGeom prst="rect">
+            <a:avLst/>
+          </a:prstGeom>
+          <a:solidFill>
+            <a:srgbClr val="C00000">
+              <a:alpha val="25000"/>
+            </a:srgbClr>
+          </a:solidFill>
+          <a:ln>
+            <a:noFill/>
+          </a:ln>
+        </p:spPr>
+        <p:style>
+          <a:lnRef idx="2">
+            <a:schemeClr val="accent1">
+              <a:shade val="50000"/>
+            </a:schemeClr>
+          </a:lnRef>
+          <a:fillRef idx="1">
+            <a:schemeClr val="accent1"/>
+          </a:fillRef>
+          <a:effectRef idx="0">
+            <a:schemeClr val="accent1"/>
+          </a:effectRef>
+          <a:fontRef idx="minor">
+            <a:schemeClr val="lt1"/>
+          </a:fontRef>
+        </p:style>
+        <p:txBody>
+          <a:bodyPr rtlCol="0" anchor="ctr"/>
+          <a:lstStyle/>
+          <a:p>
+            <a:pPr algn="ctr"/>
+            <a:endParaRPr kumimoji="1" lang="ja-JP" altLang="en-US"/>
+          </a:p>
+        </p:txBody>
+      </p:sp>
+      <p:sp>
+        <p:nvSpPr>
+          <p:cNvPr id="9" name="正方形/長方形 8"/>
+          <p:cNvSpPr/>
+          <p:nvPr/>
+        </p:nvSpPr>
+        <p:spPr>
+          <a:xfrm>
+            <a:off x="3626500" y="2891507"/>
+            <a:ext cx="1186132" cy="178952"/>
+          </a:xfrm>
+          <a:prstGeom prst="rect">
+            <a:avLst/>
+          </a:prstGeom>
+          <a:solidFill>
+            <a:srgbClr val="FFFF00">
+              <a:alpha val="25000"/>
+            </a:srgbClr>
+          </a:solidFill>
+          <a:ln>
+            <a:noFill/>
+          </a:ln>
+        </p:spPr>
+        <p:style>
+          <a:lnRef idx="2">
+            <a:schemeClr val="accent1">
+              <a:shade val="50000"/>
+            </a:schemeClr>
+          </a:lnRef>
+          <a:fillRef idx="1">
+            <a:schemeClr val="accent1"/>
+          </a:fillRef>
+          <a:effectRef idx="0">
+            <a:schemeClr val="accent1"/>
+          </a:effectRef>
+          <a:fontRef idx="minor">
+            <a:schemeClr val="lt1"/>
+          </a:fontRef>
+        </p:style>
+        <p:txBody>
+          <a:bodyPr rtlCol="0" anchor="ctr"/>
+          <a:lstStyle/>
+          <a:p>
+            <a:pPr algn="ctr"/>
+            <a:endParaRPr kumimoji="1" lang="ja-JP" altLang="en-US"/>
+          </a:p>
+        </p:txBody>
+      </p:sp>
+      <p:sp>
+        <p:nvSpPr>
+          <p:cNvPr id="10" name="正方形/長方形 9"/>
+          <p:cNvSpPr/>
+          <p:nvPr/>
+        </p:nvSpPr>
+        <p:spPr>
+          <a:xfrm>
+            <a:off x="3626500" y="3700921"/>
+            <a:ext cx="1754022" cy="601571"/>
+          </a:xfrm>
+          <a:prstGeom prst="rect">
+            <a:avLst/>
+          </a:prstGeom>
+          <a:solidFill>
+            <a:srgbClr val="C00000">
+              <a:alpha val="25000"/>
+            </a:srgbClr>
+          </a:solidFill>
+          <a:ln>
+            <a:noFill/>
+          </a:ln>
+        </p:spPr>
+        <p:style>
+          <a:lnRef idx="2">
+            <a:schemeClr val="accent1">
+              <a:shade val="50000"/>
+            </a:schemeClr>
+          </a:lnRef>
+          <a:fillRef idx="1">
+            <a:schemeClr val="accent1"/>
+          </a:fillRef>
+          <a:effectRef idx="0">
+            <a:schemeClr val="accent1"/>
+          </a:effectRef>
+          <a:fontRef idx="minor">
+            <a:schemeClr val="lt1"/>
+          </a:fontRef>
+        </p:style>
+        <p:txBody>
+          <a:bodyPr rtlCol="0" anchor="ctr"/>
+          <a:lstStyle/>
+          <a:p>
+            <a:pPr algn="ctr"/>
+            <a:endParaRPr kumimoji="1" lang="ja-JP" altLang="en-US"/>
+          </a:p>
+        </p:txBody>
+      </p:sp>
+      <p:sp>
+        <p:nvSpPr>
+          <p:cNvPr id="11" name="正方形/長方形 10"/>
+          <p:cNvSpPr/>
+          <p:nvPr/>
+        </p:nvSpPr>
+        <p:spPr>
+          <a:xfrm>
+            <a:off x="6419757" y="5784356"/>
+            <a:ext cx="866894" cy="197060"/>
+          </a:xfrm>
+          <a:prstGeom prst="rect">
+            <a:avLst/>
+          </a:prstGeom>
+          <a:solidFill>
+            <a:srgbClr val="C00000">
+              <a:alpha val="25000"/>
+            </a:srgbClr>
+          </a:solidFill>
+          <a:ln>
+            <a:noFill/>
+          </a:ln>
+        </p:spPr>
+        <p:style>
+          <a:lnRef idx="2">
+            <a:schemeClr val="accent1">
+              <a:shade val="50000"/>
+            </a:schemeClr>
+          </a:lnRef>
+          <a:fillRef idx="1">
+            <a:schemeClr val="accent1"/>
+          </a:fillRef>
+          <a:effectRef idx="0">
+            <a:schemeClr val="accent1"/>
+          </a:effectRef>
+          <a:fontRef idx="minor">
+            <a:schemeClr val="lt1"/>
+          </a:fontRef>
+        </p:style>
+        <p:txBody>
+          <a:bodyPr rtlCol="0" anchor="ctr"/>
+          <a:lstStyle/>
+          <a:p>
+            <a:pPr algn="ctr"/>
+            <a:endParaRPr kumimoji="1" lang="ja-JP" altLang="en-US"/>
+          </a:p>
+        </p:txBody>
+      </p:sp>
+      <p:sp>
+        <p:nvSpPr>
+          <p:cNvPr id="12" name="テキスト ボックス 11"/>
           <p:cNvSpPr txBox="1"/>
           <p:nvPr/>
         </p:nvSpPr>
         <p:spPr>
           <a:xfrm>
-            <a:off x="8718690" y="3266529"/>
-            <a:ext cx="461665" cy="726621"/>
+            <a:off x="7382593" y="5678905"/>
+            <a:ext cx="3965609" cy="369332"/>
           </a:xfrm>
           <a:prstGeom prst="rect">
             <a:avLst/>
@@ -8744,14 +6189,14 @@
           <a:noFill/>
         </p:spPr>
         <p:txBody>
-          <a:bodyPr vert="eaVert" wrap="square" rtlCol="0">
+          <a:bodyPr wrap="square" rtlCol="0">
             <a:spAutoFit/>
           </a:bodyPr>
           <a:lstStyle/>
           <a:p>
             <a:r>
-              <a:rPr kumimoji="1" lang="ja-JP" altLang="en-US" smtClean="0"/>
-              <a:t>真鍋</a:t>
+              <a:rPr lang="ja-JP" altLang="en-US" smtClean="0"/>
+              <a:t>・・・結合テストまで動作確認済み</a:t>
             </a:r>
             <a:endParaRPr kumimoji="1" lang="ja-JP" altLang="en-US"/>
           </a:p>
@@ -8759,14 +6204,62 @@
       </p:sp>
       <p:sp>
         <p:nvSpPr>
-          <p:cNvPr id="8" name="テキスト ボックス 7"/>
+          <p:cNvPr id="13" name="正方形/長方形 12"/>
+          <p:cNvSpPr/>
+          <p:nvPr/>
+        </p:nvSpPr>
+        <p:spPr>
+          <a:xfrm>
+            <a:off x="586521" y="5737357"/>
+            <a:ext cx="953211" cy="214547"/>
+          </a:xfrm>
+          <a:prstGeom prst="rect">
+            <a:avLst/>
+          </a:prstGeom>
+          <a:solidFill>
+            <a:srgbClr val="FFFF00">
+              <a:alpha val="25000"/>
+            </a:srgbClr>
+          </a:solidFill>
+          <a:ln>
+            <a:noFill/>
+          </a:ln>
+        </p:spPr>
+        <p:style>
+          <a:lnRef idx="2">
+            <a:schemeClr val="accent1">
+              <a:shade val="50000"/>
+            </a:schemeClr>
+          </a:lnRef>
+          <a:fillRef idx="1">
+            <a:schemeClr val="accent1"/>
+          </a:fillRef>
+          <a:effectRef idx="0">
+            <a:schemeClr val="accent1"/>
+          </a:effectRef>
+          <a:fontRef idx="minor">
+            <a:schemeClr val="lt1"/>
+          </a:fontRef>
+        </p:style>
+        <p:txBody>
+          <a:bodyPr rtlCol="0" anchor="ctr"/>
+          <a:lstStyle/>
+          <a:p>
+            <a:pPr algn="ctr"/>
+            <a:endParaRPr kumimoji="1" lang="ja-JP" altLang="en-US"/>
+          </a:p>
+        </p:txBody>
+      </p:sp>
+      <p:sp>
+        <p:nvSpPr>
+          <p:cNvPr id="14" name="テキスト ボックス 13"/>
           <p:cNvSpPr txBox="1"/>
           <p:nvPr/>
         </p:nvSpPr>
         <p:spPr>
           <a:xfrm>
-            <a:off x="8718691" y="2428875"/>
-            <a:ext cx="461665" cy="726621"/>
+            <a:off x="1629905" y="5694880"/>
+            <a:ext cx="3965609" cy="369332"/>
           </a:xfrm>
           <a:prstGeom prst="rect">
             <a:avLst/>
@@ -8774,14 +6267,14 @@
           <a:noFill/>
         </p:spPr>
         <p:txBody>
-          <a:bodyPr vert="eaVert" wrap="square" rtlCol="0">
+          <a:bodyPr wrap="square" rtlCol="0">
             <a:spAutoFit/>
           </a:bodyPr>
           <a:lstStyle/>
           <a:p>
             <a:r>
-              <a:rPr kumimoji="1" lang="ja-JP" altLang="en-US" smtClean="0"/>
-              <a:t>段原</a:t>
+              <a:rPr lang="ja-JP" altLang="en-US" smtClean="0"/>
+              <a:t>・・・単体テストまで動作確認済み</a:t>
             </a:r>
             <a:endParaRPr kumimoji="1" lang="ja-JP" altLang="en-US"/>
           </a:p>
@@ -8790,20 +6283,13 @@
     </p:spTree>
     <p:extLst>
       <p:ext uri="{BB962C8B-B14F-4D97-AF65-F5344CB8AC3E}">
-        <p14:creationId xmlns:p14="http://schemas.microsoft.com/office/powerpoint/2010/main" val="804546034"/>
+        <p14:creationId xmlns:p14="http://schemas.microsoft.com/office/powerpoint/2010/main" val="3323897878"/>
       </p:ext>
     </p:extLst>
   </p:cSld>
   <p:clrMapOvr>
     <a:masterClrMapping/>
   </p:clrMapOvr>
-  <p:timing>
-    <p:tnLst>
-      <p:par>
-        <p:cTn id="1" dur="indefinite" restart="never" nodeType="tmRoot"/>
-      </p:par>
-    </p:tnLst>
-  </p:timing>
 </p:sld>
 </file>
 
@@ -8824,319 +6310,129 @@
           <a:chExt cx="0" cy="0"/>
         </a:xfrm>
       </p:grpSpPr>
+      <p:sp>
+        <p:nvSpPr>
+          <p:cNvPr id="2" name="タイトル 1"/>
+          <p:cNvSpPr>
+            <a:spLocks noGrp="1"/>
+          </p:cNvSpPr>
+          <p:nvPr>
+            <p:ph type="title"/>
+          </p:nvPr>
+        </p:nvSpPr>
+        <p:spPr/>
+        <p:txBody>
+          <a:bodyPr/>
+          <a:lstStyle/>
+          <a:p>
+            <a:r>
+              <a:rPr kumimoji="1" lang="ja-JP" altLang="en-US" smtClean="0"/>
+              <a:t>今週</a:t>
+            </a:r>
+            <a:r>
+              <a:rPr kumimoji="1" lang="ja-JP" altLang="en-US" smtClean="0"/>
+              <a:t>の</a:t>
+            </a:r>
+            <a:r>
+              <a:rPr lang="ja-JP" altLang="en-US" smtClean="0"/>
+              <a:t>進捗</a:t>
+            </a:r>
+            <a:endParaRPr kumimoji="1" lang="ja-JP" altLang="en-US"/>
+          </a:p>
+        </p:txBody>
+      </p:sp>
+      <p:sp>
+        <p:nvSpPr>
+          <p:cNvPr id="3" name="コンテンツ プレースホルダー 2"/>
+          <p:cNvSpPr>
+            <a:spLocks noGrp="1"/>
+          </p:cNvSpPr>
+          <p:nvPr>
+            <p:ph idx="1"/>
+          </p:nvPr>
+        </p:nvSpPr>
+        <p:spPr>
+          <a:xfrm>
+            <a:off x="4437246" y="1845734"/>
+            <a:ext cx="6718433" cy="4023360"/>
+          </a:xfrm>
+        </p:spPr>
+        <p:txBody>
+          <a:bodyPr>
+            <a:normAutofit/>
+          </a:bodyPr>
+          <a:lstStyle/>
+          <a:p>
+            <a:pPr>
+              <a:buFont typeface="Wingdings" panose="05000000000000000000" pitchFamily="2" charset="2"/>
+              <a:buChar char="l"/>
+            </a:pPr>
+            <a:r>
+              <a:rPr kumimoji="1" lang="ja-JP" altLang="en-US" sz="4400" smtClean="0"/>
+              <a:t>ひずみゲージの組み立て・実装</a:t>
+            </a:r>
+            <a:endParaRPr kumimoji="1" lang="en-US" altLang="ja-JP" sz="4400" smtClean="0"/>
+          </a:p>
+          <a:p>
+            <a:pPr>
+              <a:buFont typeface="Wingdings" panose="05000000000000000000" pitchFamily="2" charset="2"/>
+              <a:buChar char="l"/>
+            </a:pPr>
+            <a:r>
+              <a:rPr kumimoji="1" lang="ja-JP" altLang="en-US" sz="4400" smtClean="0"/>
+              <a:t>ラズパイ・サーバ間でのデータ連携</a:t>
+            </a:r>
+            <a:endParaRPr kumimoji="1" lang="en-US" altLang="ja-JP" sz="4400" smtClean="0"/>
+          </a:p>
+          <a:p>
+            <a:pPr>
+              <a:buFont typeface="Wingdings" panose="05000000000000000000" pitchFamily="2" charset="2"/>
+              <a:buChar char="l"/>
+            </a:pPr>
+            <a:endParaRPr kumimoji="1" lang="ja-JP" altLang="en-US" sz="4400"/>
+          </a:p>
+        </p:txBody>
+      </p:sp>
       <p:pic>
         <p:nvPicPr>
-          <p:cNvPr id="13" name="図 12"/>
+          <p:cNvPr id="5" name="図 4"/>
           <p:cNvPicPr>
             <a:picLocks noChangeAspect="1"/>
           </p:cNvPicPr>
           <p:nvPr/>
         </p:nvPicPr>
-        <p:blipFill rotWithShape="1">
-          <a:blip r:embed="rId2">
+        <p:blipFill>
+          <a:blip r:embed="rId2" cstate="print">
             <a:extLst>
               <a:ext uri="{28A0092B-C50C-407E-A947-70E740481C1C}">
                 <a14:useLocalDpi xmlns:a14="http://schemas.microsoft.com/office/drawing/2010/main" val="0"/>
               </a:ext>
             </a:extLst>
           </a:blip>
-          <a:srcRect l="-396" t="35737" r="46449" b="24110"/>
-          <a:stretch/>
+          <a:stretch>
+            <a:fillRect/>
+          </a:stretch>
         </p:blipFill>
         <p:spPr>
-          <a:xfrm>
-            <a:off x="1482291" y="1786738"/>
-            <a:ext cx="9035149" cy="4508183"/>
+          <a:xfrm rot="5400000">
+            <a:off x="594361" y="2348656"/>
+            <a:ext cx="4023360" cy="3017520"/>
           </a:xfrm>
           <a:prstGeom prst="rect">
             <a:avLst/>
           </a:prstGeom>
         </p:spPr>
       </p:pic>
-      <p:sp>
-        <p:nvSpPr>
-          <p:cNvPr id="3" name="タイトル 2"/>
-          <p:cNvSpPr>
-            <a:spLocks noGrp="1"/>
-          </p:cNvSpPr>
-          <p:nvPr>
-            <p:ph type="title"/>
-          </p:nvPr>
-        </p:nvSpPr>
-        <p:spPr/>
-        <p:txBody>
-          <a:bodyPr/>
-          <a:lstStyle/>
-          <a:p>
-            <a:r>
-              <a:rPr kumimoji="1" lang="ja-JP" altLang="en-US" smtClean="0"/>
-              <a:t>リアルタイム性が必要な部分</a:t>
-            </a:r>
-            <a:endParaRPr kumimoji="1" lang="ja-JP" altLang="en-US"/>
-          </a:p>
-        </p:txBody>
-      </p:sp>
-      <p:sp>
-        <p:nvSpPr>
-          <p:cNvPr id="11" name="右中かっこ 10"/>
-          <p:cNvSpPr/>
-          <p:nvPr/>
-        </p:nvSpPr>
-        <p:spPr>
-          <a:xfrm rot="5400000">
-            <a:off x="5635730" y="2563803"/>
-            <a:ext cx="355858" cy="2406315"/>
-          </a:xfrm>
-          <a:prstGeom prst="rightBrace">
-            <a:avLst/>
-          </a:prstGeom>
-          <a:ln w="53975">
-            <a:solidFill>
-              <a:srgbClr val="C00000"/>
-            </a:solidFill>
-          </a:ln>
-        </p:spPr>
-        <p:style>
-          <a:lnRef idx="1">
-            <a:schemeClr val="accent1"/>
-          </a:lnRef>
-          <a:fillRef idx="0">
-            <a:schemeClr val="accent1"/>
-          </a:fillRef>
-          <a:effectRef idx="0">
-            <a:schemeClr val="accent1"/>
-          </a:effectRef>
-          <a:fontRef idx="minor">
-            <a:schemeClr val="tx1"/>
-          </a:fontRef>
-        </p:style>
-        <p:txBody>
-          <a:bodyPr rtlCol="0" anchor="ctr"/>
-          <a:lstStyle/>
-          <a:p>
-            <a:pPr algn="ctr"/>
-            <a:endParaRPr kumimoji="1" lang="ja-JP" altLang="en-US"/>
-          </a:p>
-        </p:txBody>
-      </p:sp>
-      <p:sp>
-        <p:nvSpPr>
-          <p:cNvPr id="12" name="テキスト ボックス 11"/>
-          <p:cNvSpPr txBox="1"/>
-          <p:nvPr/>
-        </p:nvSpPr>
-        <p:spPr>
-          <a:xfrm>
-            <a:off x="5428651" y="3994267"/>
-            <a:ext cx="1405288" cy="1200329"/>
-          </a:xfrm>
-          <a:prstGeom prst="rect">
-            <a:avLst/>
-          </a:prstGeom>
-          <a:noFill/>
-        </p:spPr>
-        <p:txBody>
-          <a:bodyPr wrap="square" rtlCol="0">
-            <a:spAutoFit/>
-          </a:bodyPr>
-          <a:lstStyle/>
-          <a:p>
-            <a:r>
-              <a:rPr kumimoji="1" lang="ja-JP" altLang="en-US" sz="2400" smtClean="0"/>
-              <a:t>不要</a:t>
-            </a:r>
-            <a:endParaRPr kumimoji="1" lang="en-US" altLang="ja-JP" sz="2400" smtClean="0"/>
-          </a:p>
-          <a:p>
-            <a:r>
-              <a:rPr lang="ja-JP" altLang="en-US" sz="2400" smtClean="0"/>
-              <a:t>目標：</a:t>
-            </a:r>
-            <a:r>
-              <a:rPr lang="en-US" altLang="ja-JP" sz="2400" smtClean="0"/>
-              <a:t>1s</a:t>
-            </a:r>
-            <a:endParaRPr kumimoji="1" lang="en-US" altLang="ja-JP" sz="2400" smtClean="0"/>
-          </a:p>
-          <a:p>
-            <a:endParaRPr kumimoji="1" lang="ja-JP" altLang="en-US" sz="2400"/>
-          </a:p>
-        </p:txBody>
-      </p:sp>
-      <p:sp>
-        <p:nvSpPr>
-          <p:cNvPr id="14" name="右中かっこ 13"/>
-          <p:cNvSpPr/>
-          <p:nvPr/>
-        </p:nvSpPr>
-        <p:spPr>
-          <a:xfrm rot="10800000">
-            <a:off x="1109878" y="2563800"/>
-            <a:ext cx="355858" cy="2662717"/>
-          </a:xfrm>
-          <a:prstGeom prst="rightBrace">
-            <a:avLst/>
-          </a:prstGeom>
-          <a:ln w="53975">
-            <a:solidFill>
-              <a:srgbClr val="C00000"/>
-            </a:solidFill>
-          </a:ln>
-        </p:spPr>
-        <p:style>
-          <a:lnRef idx="1">
-            <a:schemeClr val="accent1"/>
-          </a:lnRef>
-          <a:fillRef idx="0">
-            <a:schemeClr val="accent1"/>
-          </a:fillRef>
-          <a:effectRef idx="0">
-            <a:schemeClr val="accent1"/>
-          </a:effectRef>
-          <a:fontRef idx="minor">
-            <a:schemeClr val="tx1"/>
-          </a:fontRef>
-        </p:style>
-        <p:txBody>
-          <a:bodyPr rtlCol="0" anchor="ctr"/>
-          <a:lstStyle/>
-          <a:p>
-            <a:pPr algn="ctr"/>
-            <a:endParaRPr kumimoji="1" lang="ja-JP" altLang="en-US"/>
-          </a:p>
-        </p:txBody>
-      </p:sp>
-      <p:sp>
-        <p:nvSpPr>
-          <p:cNvPr id="15" name="テキスト ボックス 14"/>
-          <p:cNvSpPr txBox="1"/>
-          <p:nvPr/>
-        </p:nvSpPr>
-        <p:spPr>
-          <a:xfrm>
-            <a:off x="339862" y="3579164"/>
-            <a:ext cx="1405288" cy="461665"/>
-          </a:xfrm>
-          <a:prstGeom prst="rect">
-            <a:avLst/>
-          </a:prstGeom>
-          <a:noFill/>
-        </p:spPr>
-        <p:txBody>
-          <a:bodyPr wrap="square" rtlCol="0">
-            <a:spAutoFit/>
-          </a:bodyPr>
-          <a:lstStyle/>
-          <a:p>
-            <a:r>
-              <a:rPr kumimoji="1" lang="ja-JP" altLang="en-US" sz="2400" smtClean="0"/>
-              <a:t>必要</a:t>
-            </a:r>
-            <a:endParaRPr kumimoji="1" lang="ja-JP" altLang="en-US" sz="2400"/>
-          </a:p>
-        </p:txBody>
-      </p:sp>
-      <p:sp>
-        <p:nvSpPr>
-          <p:cNvPr id="17" name="右中かっこ 16"/>
-          <p:cNvSpPr/>
-          <p:nvPr/>
-        </p:nvSpPr>
-        <p:spPr>
-          <a:xfrm>
-            <a:off x="10178136" y="2563799"/>
-            <a:ext cx="355858" cy="2662717"/>
-          </a:xfrm>
-          <a:prstGeom prst="rightBrace">
-            <a:avLst/>
-          </a:prstGeom>
-          <a:ln w="53975">
-            <a:solidFill>
-              <a:srgbClr val="C00000"/>
-            </a:solidFill>
-          </a:ln>
-        </p:spPr>
-        <p:style>
-          <a:lnRef idx="1">
-            <a:schemeClr val="accent1"/>
-          </a:lnRef>
-          <a:fillRef idx="0">
-            <a:schemeClr val="accent1"/>
-          </a:fillRef>
-          <a:effectRef idx="0">
-            <a:schemeClr val="accent1"/>
-          </a:effectRef>
-          <a:fontRef idx="minor">
-            <a:schemeClr val="tx1"/>
-          </a:fontRef>
-        </p:style>
-        <p:txBody>
-          <a:bodyPr rtlCol="0" anchor="ctr"/>
-          <a:lstStyle/>
-          <a:p>
-            <a:pPr algn="ctr"/>
-            <a:endParaRPr kumimoji="1" lang="ja-JP" altLang="en-US"/>
-          </a:p>
-        </p:txBody>
-      </p:sp>
-      <p:sp>
-        <p:nvSpPr>
-          <p:cNvPr id="18" name="テキスト ボックス 17"/>
-          <p:cNvSpPr txBox="1"/>
-          <p:nvPr/>
-        </p:nvSpPr>
-        <p:spPr>
-          <a:xfrm>
-            <a:off x="10548432" y="3625330"/>
-            <a:ext cx="1405288" cy="830997"/>
-          </a:xfrm>
-          <a:prstGeom prst="rect">
-            <a:avLst/>
-          </a:prstGeom>
-          <a:noFill/>
-        </p:spPr>
-        <p:txBody>
-          <a:bodyPr wrap="square" rtlCol="0">
-            <a:spAutoFit/>
-          </a:bodyPr>
-          <a:lstStyle/>
-          <a:p>
-            <a:r>
-              <a:rPr kumimoji="1" lang="ja-JP" altLang="en-US" sz="2400" smtClean="0"/>
-              <a:t>不要</a:t>
-            </a:r>
-            <a:endParaRPr kumimoji="1" lang="en-US" altLang="ja-JP" sz="2400" smtClean="0"/>
-          </a:p>
-          <a:p>
-            <a:r>
-              <a:rPr lang="ja-JP" altLang="en-US" sz="2400" smtClean="0"/>
-              <a:t>目標：</a:t>
-            </a:r>
-            <a:r>
-              <a:rPr lang="en-US" altLang="ja-JP" sz="2400" smtClean="0"/>
-              <a:t>1s</a:t>
-            </a:r>
-            <a:endParaRPr kumimoji="1" lang="ja-JP" altLang="en-US" sz="2400"/>
-          </a:p>
-        </p:txBody>
-      </p:sp>
     </p:spTree>
     <p:extLst>
       <p:ext uri="{BB962C8B-B14F-4D97-AF65-F5344CB8AC3E}">
-        <p14:creationId xmlns:p14="http://schemas.microsoft.com/office/powerpoint/2010/main" val="2622196868"/>
+        <p14:creationId xmlns:p14="http://schemas.microsoft.com/office/powerpoint/2010/main" val="97732334"/>
       </p:ext>
     </p:extLst>
   </p:cSld>
   <p:clrMapOvr>
     <a:masterClrMapping/>
   </p:clrMapOvr>
-  <p:timing>
-    <p:tnLst>
-      <p:par>
-        <p:cTn id="1" dur="indefinite" restart="never" nodeType="tmRoot"/>
-      </p:par>
-    </p:tnLst>
-  </p:timing>
 </p:sld>
 </file>
 
@@ -9157,177 +6453,67 @@
           <a:chExt cx="0" cy="0"/>
         </a:xfrm>
       </p:grpSpPr>
-      <p:pic>
-        <p:nvPicPr>
-          <p:cNvPr id="3" name="図 2"/>
-          <p:cNvPicPr>
-            <a:picLocks noChangeAspect="1"/>
-          </p:cNvPicPr>
-          <p:nvPr/>
-        </p:nvPicPr>
-        <p:blipFill rotWithShape="1">
-          <a:blip r:embed="rId2">
-            <a:extLst>
-              <a:ext uri="{28A0092B-C50C-407E-A947-70E740481C1C}">
-                <a14:useLocalDpi xmlns:a14="http://schemas.microsoft.com/office/drawing/2010/main" val="0"/>
-              </a:ext>
-            </a:extLst>
-          </a:blip>
-          <a:srcRect l="-524" t="-702" r="51502" b="41754"/>
-          <a:stretch/>
-        </p:blipFill>
-        <p:spPr>
-          <a:xfrm>
-            <a:off x="2667484" y="-56553"/>
-            <a:ext cx="7050214" cy="6334292"/>
-          </a:xfrm>
-          <a:prstGeom prst="rect">
-            <a:avLst/>
-          </a:prstGeom>
-        </p:spPr>
-      </p:pic>
-      <p:sp>
-        <p:nvSpPr>
-          <p:cNvPr id="11" name="右中かっこ 10"/>
-          <p:cNvSpPr/>
-          <p:nvPr/>
-        </p:nvSpPr>
-        <p:spPr>
-          <a:xfrm rot="10800000">
-            <a:off x="2409288" y="2419421"/>
-            <a:ext cx="355858" cy="1719441"/>
-          </a:xfrm>
-          <a:prstGeom prst="rightBrace">
-            <a:avLst/>
-          </a:prstGeom>
-          <a:ln w="53975">
-            <a:solidFill>
-              <a:srgbClr val="C00000"/>
-            </a:solidFill>
-          </a:ln>
-        </p:spPr>
-        <p:style>
-          <a:lnRef idx="1">
-            <a:schemeClr val="accent1"/>
-          </a:lnRef>
-          <a:fillRef idx="0">
-            <a:schemeClr val="accent1"/>
-          </a:fillRef>
-          <a:effectRef idx="0">
-            <a:schemeClr val="accent1"/>
-          </a:effectRef>
-          <a:fontRef idx="minor">
-            <a:schemeClr val="tx1"/>
-          </a:fontRef>
-        </p:style>
-        <p:txBody>
-          <a:bodyPr rtlCol="0" anchor="ctr"/>
-          <a:lstStyle/>
-          <a:p>
-            <a:pPr algn="ctr"/>
+      <p:sp>
+        <p:nvSpPr>
+          <p:cNvPr id="2" name="タイトル 1"/>
+          <p:cNvSpPr>
+            <a:spLocks noGrp="1"/>
+          </p:cNvSpPr>
+          <p:nvPr>
+            <p:ph type="title"/>
+          </p:nvPr>
+        </p:nvSpPr>
+        <p:spPr/>
+        <p:txBody>
+          <a:bodyPr/>
+          <a:lstStyle/>
+          <a:p>
+            <a:r>
+              <a:rPr kumimoji="1" lang="ja-JP" altLang="en-US" smtClean="0"/>
+              <a:t>現在の問題</a:t>
+            </a:r>
             <a:endParaRPr kumimoji="1" lang="ja-JP" altLang="en-US"/>
           </a:p>
         </p:txBody>
       </p:sp>
       <p:sp>
         <p:nvSpPr>
-          <p:cNvPr id="12" name="テキスト ボックス 11"/>
-          <p:cNvSpPr txBox="1"/>
-          <p:nvPr/>
-        </p:nvSpPr>
-        <p:spPr>
-          <a:xfrm>
-            <a:off x="1620021" y="3110593"/>
-            <a:ext cx="1405288" cy="461665"/>
-          </a:xfrm>
-          <a:prstGeom prst="rect">
-            <a:avLst/>
-          </a:prstGeom>
-          <a:noFill/>
-        </p:spPr>
-        <p:txBody>
-          <a:bodyPr wrap="square" rtlCol="0">
-            <a:spAutoFit/>
-          </a:bodyPr>
-          <a:lstStyle/>
-          <a:p>
-            <a:r>
-              <a:rPr kumimoji="1" lang="ja-JP" altLang="en-US" sz="2400" smtClean="0"/>
-              <a:t>必要</a:t>
-            </a:r>
-            <a:endParaRPr kumimoji="1" lang="ja-JP" altLang="en-US" sz="2400"/>
-          </a:p>
-        </p:txBody>
-      </p:sp>
-      <p:sp>
-        <p:nvSpPr>
-          <p:cNvPr id="13" name="テキスト ボックス 12"/>
-          <p:cNvSpPr txBox="1"/>
-          <p:nvPr/>
-        </p:nvSpPr>
-        <p:spPr>
-          <a:xfrm>
-            <a:off x="3108963" y="4942882"/>
-            <a:ext cx="1405288" cy="461665"/>
-          </a:xfrm>
-          <a:prstGeom prst="rect">
-            <a:avLst/>
-          </a:prstGeom>
-          <a:noFill/>
-        </p:spPr>
-        <p:txBody>
-          <a:bodyPr wrap="square" rtlCol="0">
-            <a:spAutoFit/>
-          </a:bodyPr>
-          <a:lstStyle/>
-          <a:p>
-            <a:r>
-              <a:rPr kumimoji="1" lang="ja-JP" altLang="en-US" sz="2400" smtClean="0"/>
-              <a:t>不要</a:t>
-            </a:r>
-            <a:endParaRPr kumimoji="1" lang="ja-JP" altLang="en-US" sz="2400"/>
-          </a:p>
-        </p:txBody>
-      </p:sp>
-      <p:sp>
-        <p:nvSpPr>
-          <p:cNvPr id="14" name="右中かっこ 13"/>
-          <p:cNvSpPr/>
-          <p:nvPr/>
-        </p:nvSpPr>
-        <p:spPr>
-          <a:xfrm rot="10800000">
-            <a:off x="3928475" y="4313994"/>
-            <a:ext cx="355858" cy="1719441"/>
-          </a:xfrm>
-          <a:prstGeom prst="rightBrace">
-            <a:avLst/>
-          </a:prstGeom>
-          <a:ln w="53975">
-            <a:solidFill>
-              <a:srgbClr val="C00000"/>
-            </a:solidFill>
-          </a:ln>
-        </p:spPr>
-        <p:style>
-          <a:lnRef idx="1">
-            <a:schemeClr val="accent1"/>
-          </a:lnRef>
-          <a:fillRef idx="0">
-            <a:schemeClr val="accent1"/>
-          </a:fillRef>
-          <a:effectRef idx="0">
-            <a:schemeClr val="accent1"/>
-          </a:effectRef>
-          <a:fontRef idx="minor">
-            <a:schemeClr val="tx1"/>
-          </a:fontRef>
-        </p:style>
-        <p:txBody>
-          <a:bodyPr rtlCol="0" anchor="ctr"/>
-          <a:lstStyle/>
-          <a:p>
-            <a:pPr algn="ctr"/>
+          <p:cNvPr id="3" name="コンテンツ プレースホルダー 2"/>
+          <p:cNvSpPr>
+            <a:spLocks noGrp="1"/>
+          </p:cNvSpPr>
+          <p:nvPr>
+            <p:ph idx="1"/>
+          </p:nvPr>
+        </p:nvSpPr>
+        <p:spPr/>
+        <p:txBody>
+          <a:bodyPr/>
+          <a:lstStyle/>
+          <a:p>
+            <a:pPr>
+              <a:buFont typeface="Wingdings" panose="05000000000000000000" pitchFamily="2" charset="2"/>
+              <a:buChar char="l"/>
+            </a:pPr>
+            <a:r>
+              <a:rPr kumimoji="1" lang="en-US" altLang="ja-JP" smtClean="0"/>
+              <a:t>WEB</a:t>
+            </a:r>
+            <a:r>
+              <a:rPr kumimoji="1" lang="ja-JP" altLang="en-US" smtClean="0"/>
+              <a:t>カメラの能力不足</a:t>
+            </a:r>
+            <a:endParaRPr kumimoji="1" lang="en-US" altLang="ja-JP" smtClean="0"/>
+          </a:p>
+          <a:p>
+            <a:pPr lvl="1">
+              <a:buFont typeface="Wingdings" panose="05000000000000000000" pitchFamily="2" charset="2"/>
+              <a:buChar char="l"/>
+            </a:pPr>
+            <a:r>
+              <a:rPr lang="ja-JP" altLang="en-US" smtClean="0"/>
+              <a:t>王先生にご相談し、購入連携済み</a:t>
+            </a:r>
             <a:endParaRPr kumimoji="1" lang="ja-JP" altLang="en-US"/>
           </a:p>
         </p:txBody>
@@ -9335,20 +6521,13 @@
     </p:spTree>
     <p:extLst>
       <p:ext uri="{BB962C8B-B14F-4D97-AF65-F5344CB8AC3E}">
-        <p14:creationId xmlns:p14="http://schemas.microsoft.com/office/powerpoint/2010/main" val="326444014"/>
+        <p14:creationId xmlns:p14="http://schemas.microsoft.com/office/powerpoint/2010/main" val="3469045584"/>
       </p:ext>
     </p:extLst>
   </p:cSld>
   <p:clrMapOvr>
     <a:masterClrMapping/>
   </p:clrMapOvr>
-  <p:timing>
-    <p:tnLst>
-      <p:par>
-        <p:cTn id="1" dur="indefinite" restart="never" nodeType="tmRoot"/>
-      </p:par>
-    </p:tnLst>
-  </p:timing>
 </p:sld>
 </file>
 
@@ -9385,220 +6564,8 @@
           <a:lstStyle/>
           <a:p>
             <a:r>
-              <a:rPr lang="ja-JP" altLang="en-US"/>
-              <a:t>実行</a:t>
-            </a:r>
-            <a:r>
-              <a:rPr lang="ja-JP" altLang="en-US" smtClean="0"/>
-              <a:t>環境</a:t>
-            </a:r>
-            <a:endParaRPr kumimoji="1" lang="ja-JP" altLang="en-US"/>
-          </a:p>
-        </p:txBody>
-      </p:sp>
-      <p:graphicFrame>
-        <p:nvGraphicFramePr>
-          <p:cNvPr id="4" name="コンテンツ プレースホルダー 3"/>
-          <p:cNvGraphicFramePr>
-            <a:graphicFrameLocks noGrp="1"/>
-          </p:cNvGraphicFramePr>
-          <p:nvPr>
-            <p:ph idx="1"/>
-            <p:extLst>
-              <p:ext uri="{D42A27DB-BD31-4B8C-83A1-F6EECF244321}">
-                <p14:modId xmlns:p14="http://schemas.microsoft.com/office/powerpoint/2010/main" val="3407317844"/>
-              </p:ext>
-            </p:extLst>
-          </p:nvPr>
-        </p:nvGraphicFramePr>
-        <p:xfrm>
-          <a:off x="1096963" y="1846263"/>
-          <a:ext cx="10058400" cy="4022725"/>
-        </p:xfrm>
-        <a:graphic>
-          <a:graphicData uri="http://schemas.openxmlformats.org/drawingml/2006/diagram">
-            <dgm:relIds xmlns:dgm="http://schemas.openxmlformats.org/drawingml/2006/diagram" xmlns:r="http://schemas.openxmlformats.org/officeDocument/2006/relationships" r:dm="rId2" r:lo="rId3" r:qs="rId4" r:cs="rId5"/>
-          </a:graphicData>
-        </a:graphic>
-      </p:graphicFrame>
-    </p:spTree>
-    <p:extLst>
-      <p:ext uri="{BB962C8B-B14F-4D97-AF65-F5344CB8AC3E}">
-        <p14:creationId xmlns:p14="http://schemas.microsoft.com/office/powerpoint/2010/main" val="593628476"/>
-      </p:ext>
-    </p:extLst>
-  </p:cSld>
-  <p:clrMapOvr>
-    <a:masterClrMapping/>
-  </p:clrMapOvr>
-</p:sld>
-</file>
-
-<file path=ppt/slides/slide8.xml><?xml version="1.0" encoding="utf-8"?>
-<p:sld xmlns:a="http://schemas.openxmlformats.org/drawingml/2006/main" xmlns:r="http://schemas.openxmlformats.org/officeDocument/2006/relationships" xmlns:p="http://schemas.openxmlformats.org/presentationml/2006/main">
-  <p:cSld>
-    <p:spTree>
-      <p:nvGrpSpPr>
-        <p:cNvPr id="1" name=""/>
-        <p:cNvGrpSpPr/>
-        <p:nvPr/>
-      </p:nvGrpSpPr>
-      <p:grpSpPr>
-        <a:xfrm>
-          <a:off x="0" y="0"/>
-          <a:ext cx="0" cy="0"/>
-          <a:chOff x="0" y="0"/>
-          <a:chExt cx="0" cy="0"/>
-        </a:xfrm>
-      </p:grpSpPr>
-      <p:sp>
-        <p:nvSpPr>
-          <p:cNvPr id="2" name="タイトル 1"/>
-          <p:cNvSpPr>
-            <a:spLocks noGrp="1"/>
-          </p:cNvSpPr>
-          <p:nvPr>
-            <p:ph type="title"/>
-          </p:nvPr>
-        </p:nvSpPr>
-        <p:spPr/>
-        <p:txBody>
-          <a:bodyPr/>
-          <a:lstStyle/>
-          <a:p>
-            <a:r>
               <a:rPr kumimoji="1" lang="ja-JP" altLang="en-US" smtClean="0"/>
-              <a:t>今週の進行状況</a:t>
-            </a:r>
-            <a:endParaRPr kumimoji="1" lang="ja-JP" altLang="en-US"/>
-          </a:p>
-        </p:txBody>
-      </p:sp>
-      <p:sp>
-        <p:nvSpPr>
-          <p:cNvPr id="3" name="コンテンツ プレースホルダー 2"/>
-          <p:cNvSpPr>
-            <a:spLocks noGrp="1"/>
-          </p:cNvSpPr>
-          <p:nvPr>
-            <p:ph idx="1"/>
-          </p:nvPr>
-        </p:nvSpPr>
-        <p:spPr>
-          <a:xfrm>
-            <a:off x="4437246" y="1845734"/>
-            <a:ext cx="6718433" cy="4023360"/>
-          </a:xfrm>
-        </p:spPr>
-        <p:txBody>
-          <a:bodyPr>
-            <a:normAutofit/>
-          </a:bodyPr>
-          <a:lstStyle/>
-          <a:p>
-            <a:pPr>
-              <a:buFont typeface="Wingdings" panose="05000000000000000000" pitchFamily="2" charset="2"/>
-              <a:buChar char="l"/>
-            </a:pPr>
-            <a:r>
-              <a:rPr kumimoji="1" lang="ja-JP" altLang="en-US" sz="4400" smtClean="0"/>
-              <a:t>各種センサ（超音波センサ・ひずみゲージ）のはんだ付け、組み立て</a:t>
-            </a:r>
-            <a:endParaRPr kumimoji="1" lang="en-US" altLang="ja-JP" sz="4400" smtClean="0"/>
-          </a:p>
-          <a:p>
-            <a:pPr>
-              <a:buFont typeface="Wingdings" panose="05000000000000000000" pitchFamily="2" charset="2"/>
-              <a:buChar char="l"/>
-            </a:pPr>
-            <a:r>
-              <a:rPr lang="ja-JP" altLang="en-US" sz="4400"/>
-              <a:t>実機</a:t>
-            </a:r>
-            <a:r>
-              <a:rPr lang="ja-JP" altLang="en-US" sz="4400" smtClean="0"/>
-              <a:t>での動作</a:t>
-            </a:r>
-            <a:r>
-              <a:rPr lang="ja-JP" altLang="en-US" sz="4400"/>
-              <a:t>確認</a:t>
-            </a:r>
-            <a:endParaRPr kumimoji="1" lang="ja-JP" altLang="en-US" sz="4400"/>
-          </a:p>
-        </p:txBody>
-      </p:sp>
-      <p:pic>
-        <p:nvPicPr>
-          <p:cNvPr id="4" name="図 3"/>
-          <p:cNvPicPr>
-            <a:picLocks noChangeAspect="1"/>
-          </p:cNvPicPr>
-          <p:nvPr/>
-        </p:nvPicPr>
-        <p:blipFill>
-          <a:blip r:embed="rId2"/>
-          <a:stretch>
-            <a:fillRect/>
-          </a:stretch>
-        </p:blipFill>
-        <p:spPr>
-          <a:xfrm>
-            <a:off x="1097280" y="1845734"/>
-            <a:ext cx="2935705" cy="3916163"/>
-          </a:xfrm>
-          <a:prstGeom prst="rect">
-            <a:avLst/>
-          </a:prstGeom>
-        </p:spPr>
-      </p:pic>
-    </p:spTree>
-    <p:extLst>
-      <p:ext uri="{BB962C8B-B14F-4D97-AF65-F5344CB8AC3E}">
-        <p14:creationId xmlns:p14="http://schemas.microsoft.com/office/powerpoint/2010/main" val="97732334"/>
-      </p:ext>
-    </p:extLst>
-  </p:cSld>
-  <p:clrMapOvr>
-    <a:masterClrMapping/>
-  </p:clrMapOvr>
-</p:sld>
-</file>
-
-<file path=ppt/slides/slide9.xml><?xml version="1.0" encoding="utf-8"?>
-<p:sld xmlns:a="http://schemas.openxmlformats.org/drawingml/2006/main" xmlns:r="http://schemas.openxmlformats.org/officeDocument/2006/relationships" xmlns:p="http://schemas.openxmlformats.org/presentationml/2006/main">
-  <p:cSld>
-    <p:spTree>
-      <p:nvGrpSpPr>
-        <p:cNvPr id="1" name=""/>
-        <p:cNvGrpSpPr/>
-        <p:nvPr/>
-      </p:nvGrpSpPr>
-      <p:grpSpPr>
-        <a:xfrm>
-          <a:off x="0" y="0"/>
-          <a:ext cx="0" cy="0"/>
-          <a:chOff x="0" y="0"/>
-          <a:chExt cx="0" cy="0"/>
-        </a:xfrm>
-      </p:grpSpPr>
-      <p:sp>
-        <p:nvSpPr>
-          <p:cNvPr id="2" name="タイトル 1"/>
-          <p:cNvSpPr>
-            <a:spLocks noGrp="1"/>
-          </p:cNvSpPr>
-          <p:nvPr>
-            <p:ph type="title"/>
-          </p:nvPr>
-        </p:nvSpPr>
-        <p:spPr/>
-        <p:txBody>
-          <a:bodyPr/>
-          <a:lstStyle/>
-          <a:p>
-            <a:r>
-              <a:rPr kumimoji="1" lang="ja-JP" altLang="en-US" dirty="0" smtClean="0"/>
-              <a:t>これからやること</a:t>
+              <a:t>次週の計画</a:t>
             </a:r>
             <a:endParaRPr kumimoji="1" lang="ja-JP" altLang="en-US" dirty="0"/>
           </a:p>

--- a/プレゼン/RapidCart20191202.pptx
+++ b/プレゼン/RapidCart20191202.pptx
@@ -6327,11 +6327,7 @@
           <a:p>
             <a:r>
               <a:rPr kumimoji="1" lang="ja-JP" altLang="en-US" smtClean="0"/>
-              <a:t>今週</a:t>
-            </a:r>
-            <a:r>
-              <a:rPr kumimoji="1" lang="ja-JP" altLang="en-US" smtClean="0"/>
-              <a:t>の</a:t>
+              <a:t>今週の</a:t>
             </a:r>
             <a:r>
               <a:rPr lang="ja-JP" altLang="en-US" smtClean="0"/>
@@ -6369,7 +6365,11 @@
             </a:pPr>
             <a:r>
               <a:rPr kumimoji="1" lang="ja-JP" altLang="en-US" sz="4400" smtClean="0"/>
-              <a:t>ひずみゲージの組み立て・実装</a:t>
+              <a:t>ひずみゲージの組み立て・</a:t>
+            </a:r>
+            <a:r>
+              <a:rPr kumimoji="1" lang="ja-JP" altLang="en-US" sz="4400" smtClean="0"/>
+              <a:t>実装</a:t>
             </a:r>
             <a:endParaRPr kumimoji="1" lang="en-US" altLang="ja-JP" sz="4400" smtClean="0"/>
           </a:p>
@@ -6488,7 +6488,9 @@
         </p:nvSpPr>
         <p:spPr/>
         <p:txBody>
-          <a:bodyPr/>
+          <a:bodyPr>
+            <a:normAutofit/>
+          </a:bodyPr>
           <a:lstStyle/>
           <a:p>
             <a:pPr>
@@ -6496,14 +6498,14 @@
               <a:buChar char="l"/>
             </a:pPr>
             <a:r>
-              <a:rPr kumimoji="1" lang="en-US" altLang="ja-JP" smtClean="0"/>
+              <a:rPr kumimoji="1" lang="en-US" altLang="ja-JP" sz="3600" smtClean="0"/>
               <a:t>WEB</a:t>
             </a:r>
             <a:r>
-              <a:rPr kumimoji="1" lang="ja-JP" altLang="en-US" smtClean="0"/>
+              <a:rPr kumimoji="1" lang="ja-JP" altLang="en-US" sz="3600" smtClean="0"/>
               <a:t>カメラの能力不足</a:t>
             </a:r>
-            <a:endParaRPr kumimoji="1" lang="en-US" altLang="ja-JP" smtClean="0"/>
+            <a:endParaRPr kumimoji="1" lang="en-US" altLang="ja-JP" sz="3600" smtClean="0"/>
           </a:p>
           <a:p>
             <a:pPr lvl="1">
@@ -6511,10 +6513,36 @@
               <a:buChar char="l"/>
             </a:pPr>
             <a:r>
-              <a:rPr lang="ja-JP" altLang="en-US" smtClean="0"/>
-              <a:t>王先生にご相談し、購入連携済み</a:t>
-            </a:r>
-            <a:endParaRPr kumimoji="1" lang="ja-JP" altLang="en-US"/>
+              <a:rPr lang="ja-JP" altLang="en-US" sz="3200" smtClean="0"/>
+              <a:t>王先生にご相談し、購入</a:t>
+            </a:r>
+            <a:r>
+              <a:rPr lang="ja-JP" altLang="en-US" sz="3200" smtClean="0"/>
+              <a:t>連携済み</a:t>
+            </a:r>
+            <a:endParaRPr lang="en-US" altLang="ja-JP" sz="3200" smtClean="0"/>
+          </a:p>
+          <a:p>
+            <a:pPr>
+              <a:buFont typeface="Wingdings" panose="05000000000000000000" pitchFamily="2" charset="2"/>
+              <a:buChar char="l"/>
+            </a:pPr>
+            <a:r>
+              <a:rPr lang="ja-JP" altLang="en-US" sz="3400" smtClean="0"/>
+              <a:t>各種センサのテストの際環境が変わってしまう</a:t>
+            </a:r>
+            <a:endParaRPr lang="en-US" altLang="ja-JP" sz="3400" smtClean="0"/>
+          </a:p>
+          <a:p>
+            <a:pPr lvl="1">
+              <a:buFont typeface="Wingdings" panose="05000000000000000000" pitchFamily="2" charset="2"/>
+              <a:buChar char="l"/>
+            </a:pPr>
+            <a:r>
+              <a:rPr lang="ja-JP" altLang="en-US" sz="3200" smtClean="0"/>
+              <a:t>カゴ購入検討</a:t>
+            </a:r>
+            <a:endParaRPr lang="en-US" altLang="ja-JP" sz="3200" smtClean="0"/>
           </a:p>
         </p:txBody>
       </p:sp>
@@ -6616,7 +6644,7 @@
             </a:pPr>
             <a:r>
               <a:rPr kumimoji="1" lang="ja-JP" altLang="en-US" sz="3800" smtClean="0"/>
-              <a:t>可能なものは結合テスト</a:t>
+              <a:t>結合テスト</a:t>
             </a:r>
             <a:endParaRPr kumimoji="1" lang="en-US" altLang="ja-JP" sz="3800" smtClean="0"/>
           </a:p>
@@ -6625,11 +6653,7 @@
               <a:buFont typeface="Wingdings" panose="05000000000000000000" pitchFamily="2" charset="2"/>
               <a:buChar char="l"/>
             </a:pPr>
-            <a:r>
-              <a:rPr lang="ja-JP" altLang="en-US" sz="4000" smtClean="0"/>
-              <a:t>ひずみゲージの組み立て</a:t>
-            </a:r>
-            <a:endParaRPr kumimoji="1" lang="en-US" altLang="ja-JP" sz="4000" dirty="0" smtClean="0"/>
+            <a:endParaRPr kumimoji="1" lang="en-US" altLang="ja-JP" sz="4000" smtClean="0"/>
           </a:p>
         </p:txBody>
       </p:sp>

--- a/プレゼン/RapidCart20191202.pptx
+++ b/プレゼン/RapidCart20191202.pptx
@@ -203,7 +203,7 @@
           <a:p>
             <a:fld id="{0649F128-D4FC-489C-860B-9DD0AB1578C1}" type="datetimeFigureOut">
               <a:rPr kumimoji="1" lang="ja-JP" altLang="en-US" smtClean="0"/>
-              <a:t>2019/11/28</a:t>
+              <a:t>2019/11/29</a:t>
             </a:fld>
             <a:endParaRPr kumimoji="1" lang="ja-JP" altLang="en-US"/>
           </a:p>
@@ -831,7 +831,7 @@
           <a:p>
             <a:fld id="{E50F9C81-DB02-44DB-A10A-141CA506DBCE}" type="datetimeFigureOut">
               <a:rPr kumimoji="1" lang="ja-JP" altLang="en-US" smtClean="0"/>
-              <a:t>2019/11/28</a:t>
+              <a:t>2019/11/29</a:t>
             </a:fld>
             <a:endParaRPr kumimoji="1" lang="ja-JP" altLang="en-US"/>
           </a:p>
@@ -1078,7 +1078,7 @@
           <a:p>
             <a:fld id="{E50F9C81-DB02-44DB-A10A-141CA506DBCE}" type="datetimeFigureOut">
               <a:rPr kumimoji="1" lang="ja-JP" altLang="en-US" smtClean="0"/>
-              <a:t>2019/11/28</a:t>
+              <a:t>2019/11/29</a:t>
             </a:fld>
             <a:endParaRPr kumimoji="1" lang="ja-JP" altLang="en-US"/>
           </a:p>
@@ -1373,7 +1373,7 @@
           <a:p>
             <a:fld id="{E50F9C81-DB02-44DB-A10A-141CA506DBCE}" type="datetimeFigureOut">
               <a:rPr kumimoji="1" lang="ja-JP" altLang="en-US" smtClean="0"/>
-              <a:t>2019/11/28</a:t>
+              <a:t>2019/11/29</a:t>
             </a:fld>
             <a:endParaRPr kumimoji="1" lang="ja-JP" altLang="en-US"/>
           </a:p>
@@ -1602,7 +1602,7 @@
           <a:p>
             <a:fld id="{E50F9C81-DB02-44DB-A10A-141CA506DBCE}" type="datetimeFigureOut">
               <a:rPr kumimoji="1" lang="ja-JP" altLang="en-US" smtClean="0"/>
-              <a:t>2019/11/28</a:t>
+              <a:t>2019/11/29</a:t>
             </a:fld>
             <a:endParaRPr kumimoji="1" lang="ja-JP" altLang="en-US"/>
           </a:p>
@@ -1952,7 +1952,7 @@
           <a:p>
             <a:fld id="{E50F9C81-DB02-44DB-A10A-141CA506DBCE}" type="datetimeFigureOut">
               <a:rPr kumimoji="1" lang="ja-JP" altLang="en-US" smtClean="0"/>
-              <a:t>2019/11/28</a:t>
+              <a:t>2019/11/29</a:t>
             </a:fld>
             <a:endParaRPr kumimoji="1" lang="ja-JP" altLang="en-US"/>
           </a:p>
@@ -2339,7 +2339,7 @@
             <a:fld id="{E50F9C81-DB02-44DB-A10A-141CA506DBCE}" type="datetimeFigureOut">
               <a:rPr lang="ja-JP" altLang="en-US" smtClean="0"/>
               <a:pPr/>
-              <a:t>2019/11/28</a:t>
+              <a:t>2019/11/29</a:t>
             </a:fld>
             <a:endParaRPr lang="ja-JP" altLang="en-US"/>
           </a:p>
@@ -2830,7 +2830,7 @@
           <a:p>
             <a:fld id="{E50F9C81-DB02-44DB-A10A-141CA506DBCE}" type="datetimeFigureOut">
               <a:rPr kumimoji="1" lang="ja-JP" altLang="en-US" smtClean="0"/>
-              <a:t>2019/11/28</a:t>
+              <a:t>2019/11/29</a:t>
             </a:fld>
             <a:endParaRPr kumimoji="1" lang="ja-JP" altLang="en-US"/>
           </a:p>
@@ -2955,7 +2955,7 @@
           <a:p>
             <a:fld id="{E50F9C81-DB02-44DB-A10A-141CA506DBCE}" type="datetimeFigureOut">
               <a:rPr kumimoji="1" lang="ja-JP" altLang="en-US" smtClean="0"/>
-              <a:t>2019/11/28</a:t>
+              <a:t>2019/11/29</a:t>
             </a:fld>
             <a:endParaRPr kumimoji="1" lang="ja-JP" altLang="en-US"/>
           </a:p>
@@ -3133,7 +3133,7 @@
           <a:p>
             <a:fld id="{E50F9C81-DB02-44DB-A10A-141CA506DBCE}" type="datetimeFigureOut">
               <a:rPr kumimoji="1" lang="ja-JP" altLang="en-US" smtClean="0"/>
-              <a:t>2019/11/28</a:t>
+              <a:t>2019/11/29</a:t>
             </a:fld>
             <a:endParaRPr kumimoji="1" lang="ja-JP" altLang="en-US"/>
           </a:p>
@@ -3526,7 +3526,7 @@
           <a:p>
             <a:fld id="{E50F9C81-DB02-44DB-A10A-141CA506DBCE}" type="datetimeFigureOut">
               <a:rPr kumimoji="1" lang="ja-JP" altLang="en-US" smtClean="0"/>
-              <a:t>2019/11/28</a:t>
+              <a:t>2019/11/29</a:t>
             </a:fld>
             <a:endParaRPr kumimoji="1" lang="ja-JP" altLang="en-US"/>
           </a:p>
@@ -3903,7 +3903,7 @@
           <a:p>
             <a:fld id="{E50F9C81-DB02-44DB-A10A-141CA506DBCE}" type="datetimeFigureOut">
               <a:rPr kumimoji="1" lang="ja-JP" altLang="en-US" smtClean="0"/>
-              <a:t>2019/11/28</a:t>
+              <a:t>2019/11/29</a:t>
             </a:fld>
             <a:endParaRPr kumimoji="1" lang="ja-JP" altLang="en-US"/>
           </a:p>
@@ -4222,7 +4222,7 @@
           <a:p>
             <a:fld id="{E50F9C81-DB02-44DB-A10A-141CA506DBCE}" type="datetimeFigureOut">
               <a:rPr kumimoji="1" lang="ja-JP" altLang="en-US" smtClean="0"/>
-              <a:t>2019/11/28</a:t>
+              <a:t>2019/11/29</a:t>
             </a:fld>
             <a:endParaRPr kumimoji="1" lang="ja-JP" altLang="en-US"/>
           </a:p>
@@ -6365,11 +6365,7 @@
             </a:pPr>
             <a:r>
               <a:rPr kumimoji="1" lang="ja-JP" altLang="en-US" sz="4400" smtClean="0"/>
-              <a:t>ひずみゲージの組み立て・</a:t>
-            </a:r>
-            <a:r>
-              <a:rPr kumimoji="1" lang="ja-JP" altLang="en-US" sz="4400" smtClean="0"/>
-              <a:t>実装</a:t>
+              <a:t>ひずみゲージの組み立て・実装</a:t>
             </a:r>
             <a:endParaRPr kumimoji="1" lang="en-US" altLang="ja-JP" sz="4400" smtClean="0"/>
           </a:p>
@@ -6498,14 +6494,18 @@
               <a:buChar char="l"/>
             </a:pPr>
             <a:r>
-              <a:rPr kumimoji="1" lang="en-US" altLang="ja-JP" sz="3600" smtClean="0"/>
-              <a:t>WEB</a:t>
-            </a:r>
-            <a:r>
-              <a:rPr kumimoji="1" lang="ja-JP" altLang="en-US" sz="3600" smtClean="0"/>
-              <a:t>カメラの能力不足</a:t>
-            </a:r>
-            <a:endParaRPr kumimoji="1" lang="en-US" altLang="ja-JP" sz="3600" smtClean="0"/>
+              <a:rPr lang="ja-JP" altLang="en-US" sz="3400" smtClean="0"/>
+              <a:t>各種</a:t>
+            </a:r>
+            <a:r>
+              <a:rPr lang="ja-JP" altLang="en-US" sz="3400" smtClean="0"/>
+              <a:t>センサの</a:t>
+            </a:r>
+            <a:r>
+              <a:rPr lang="ja-JP" altLang="en-US" sz="3400" smtClean="0"/>
+              <a:t>テストの際外観がよくない</a:t>
+            </a:r>
+            <a:endParaRPr lang="en-US" altLang="ja-JP" sz="3400" smtClean="0"/>
           </a:p>
           <a:p>
             <a:pPr lvl="1">
@@ -6514,11 +6514,11 @@
             </a:pPr>
             <a:r>
               <a:rPr lang="ja-JP" altLang="en-US" sz="3200" smtClean="0"/>
-              <a:t>王先生にご相談し、購入</a:t>
+              <a:t>カゴ購入</a:t>
             </a:r>
             <a:r>
               <a:rPr lang="ja-JP" altLang="en-US" sz="3200" smtClean="0"/>
-              <a:t>連携済み</a:t>
+              <a:t>検討</a:t>
             </a:r>
             <a:endParaRPr lang="en-US" altLang="ja-JP" sz="3200" smtClean="0"/>
           </a:p>
@@ -6527,22 +6527,7 @@
               <a:buFont typeface="Wingdings" panose="05000000000000000000" pitchFamily="2" charset="2"/>
               <a:buChar char="l"/>
             </a:pPr>
-            <a:r>
-              <a:rPr lang="ja-JP" altLang="en-US" sz="3400" smtClean="0"/>
-              <a:t>各種センサのテストの際環境が変わってしまう</a:t>
-            </a:r>
             <a:endParaRPr lang="en-US" altLang="ja-JP" sz="3400" smtClean="0"/>
-          </a:p>
-          <a:p>
-            <a:pPr lvl="1">
-              <a:buFont typeface="Wingdings" panose="05000000000000000000" pitchFamily="2" charset="2"/>
-              <a:buChar char="l"/>
-            </a:pPr>
-            <a:r>
-              <a:rPr lang="ja-JP" altLang="en-US" sz="3200" smtClean="0"/>
-              <a:t>カゴ購入検討</a:t>
-            </a:r>
-            <a:endParaRPr lang="en-US" altLang="ja-JP" sz="3200" smtClean="0"/>
           </a:p>
         </p:txBody>
       </p:sp>

--- a/プレゼン/RapidCart20191202.pptx
+++ b/プレゼン/RapidCart20191202.pptx
@@ -203,7 +203,7 @@
           <a:p>
             <a:fld id="{0649F128-D4FC-489C-860B-9DD0AB1578C1}" type="datetimeFigureOut">
               <a:rPr kumimoji="1" lang="ja-JP" altLang="en-US" smtClean="0"/>
-              <a:t>2019/11/29</a:t>
+              <a:t>2019/12/3</a:t>
             </a:fld>
             <a:endParaRPr kumimoji="1" lang="ja-JP" altLang="en-US"/>
           </a:p>
@@ -831,7 +831,7 @@
           <a:p>
             <a:fld id="{E50F9C81-DB02-44DB-A10A-141CA506DBCE}" type="datetimeFigureOut">
               <a:rPr kumimoji="1" lang="ja-JP" altLang="en-US" smtClean="0"/>
-              <a:t>2019/11/29</a:t>
+              <a:t>2019/12/3</a:t>
             </a:fld>
             <a:endParaRPr kumimoji="1" lang="ja-JP" altLang="en-US"/>
           </a:p>
@@ -1078,7 +1078,7 @@
           <a:p>
             <a:fld id="{E50F9C81-DB02-44DB-A10A-141CA506DBCE}" type="datetimeFigureOut">
               <a:rPr kumimoji="1" lang="ja-JP" altLang="en-US" smtClean="0"/>
-              <a:t>2019/11/29</a:t>
+              <a:t>2019/12/3</a:t>
             </a:fld>
             <a:endParaRPr kumimoji="1" lang="ja-JP" altLang="en-US"/>
           </a:p>
@@ -1373,7 +1373,7 @@
           <a:p>
             <a:fld id="{E50F9C81-DB02-44DB-A10A-141CA506DBCE}" type="datetimeFigureOut">
               <a:rPr kumimoji="1" lang="ja-JP" altLang="en-US" smtClean="0"/>
-              <a:t>2019/11/29</a:t>
+              <a:t>2019/12/3</a:t>
             </a:fld>
             <a:endParaRPr kumimoji="1" lang="ja-JP" altLang="en-US"/>
           </a:p>
@@ -1602,7 +1602,7 @@
           <a:p>
             <a:fld id="{E50F9C81-DB02-44DB-A10A-141CA506DBCE}" type="datetimeFigureOut">
               <a:rPr kumimoji="1" lang="ja-JP" altLang="en-US" smtClean="0"/>
-              <a:t>2019/11/29</a:t>
+              <a:t>2019/12/3</a:t>
             </a:fld>
             <a:endParaRPr kumimoji="1" lang="ja-JP" altLang="en-US"/>
           </a:p>
@@ -1952,7 +1952,7 @@
           <a:p>
             <a:fld id="{E50F9C81-DB02-44DB-A10A-141CA506DBCE}" type="datetimeFigureOut">
               <a:rPr kumimoji="1" lang="ja-JP" altLang="en-US" smtClean="0"/>
-              <a:t>2019/11/29</a:t>
+              <a:t>2019/12/3</a:t>
             </a:fld>
             <a:endParaRPr kumimoji="1" lang="ja-JP" altLang="en-US"/>
           </a:p>
@@ -2339,7 +2339,7 @@
             <a:fld id="{E50F9C81-DB02-44DB-A10A-141CA506DBCE}" type="datetimeFigureOut">
               <a:rPr lang="ja-JP" altLang="en-US" smtClean="0"/>
               <a:pPr/>
-              <a:t>2019/11/29</a:t>
+              <a:t>2019/12/3</a:t>
             </a:fld>
             <a:endParaRPr lang="ja-JP" altLang="en-US"/>
           </a:p>
@@ -2830,7 +2830,7 @@
           <a:p>
             <a:fld id="{E50F9C81-DB02-44DB-A10A-141CA506DBCE}" type="datetimeFigureOut">
               <a:rPr kumimoji="1" lang="ja-JP" altLang="en-US" smtClean="0"/>
-              <a:t>2019/11/29</a:t>
+              <a:t>2019/12/3</a:t>
             </a:fld>
             <a:endParaRPr kumimoji="1" lang="ja-JP" altLang="en-US"/>
           </a:p>
@@ -2955,7 +2955,7 @@
           <a:p>
             <a:fld id="{E50F9C81-DB02-44DB-A10A-141CA506DBCE}" type="datetimeFigureOut">
               <a:rPr kumimoji="1" lang="ja-JP" altLang="en-US" smtClean="0"/>
-              <a:t>2019/11/29</a:t>
+              <a:t>2019/12/3</a:t>
             </a:fld>
             <a:endParaRPr kumimoji="1" lang="ja-JP" altLang="en-US"/>
           </a:p>
@@ -3133,7 +3133,7 @@
           <a:p>
             <a:fld id="{E50F9C81-DB02-44DB-A10A-141CA506DBCE}" type="datetimeFigureOut">
               <a:rPr kumimoji="1" lang="ja-JP" altLang="en-US" smtClean="0"/>
-              <a:t>2019/11/29</a:t>
+              <a:t>2019/12/3</a:t>
             </a:fld>
             <a:endParaRPr kumimoji="1" lang="ja-JP" altLang="en-US"/>
           </a:p>
@@ -3526,7 +3526,7 @@
           <a:p>
             <a:fld id="{E50F9C81-DB02-44DB-A10A-141CA506DBCE}" type="datetimeFigureOut">
               <a:rPr kumimoji="1" lang="ja-JP" altLang="en-US" smtClean="0"/>
-              <a:t>2019/11/29</a:t>
+              <a:t>2019/12/3</a:t>
             </a:fld>
             <a:endParaRPr kumimoji="1" lang="ja-JP" altLang="en-US"/>
           </a:p>
@@ -3903,7 +3903,7 @@
           <a:p>
             <a:fld id="{E50F9C81-DB02-44DB-A10A-141CA506DBCE}" type="datetimeFigureOut">
               <a:rPr kumimoji="1" lang="ja-JP" altLang="en-US" smtClean="0"/>
-              <a:t>2019/11/29</a:t>
+              <a:t>2019/12/3</a:t>
             </a:fld>
             <a:endParaRPr kumimoji="1" lang="ja-JP" altLang="en-US"/>
           </a:p>
@@ -4222,7 +4222,7 @@
           <a:p>
             <a:fld id="{E50F9C81-DB02-44DB-A10A-141CA506DBCE}" type="datetimeFigureOut">
               <a:rPr kumimoji="1" lang="ja-JP" altLang="en-US" smtClean="0"/>
-              <a:t>2019/11/29</a:t>
+              <a:t>2019/12/3</a:t>
             </a:fld>
             <a:endParaRPr kumimoji="1" lang="ja-JP" altLang="en-US"/>
           </a:p>
@@ -6043,7 +6043,7 @@
             <a:avLst/>
           </a:prstGeom>
           <a:solidFill>
-            <a:srgbClr val="FFFF00">
+            <a:srgbClr val="FF0000">
               <a:alpha val="25000"/>
             </a:srgbClr>
           </a:solidFill>
@@ -6365,7 +6365,19 @@
             </a:pPr>
             <a:r>
               <a:rPr kumimoji="1" lang="ja-JP" altLang="en-US" sz="4400" smtClean="0"/>
-              <a:t>ひずみゲージの組み立て・実装</a:t>
+              <a:t>ひずみ</a:t>
+            </a:r>
+            <a:r>
+              <a:rPr kumimoji="1" lang="ja-JP" altLang="en-US" sz="4400" smtClean="0"/>
+              <a:t>ゲージ用アクリル板の組み立て</a:t>
+            </a:r>
+            <a:r>
+              <a:rPr lang="ja-JP" altLang="en-US" sz="4400"/>
+              <a:t>、</a:t>
+            </a:r>
+            <a:r>
+              <a:rPr kumimoji="1" lang="ja-JP" altLang="en-US" sz="4400" smtClean="0"/>
+              <a:t>実装</a:t>
             </a:r>
             <a:endParaRPr kumimoji="1" lang="en-US" altLang="ja-JP" sz="4400" smtClean="0"/>
           </a:p>
@@ -6376,7 +6388,15 @@
             </a:pPr>
             <a:r>
               <a:rPr kumimoji="1" lang="ja-JP" altLang="en-US" sz="4400" smtClean="0"/>
-              <a:t>ラズパイ・サーバ間でのデータ連携</a:t>
+              <a:t>ラズパイ・サーバ間で</a:t>
+            </a:r>
+            <a:r>
+              <a:rPr kumimoji="1" lang="ja-JP" altLang="en-US" sz="4400" smtClean="0"/>
+              <a:t>の画像データ連携、</a:t>
+            </a:r>
+            <a:r>
+              <a:rPr lang="ja-JP" altLang="en-US" sz="4400" smtClean="0"/>
+              <a:t>バーコード番号割り出し</a:t>
             </a:r>
             <a:endParaRPr kumimoji="1" lang="en-US" altLang="ja-JP" sz="4400" smtClean="0"/>
           </a:p>
@@ -6494,18 +6514,18 @@
               <a:buChar char="l"/>
             </a:pPr>
             <a:r>
-              <a:rPr lang="ja-JP" altLang="en-US" sz="3400" smtClean="0"/>
-              <a:t>各種</a:t>
-            </a:r>
-            <a:r>
-              <a:rPr lang="ja-JP" altLang="en-US" sz="3400" smtClean="0"/>
-              <a:t>センサの</a:t>
-            </a:r>
-            <a:r>
-              <a:rPr lang="ja-JP" altLang="en-US" sz="3400" smtClean="0"/>
-              <a:t>テストの際外観がよくない</a:t>
-            </a:r>
-            <a:endParaRPr lang="en-US" altLang="ja-JP" sz="3400" smtClean="0"/>
+              <a:rPr lang="ja-JP" altLang="en-US" sz="4000" smtClean="0"/>
+              <a:t>各種センサのテストの</a:t>
+            </a:r>
+            <a:r>
+              <a:rPr lang="ja-JP" altLang="en-US" sz="4000" smtClean="0"/>
+              <a:t>際段ボール使用しているが、外観</a:t>
+            </a:r>
+            <a:r>
+              <a:rPr lang="ja-JP" altLang="en-US" sz="4000" smtClean="0"/>
+              <a:t>がよくない</a:t>
+            </a:r>
+            <a:endParaRPr lang="en-US" altLang="ja-JP" sz="4000" smtClean="0"/>
           </a:p>
           <a:p>
             <a:pPr lvl="1">
@@ -6513,21 +6533,17 @@
               <a:buChar char="l"/>
             </a:pPr>
             <a:r>
-              <a:rPr lang="ja-JP" altLang="en-US" sz="3200" smtClean="0"/>
-              <a:t>カゴ購入</a:t>
-            </a:r>
-            <a:r>
-              <a:rPr lang="ja-JP" altLang="en-US" sz="3200" smtClean="0"/>
-              <a:t>検討</a:t>
-            </a:r>
-            <a:endParaRPr lang="en-US" altLang="ja-JP" sz="3200" smtClean="0"/>
+              <a:rPr lang="ja-JP" altLang="en-US" sz="4000" smtClean="0"/>
+              <a:t>カゴ購入検討</a:t>
+            </a:r>
+            <a:endParaRPr lang="en-US" altLang="ja-JP" sz="4000" smtClean="0"/>
           </a:p>
           <a:p>
             <a:pPr>
               <a:buFont typeface="Wingdings" panose="05000000000000000000" pitchFamily="2" charset="2"/>
               <a:buChar char="l"/>
             </a:pPr>
-            <a:endParaRPr lang="en-US" altLang="ja-JP" sz="3400" smtClean="0"/>
+            <a:endParaRPr lang="en-US" altLang="ja-JP" sz="4000" smtClean="0"/>
           </a:p>
         </p:txBody>
       </p:sp>
@@ -6597,7 +6613,7 @@
         <p:spPr/>
         <p:txBody>
           <a:bodyPr>
-            <a:normAutofit/>
+            <a:normAutofit fontScale="85000" lnSpcReduction="20000"/>
           </a:bodyPr>
           <a:lstStyle/>
           <a:p>
@@ -6607,7 +6623,7 @@
             </a:pPr>
             <a:r>
               <a:rPr kumimoji="1" lang="ja-JP" altLang="en-US" sz="4000" smtClean="0"/>
-              <a:t>各モジュールの統合作業</a:t>
+              <a:t>エッジ側とサーバ側の統合</a:t>
             </a:r>
             <a:endParaRPr kumimoji="1" lang="en-US" altLang="ja-JP" sz="4000" smtClean="0"/>
           </a:p>
@@ -6629,7 +6645,11 @@
             </a:pPr>
             <a:r>
               <a:rPr kumimoji="1" lang="ja-JP" altLang="en-US" sz="3800" smtClean="0"/>
-              <a:t>結合テスト</a:t>
+              <a:t>結合</a:t>
+            </a:r>
+            <a:r>
+              <a:rPr kumimoji="1" lang="ja-JP" altLang="en-US" sz="3800" smtClean="0"/>
+              <a:t>テスト</a:t>
             </a:r>
             <a:endParaRPr kumimoji="1" lang="en-US" altLang="ja-JP" sz="3800" smtClean="0"/>
           </a:p>
@@ -6638,7 +6658,63 @@
               <a:buFont typeface="Wingdings" panose="05000000000000000000" pitchFamily="2" charset="2"/>
               <a:buChar char="l"/>
             </a:pPr>
+            <a:r>
+              <a:rPr lang="ja-JP" altLang="en-US" sz="4000" smtClean="0"/>
+              <a:t>エッジ側</a:t>
+            </a:r>
+            <a:endParaRPr lang="en-US" altLang="ja-JP" sz="4000" smtClean="0"/>
+          </a:p>
+          <a:p>
+            <a:pPr lvl="1">
+              <a:buFont typeface="Wingdings" panose="05000000000000000000" pitchFamily="2" charset="2"/>
+              <a:buChar char="l"/>
+            </a:pPr>
+            <a:r>
+              <a:rPr lang="ja-JP" altLang="en-US" sz="3800" smtClean="0"/>
+              <a:t>各モジュールの統合作業</a:t>
+            </a:r>
+            <a:endParaRPr kumimoji="1" lang="en-US" altLang="ja-JP" sz="3800" smtClean="0"/>
+          </a:p>
+          <a:p>
+            <a:pPr>
+              <a:buFont typeface="Wingdings" panose="05000000000000000000" pitchFamily="2" charset="2"/>
+              <a:buChar char="l"/>
+            </a:pPr>
+            <a:r>
+              <a:rPr kumimoji="1" lang="ja-JP" altLang="en-US" sz="4000" smtClean="0"/>
+              <a:t>サーバ側</a:t>
+            </a:r>
             <a:endParaRPr kumimoji="1" lang="en-US" altLang="ja-JP" sz="4000" smtClean="0"/>
+          </a:p>
+          <a:p>
+            <a:pPr lvl="1">
+              <a:buFont typeface="Wingdings" panose="05000000000000000000" pitchFamily="2" charset="2"/>
+              <a:buChar char="l"/>
+            </a:pPr>
+            <a:r>
+              <a:rPr kumimoji="1" lang="ja-JP" altLang="en-US" sz="3800" smtClean="0"/>
+              <a:t>バーコード番号の割り出しの時間を早くする</a:t>
+            </a:r>
+            <a:endParaRPr kumimoji="1" lang="en-US" altLang="ja-JP" sz="3800" smtClean="0"/>
+          </a:p>
+          <a:p>
+            <a:pPr lvl="1">
+              <a:buFont typeface="Wingdings" panose="05000000000000000000" pitchFamily="2" charset="2"/>
+              <a:buChar char="l"/>
+            </a:pPr>
+            <a:r>
+              <a:rPr kumimoji="1" lang="ja-JP" altLang="en-US" sz="3800" smtClean="0"/>
+              <a:t>受信した画像の整形や</a:t>
+            </a:r>
+            <a:r>
+              <a:rPr kumimoji="1" lang="en-US" altLang="ja-JP" sz="3800" smtClean="0"/>
+              <a:t>2</a:t>
+            </a:r>
+            <a:r>
+              <a:rPr kumimoji="1" lang="ja-JP" altLang="en-US" sz="3800" smtClean="0"/>
+              <a:t>値化処理等により精度の向上</a:t>
+            </a:r>
+            <a:endParaRPr kumimoji="1" lang="en-US" altLang="ja-JP" sz="3800" smtClean="0"/>
           </a:p>
         </p:txBody>
       </p:sp>
